--- a/Estudio sobre Alojamiento Web Gratuito para Despliegue de Aplicaciones/Estudio sobre Alojamiento Web Gratuito.pptx
+++ b/Estudio sobre Alojamiento Web Gratuito para Despliegue de Aplicaciones/Estudio sobre Alojamiento Web Gratuito.pptx
@@ -2653,6 +2653,13 @@
         </dgm:presLayoutVars>
       </dgm:prSet>
       <dgm:spPr/>
+      <dgm:t>
+        <a:bodyPr/>
+        <a:lstStyle/>
+        <a:p>
+          <a:endParaRPr lang="es-ES"/>
+        </a:p>
+      </dgm:t>
     </dgm:pt>
     <dgm:pt modelId="{D2A95F8A-C3F9-4E14-86F0-56F9C46CF6E5}" type="pres">
       <dgm:prSet presAssocID="{C9632D62-5F13-4444-9317-5ECD77F2097F}" presName="composite" presStyleCnt="0"/>
@@ -2683,6 +2690,13 @@
         </dgm:presLayoutVars>
       </dgm:prSet>
       <dgm:spPr/>
+      <dgm:t>
+        <a:bodyPr/>
+        <a:lstStyle/>
+        <a:p>
+          <a:endParaRPr lang="es-ES"/>
+        </a:p>
+      </dgm:t>
     </dgm:pt>
     <dgm:pt modelId="{C07C19D8-6553-44B2-816D-76FAFC9EC871}" type="pres">
       <dgm:prSet presAssocID="{6516AC26-5867-462B-A9FD-82D4167ED356}" presName="sibTrans" presStyleCnt="0"/>
@@ -2717,6 +2731,13 @@
         </dgm:presLayoutVars>
       </dgm:prSet>
       <dgm:spPr/>
+      <dgm:t>
+        <a:bodyPr/>
+        <a:lstStyle/>
+        <a:p>
+          <a:endParaRPr lang="es-ES"/>
+        </a:p>
+      </dgm:t>
     </dgm:pt>
     <dgm:pt modelId="{E91C377C-E776-4824-BE01-3A790A67E19A}" type="pres">
       <dgm:prSet presAssocID="{E6D3CD8C-CA0B-4513-A8A8-41C9A284CB3F}" presName="sibTrans" presStyleCnt="0"/>
@@ -2751,6 +2772,13 @@
         </dgm:presLayoutVars>
       </dgm:prSet>
       <dgm:spPr/>
+      <dgm:t>
+        <a:bodyPr/>
+        <a:lstStyle/>
+        <a:p>
+          <a:endParaRPr lang="es-ES"/>
+        </a:p>
+      </dgm:t>
     </dgm:pt>
     <dgm:pt modelId="{B19254AE-FA9F-4E0B-BF4F-1701CED4F6CE}" type="pres">
       <dgm:prSet presAssocID="{7B4D0DD8-7DFD-4D05-824F-DEEE781CB787}" presName="sibTrans" presStyleCnt="0"/>
@@ -2785,6 +2813,13 @@
         </dgm:presLayoutVars>
       </dgm:prSet>
       <dgm:spPr/>
+      <dgm:t>
+        <a:bodyPr/>
+        <a:lstStyle/>
+        <a:p>
+          <a:endParaRPr lang="es-ES"/>
+        </a:p>
+      </dgm:t>
     </dgm:pt>
     <dgm:pt modelId="{CE8BF580-8283-407E-B579-70DA74907887}" type="pres">
       <dgm:prSet presAssocID="{1CC07E1B-6745-419C-BAED-992F09DA506B}" presName="sibTrans" presStyleCnt="0"/>
@@ -2819,6 +2854,13 @@
         </dgm:presLayoutVars>
       </dgm:prSet>
       <dgm:spPr/>
+      <dgm:t>
+        <a:bodyPr/>
+        <a:lstStyle/>
+        <a:p>
+          <a:endParaRPr lang="es-ES"/>
+        </a:p>
+      </dgm:t>
     </dgm:pt>
     <dgm:pt modelId="{9E566FD4-F7C6-4D66-BD32-19BC78D413A2}" type="pres">
       <dgm:prSet presAssocID="{171E98AF-B5B3-4C92-A38D-3B965B541243}" presName="sibTrans" presStyleCnt="0"/>
@@ -2853,6 +2895,13 @@
         </dgm:presLayoutVars>
       </dgm:prSet>
       <dgm:spPr/>
+      <dgm:t>
+        <a:bodyPr/>
+        <a:lstStyle/>
+        <a:p>
+          <a:endParaRPr lang="es-ES"/>
+        </a:p>
+      </dgm:t>
     </dgm:pt>
     <dgm:pt modelId="{D2D5BCC3-F810-4843-8B56-B35D457B8CD7}" type="pres">
       <dgm:prSet presAssocID="{B5C9081B-7472-454F-AB5A-51D8BBE64AF9}" presName="sibTrans" presStyleCnt="0"/>
@@ -2887,24 +2936,31 @@
         </dgm:presLayoutVars>
       </dgm:prSet>
       <dgm:spPr/>
+      <dgm:t>
+        <a:bodyPr/>
+        <a:lstStyle/>
+        <a:p>
+          <a:endParaRPr lang="es-ES"/>
+        </a:p>
+      </dgm:t>
     </dgm:pt>
   </dgm:ptLst>
   <dgm:cxnLst>
+    <dgm:cxn modelId="{17851FBB-BB9D-4F5C-A96C-181E88322858}" srcId="{5D69C7FF-BBAB-4419-A1C8-93E935CC5C2C}" destId="{D32621EE-4520-44F3-BC0E-A4968D9420B3}" srcOrd="5" destOrd="0" parTransId="{CAE57530-86DB-4FF9-888A-F2983F34536F}" sibTransId="{B5C9081B-7472-454F-AB5A-51D8BBE64AF9}"/>
+    <dgm:cxn modelId="{315A16CD-BFDA-4ED4-A1E8-C335C2425BE1}" type="presOf" srcId="{6FFD961C-E75C-4F75-B04C-E57938ECC77B}" destId="{49ECC97D-73B3-4FB2-8DBB-CED276350F60}" srcOrd="0" destOrd="0" presId="urn:microsoft.com/office/officeart/2008/layout/BendingPictureCaption"/>
+    <dgm:cxn modelId="{948C4DB3-A8DB-470C-8FCD-6AE95E1ACB57}" type="presOf" srcId="{72EDD60B-1E9E-4B25-9BC6-D83ED6F830F8}" destId="{6F703DA2-EB26-4B97-B2CB-D09F9FCB47FE}" srcOrd="0" destOrd="0" presId="urn:microsoft.com/office/officeart/2008/layout/BendingPictureCaption"/>
+    <dgm:cxn modelId="{375F3BB7-6299-49EF-914A-9302E0629630}" srcId="{5D69C7FF-BBAB-4419-A1C8-93E935CC5C2C}" destId="{C9632D62-5F13-4444-9317-5ECD77F2097F}" srcOrd="0" destOrd="0" parTransId="{B7FC0525-AD5C-45E9-A2A4-C0D1B72F6339}" sibTransId="{6516AC26-5867-462B-A9FD-82D4167ED356}"/>
+    <dgm:cxn modelId="{9AF883A6-3CCA-48DF-829B-5A9FEDC6413F}" type="presOf" srcId="{5D69C7FF-BBAB-4419-A1C8-93E935CC5C2C}" destId="{0DB77B1A-B82B-4B40-9AAE-BD6CE99A2F69}" srcOrd="0" destOrd="0" presId="urn:microsoft.com/office/officeart/2008/layout/BendingPictureCaption"/>
     <dgm:cxn modelId="{DEC3E908-3593-4D46-9189-16B80C3E1050}" srcId="{5D69C7FF-BBAB-4419-A1C8-93E935CC5C2C}" destId="{6FFD961C-E75C-4F75-B04C-E57938ECC77B}" srcOrd="4" destOrd="0" parTransId="{643F5CFD-3EA2-4551-AFF9-CC636E22B38C}" sibTransId="{171E98AF-B5B3-4C92-A38D-3B965B541243}"/>
-    <dgm:cxn modelId="{6EF7BA18-C156-4ED5-AB5F-01BFE1A64447}" srcId="{5D69C7FF-BBAB-4419-A1C8-93E935CC5C2C}" destId="{AD89C2B7-4A5A-4B45-94C4-CD0D2F1C5150}" srcOrd="1" destOrd="0" parTransId="{D0ACD640-5A1C-49C8-A74B-3DFDB77A841F}" sibTransId="{E6D3CD8C-CA0B-4513-A8A8-41C9A284CB3F}"/>
+    <dgm:cxn modelId="{71E69271-C7A1-4B78-A603-F52426384343}" type="presOf" srcId="{C9632D62-5F13-4444-9317-5ECD77F2097F}" destId="{7F01232B-5B38-4E27-9E6C-5DBF917D655A}" srcOrd="0" destOrd="0" presId="urn:microsoft.com/office/officeart/2008/layout/BendingPictureCaption"/>
     <dgm:cxn modelId="{ED81871E-110E-40D2-9194-190E9CDFA1C7}" type="presOf" srcId="{1BA57277-5656-46B4-9A91-B659DBFA2D75}" destId="{E969DBAD-7564-4B4E-9AA5-8E2E965DE94F}" srcOrd="0" destOrd="0" presId="urn:microsoft.com/office/officeart/2008/layout/BendingPictureCaption"/>
     <dgm:cxn modelId="{DA8ACC42-2485-4B7D-A6F3-4F7297FC09E7}" srcId="{5D69C7FF-BBAB-4419-A1C8-93E935CC5C2C}" destId="{1BA57277-5656-46B4-9A91-B659DBFA2D75}" srcOrd="6" destOrd="0" parTransId="{A3F0DBF5-93F8-40CD-812D-4705E632AEE5}" sibTransId="{9ECB7302-89AF-4BD6-BCD5-40DBFD119828}"/>
-    <dgm:cxn modelId="{01515267-0058-4F4C-BCB4-0A5C4B7AA01E}" srcId="{5D69C7FF-BBAB-4419-A1C8-93E935CC5C2C}" destId="{4EC18AE0-C98F-4C2D-8169-85B4A1EB9626}" srcOrd="3" destOrd="0" parTransId="{27BF40FF-AFDC-4CC8-BBD2-EAF4F7B1A4CA}" sibTransId="{1CC07E1B-6745-419C-BAED-992F09DA506B}"/>
-    <dgm:cxn modelId="{71E69271-C7A1-4B78-A603-F52426384343}" type="presOf" srcId="{C9632D62-5F13-4444-9317-5ECD77F2097F}" destId="{7F01232B-5B38-4E27-9E6C-5DBF917D655A}" srcOrd="0" destOrd="0" presId="urn:microsoft.com/office/officeart/2008/layout/BendingPictureCaption"/>
+    <dgm:cxn modelId="{6EF7BA18-C156-4ED5-AB5F-01BFE1A64447}" srcId="{5D69C7FF-BBAB-4419-A1C8-93E935CC5C2C}" destId="{AD89C2B7-4A5A-4B45-94C4-CD0D2F1C5150}" srcOrd="1" destOrd="0" parTransId="{D0ACD640-5A1C-49C8-A74B-3DFDB77A841F}" sibTransId="{E6D3CD8C-CA0B-4513-A8A8-41C9A284CB3F}"/>
     <dgm:cxn modelId="{F7BA7C56-A4E3-4C39-B5A3-F9F0E6E53F63}" type="presOf" srcId="{D32621EE-4520-44F3-BC0E-A4968D9420B3}" destId="{9DC587F1-844C-4955-A9DA-638190059D2D}" srcOrd="0" destOrd="0" presId="urn:microsoft.com/office/officeart/2008/layout/BendingPictureCaption"/>
+    <dgm:cxn modelId="{CDCE36B8-13FD-4FE2-B656-2FFAD5485607}" srcId="{5D69C7FF-BBAB-4419-A1C8-93E935CC5C2C}" destId="{72EDD60B-1E9E-4B25-9BC6-D83ED6F830F8}" srcOrd="2" destOrd="0" parTransId="{DB685562-CF8E-45B2-AA52-2C89427FF270}" sibTransId="{7B4D0DD8-7DFD-4D05-824F-DEEE781CB787}"/>
     <dgm:cxn modelId="{F488B759-301C-4909-8E5F-A4CBF1A5A570}" type="presOf" srcId="{4EC18AE0-C98F-4C2D-8169-85B4A1EB9626}" destId="{5EE1A7F0-1C48-47FB-BDC2-D7AED732842D}" srcOrd="0" destOrd="0" presId="urn:microsoft.com/office/officeart/2008/layout/BendingPictureCaption"/>
     <dgm:cxn modelId="{F9881291-1007-4503-B74E-BFA11A4D22BC}" type="presOf" srcId="{AD89C2B7-4A5A-4B45-94C4-CD0D2F1C5150}" destId="{AC1CEAB8-0C15-4DB6-BC98-0577F80A1C9E}" srcOrd="0" destOrd="0" presId="urn:microsoft.com/office/officeart/2008/layout/BendingPictureCaption"/>
-    <dgm:cxn modelId="{9AF883A6-3CCA-48DF-829B-5A9FEDC6413F}" type="presOf" srcId="{5D69C7FF-BBAB-4419-A1C8-93E935CC5C2C}" destId="{0DB77B1A-B82B-4B40-9AAE-BD6CE99A2F69}" srcOrd="0" destOrd="0" presId="urn:microsoft.com/office/officeart/2008/layout/BendingPictureCaption"/>
-    <dgm:cxn modelId="{948C4DB3-A8DB-470C-8FCD-6AE95E1ACB57}" type="presOf" srcId="{72EDD60B-1E9E-4B25-9BC6-D83ED6F830F8}" destId="{6F703DA2-EB26-4B97-B2CB-D09F9FCB47FE}" srcOrd="0" destOrd="0" presId="urn:microsoft.com/office/officeart/2008/layout/BendingPictureCaption"/>
-    <dgm:cxn modelId="{375F3BB7-6299-49EF-914A-9302E0629630}" srcId="{5D69C7FF-BBAB-4419-A1C8-93E935CC5C2C}" destId="{C9632D62-5F13-4444-9317-5ECD77F2097F}" srcOrd="0" destOrd="0" parTransId="{B7FC0525-AD5C-45E9-A2A4-C0D1B72F6339}" sibTransId="{6516AC26-5867-462B-A9FD-82D4167ED356}"/>
-    <dgm:cxn modelId="{CDCE36B8-13FD-4FE2-B656-2FFAD5485607}" srcId="{5D69C7FF-BBAB-4419-A1C8-93E935CC5C2C}" destId="{72EDD60B-1E9E-4B25-9BC6-D83ED6F830F8}" srcOrd="2" destOrd="0" parTransId="{DB685562-CF8E-45B2-AA52-2C89427FF270}" sibTransId="{7B4D0DD8-7DFD-4D05-824F-DEEE781CB787}"/>
-    <dgm:cxn modelId="{17851FBB-BB9D-4F5C-A96C-181E88322858}" srcId="{5D69C7FF-BBAB-4419-A1C8-93E935CC5C2C}" destId="{D32621EE-4520-44F3-BC0E-A4968D9420B3}" srcOrd="5" destOrd="0" parTransId="{CAE57530-86DB-4FF9-888A-F2983F34536F}" sibTransId="{B5C9081B-7472-454F-AB5A-51D8BBE64AF9}"/>
-    <dgm:cxn modelId="{315A16CD-BFDA-4ED4-A1E8-C335C2425BE1}" type="presOf" srcId="{6FFD961C-E75C-4F75-B04C-E57938ECC77B}" destId="{49ECC97D-73B3-4FB2-8DBB-CED276350F60}" srcOrd="0" destOrd="0" presId="urn:microsoft.com/office/officeart/2008/layout/BendingPictureCaption"/>
+    <dgm:cxn modelId="{01515267-0058-4F4C-BCB4-0A5C4B7AA01E}" srcId="{5D69C7FF-BBAB-4419-A1C8-93E935CC5C2C}" destId="{4EC18AE0-C98F-4C2D-8169-85B4A1EB9626}" srcOrd="3" destOrd="0" parTransId="{27BF40FF-AFDC-4CC8-BBD2-EAF4F7B1A4CA}" sibTransId="{1CC07E1B-6745-419C-BAED-992F09DA506B}"/>
     <dgm:cxn modelId="{772BE23F-2904-4F87-B319-A78F2ADFA39E}" type="presParOf" srcId="{0DB77B1A-B82B-4B40-9AAE-BD6CE99A2F69}" destId="{D2A95F8A-C3F9-4E14-86F0-56F9C46CF6E5}" srcOrd="0" destOrd="0" presId="urn:microsoft.com/office/officeart/2008/layout/BendingPictureCaption"/>
     <dgm:cxn modelId="{E919BA56-2CE6-426B-8359-CB9444F31FA8}" type="presParOf" srcId="{D2A95F8A-C3F9-4E14-86F0-56F9C46CF6E5}" destId="{F42DB087-E5D4-4BCC-A8EB-FCC6BE0BEB97}" srcOrd="0" destOrd="0" presId="urn:microsoft.com/office/officeart/2008/layout/BendingPictureCaption"/>
     <dgm:cxn modelId="{1BDC0614-DCF4-43FE-B3CD-0B1DF990C2D2}" type="presParOf" srcId="{D2A95F8A-C3F9-4E14-86F0-56F9C46CF6E5}" destId="{7F01232B-5B38-4E27-9E6C-5DBF917D655A}" srcOrd="1" destOrd="0" presId="urn:microsoft.com/office/officeart/2008/layout/BendingPictureCaption"/>
@@ -4327,6 +4383,13 @@
         </dgm:presLayoutVars>
       </dgm:prSet>
       <dgm:spPr/>
+      <dgm:t>
+        <a:bodyPr/>
+        <a:lstStyle/>
+        <a:p>
+          <a:endParaRPr lang="es-ES"/>
+        </a:p>
+      </dgm:t>
     </dgm:pt>
     <dgm:pt modelId="{3BBBDE79-64A3-4B8A-8118-62C6DFCC1EDE}" type="pres">
       <dgm:prSet presAssocID="{2F000F28-9F14-4DE3-AAD0-3B0D469E9CC3}" presName="composite" presStyleCnt="0"/>
@@ -4339,6 +4402,13 @@
         </dgm:presLayoutVars>
       </dgm:prSet>
       <dgm:spPr/>
+      <dgm:t>
+        <a:bodyPr/>
+        <a:lstStyle/>
+        <a:p>
+          <a:endParaRPr lang="es-ES"/>
+        </a:p>
+      </dgm:t>
     </dgm:pt>
     <dgm:pt modelId="{859B9346-E518-4D89-A4F8-DEF048284C01}" type="pres">
       <dgm:prSet presAssocID="{2F000F28-9F14-4DE3-AAD0-3B0D469E9CC3}" presName="rect2" presStyleLbl="fgImgPlace1" presStyleIdx="0" presStyleCnt="7"/>
@@ -4373,6 +4443,13 @@
         </dgm:presLayoutVars>
       </dgm:prSet>
       <dgm:spPr/>
+      <dgm:t>
+        <a:bodyPr/>
+        <a:lstStyle/>
+        <a:p>
+          <a:endParaRPr lang="es-ES"/>
+        </a:p>
+      </dgm:t>
     </dgm:pt>
     <dgm:pt modelId="{A96EA4B9-118B-460C-8830-295ECE26CA75}" type="pres">
       <dgm:prSet presAssocID="{C2568AD0-1613-49E5-B156-1CE8F0103525}" presName="rect2" presStyleLbl="fgImgPlace1" presStyleIdx="1" presStyleCnt="7"/>
@@ -4407,6 +4484,13 @@
         </dgm:presLayoutVars>
       </dgm:prSet>
       <dgm:spPr/>
+      <dgm:t>
+        <a:bodyPr/>
+        <a:lstStyle/>
+        <a:p>
+          <a:endParaRPr lang="es-ES"/>
+        </a:p>
+      </dgm:t>
     </dgm:pt>
     <dgm:pt modelId="{D284C0B6-E6F5-46A9-B645-99EB7DD3BBBB}" type="pres">
       <dgm:prSet presAssocID="{55E77604-FA59-45BD-8BB0-A6D1878572BC}" presName="rect2" presStyleLbl="fgImgPlace1" presStyleIdx="2" presStyleCnt="7"/>
@@ -4441,6 +4525,13 @@
         </dgm:presLayoutVars>
       </dgm:prSet>
       <dgm:spPr/>
+      <dgm:t>
+        <a:bodyPr/>
+        <a:lstStyle/>
+        <a:p>
+          <a:endParaRPr lang="es-ES"/>
+        </a:p>
+      </dgm:t>
     </dgm:pt>
     <dgm:pt modelId="{DA0E2AD4-5848-4012-BA58-2BA8762C93FA}" type="pres">
       <dgm:prSet presAssocID="{B7E08ACB-1DBF-4584-A117-33ADFBD36942}" presName="rect2" presStyleLbl="fgImgPlace1" presStyleIdx="3" presStyleCnt="7"/>
@@ -4475,6 +4566,13 @@
         </dgm:presLayoutVars>
       </dgm:prSet>
       <dgm:spPr/>
+      <dgm:t>
+        <a:bodyPr/>
+        <a:lstStyle/>
+        <a:p>
+          <a:endParaRPr lang="es-ES"/>
+        </a:p>
+      </dgm:t>
     </dgm:pt>
     <dgm:pt modelId="{FE258583-0FC5-4F82-BD0E-3A054836A21D}" type="pres">
       <dgm:prSet presAssocID="{8EC19D2E-B3D7-4F93-9367-B11F5CA8FC9F}" presName="rect2" presStyleLbl="fgImgPlace1" presStyleIdx="4" presStyleCnt="7"/>
@@ -4509,6 +4607,13 @@
         </dgm:presLayoutVars>
       </dgm:prSet>
       <dgm:spPr/>
+      <dgm:t>
+        <a:bodyPr/>
+        <a:lstStyle/>
+        <a:p>
+          <a:endParaRPr lang="es-ES"/>
+        </a:p>
+      </dgm:t>
     </dgm:pt>
     <dgm:pt modelId="{3C908A97-BB3E-402D-A4AD-B06384E36AA6}" type="pres">
       <dgm:prSet presAssocID="{783A5D1F-A23E-43B1-9DEC-17258ABDCDE3}" presName="rect2" presStyleLbl="fgImgPlace1" presStyleIdx="5" presStyleCnt="7"/>
@@ -4527,6 +4632,13 @@
           </a:stretch>
         </a:blipFill>
       </dgm:spPr>
+      <dgm:t>
+        <a:bodyPr/>
+        <a:lstStyle/>
+        <a:p>
+          <a:endParaRPr lang="es-ES"/>
+        </a:p>
+      </dgm:t>
     </dgm:pt>
     <dgm:pt modelId="{84EFB47F-E7A7-4624-B4B3-78464B676929}" type="pres">
       <dgm:prSet presAssocID="{871412A2-8682-411E-950C-5EE54105E8BC}" presName="sibTrans" presStyleCnt="0"/>
@@ -4543,6 +4655,13 @@
         </dgm:presLayoutVars>
       </dgm:prSet>
       <dgm:spPr/>
+      <dgm:t>
+        <a:bodyPr/>
+        <a:lstStyle/>
+        <a:p>
+          <a:endParaRPr lang="es-ES"/>
+        </a:p>
+      </dgm:t>
     </dgm:pt>
     <dgm:pt modelId="{4449E25F-0F00-4CC8-84FF-A0B0CAA0AD58}" type="pres">
       <dgm:prSet presAssocID="{A00EE29A-FEE0-4305-B3EF-CAF353BDC7A3}" presName="rect2" presStyleLbl="fgImgPlace1" presStyleIdx="6" presStyleCnt="7"/>
@@ -4564,81 +4683,81 @@
     </dgm:pt>
   </dgm:ptLst>
   <dgm:cxnLst>
+    <dgm:cxn modelId="{CAA4DC93-7C0D-4CC4-A2F3-D03281BC056B}" srcId="{0FD791E1-E64D-4CDA-9E2E-D3E2A709A2F6}" destId="{8EC19D2E-B3D7-4F93-9367-B11F5CA8FC9F}" srcOrd="4" destOrd="0" parTransId="{DC9CD791-9FE5-4F9A-853C-D7DB2C52B7C2}" sibTransId="{0CA1613F-D5D7-4552-BE3B-92B6E7B434CF}"/>
+    <dgm:cxn modelId="{3B60B8F8-0479-4178-B30F-07E29F54EFF6}" type="presOf" srcId="{95691A10-A40C-44AD-9906-CC611A48ED4D}" destId="{B4248891-6F02-40C1-AD0C-0495F6DDC8D6}" srcOrd="0" destOrd="3" presId="urn:microsoft.com/office/officeart/2008/layout/PictureStrips"/>
+    <dgm:cxn modelId="{77174530-2A24-43F7-B353-2A23F978D120}" type="presOf" srcId="{B7E08ACB-1DBF-4584-A117-33ADFBD36942}" destId="{C6AA3734-969F-444B-BDAC-CFFD1195B803}" srcOrd="0" destOrd="0" presId="urn:microsoft.com/office/officeart/2008/layout/PictureStrips"/>
+    <dgm:cxn modelId="{F2E60909-2448-403F-9862-D56DCA3CAA13}" srcId="{0FD791E1-E64D-4CDA-9E2E-D3E2A709A2F6}" destId="{55E77604-FA59-45BD-8BB0-A6D1878572BC}" srcOrd="2" destOrd="0" parTransId="{94E56415-F93D-4F11-A54A-ED985E4B7687}" sibTransId="{CC738145-FD53-41E3-AA5D-5C857F1CAD5F}"/>
+    <dgm:cxn modelId="{C118D81A-848C-44C2-A8AF-48B832B6F788}" type="presOf" srcId="{8EC19D2E-B3D7-4F93-9367-B11F5CA8FC9F}" destId="{B98DD3F5-33CD-4BD3-8293-92817E6EF090}" srcOrd="0" destOrd="0" presId="urn:microsoft.com/office/officeart/2008/layout/PictureStrips"/>
+    <dgm:cxn modelId="{572EC879-2BF7-4A2F-BE65-D0F0189B6BEC}" srcId="{2F000F28-9F14-4DE3-AAD0-3B0D469E9CC3}" destId="{65307983-B57D-4076-A259-3CA783E75724}" srcOrd="4" destOrd="0" parTransId="{6929D332-42F6-464F-BD85-8FF14BCB2471}" sibTransId="{02ED946D-C6D2-4380-A475-3547748CE6CA}"/>
+    <dgm:cxn modelId="{25E146CA-7B38-448B-A02C-90935F7621AB}" srcId="{55E77604-FA59-45BD-8BB0-A6D1878572BC}" destId="{238A69F0-6FD2-4CCD-AFD8-9B69D11C98F8}" srcOrd="3" destOrd="0" parTransId="{92643B69-9E3D-4A54-9A6B-059B3A5B8B55}" sibTransId="{6234D392-EDE5-4D4B-A3F6-74F172AD4C7E}"/>
+    <dgm:cxn modelId="{09A7D640-8329-4F17-9CF6-C13278FF131E}" srcId="{C2568AD0-1613-49E5-B156-1CE8F0103525}" destId="{FA42052E-4365-4633-BDD7-06581D4F22A4}" srcOrd="3" destOrd="0" parTransId="{EDF89738-45CF-4CFF-A9C5-EBADED209880}" sibTransId="{4BFFE89F-D920-460B-A949-9BB12100F1F7}"/>
+    <dgm:cxn modelId="{F1EF3FEE-A822-46B4-908C-F7D8F986FE67}" srcId="{A00EE29A-FEE0-4305-B3EF-CAF353BDC7A3}" destId="{886E6DDD-F653-4D45-9563-575FCD048643}" srcOrd="1" destOrd="0" parTransId="{E770F980-B100-488E-B167-7B0B5264F876}" sibTransId="{AE6BB16F-2553-42B7-AA55-F8987A543786}"/>
+    <dgm:cxn modelId="{478842A9-36EB-4144-B832-10B6223F2BB4}" srcId="{2F000F28-9F14-4DE3-AAD0-3B0D469E9CC3}" destId="{23E324E9-5EBE-42F0-A643-52CE29C0C363}" srcOrd="1" destOrd="0" parTransId="{6AEFAC6B-8715-4526-A2AF-F08810EFDBED}" sibTransId="{39DD3663-4C49-40FB-BC25-7B52CC9BA094}"/>
+    <dgm:cxn modelId="{D9749BF2-37C2-4E5C-8A53-CB6475F1B2D6}" srcId="{55E77604-FA59-45BD-8BB0-A6D1878572BC}" destId="{ECF9453A-244B-40E2-9F3C-BEB0DE2E7644}" srcOrd="4" destOrd="0" parTransId="{2758A138-64FE-4C14-854F-C91C799083AE}" sibTransId="{7DB8AC68-2125-4ADA-9958-BA9DBC174DED}"/>
+    <dgm:cxn modelId="{A486E92F-5B17-48C0-A7F8-E7350D8E82E3}" type="presOf" srcId="{E374ED30-8266-4EA3-BE47-F0368C6ACB44}" destId="{A2D92DD4-780D-4A49-B8D8-6F132A75EE94}" srcOrd="0" destOrd="3" presId="urn:microsoft.com/office/officeart/2008/layout/PictureStrips"/>
+    <dgm:cxn modelId="{83BEF0BE-0DC5-43D8-B752-97C26E7D2A60}" type="presOf" srcId="{ECF9453A-244B-40E2-9F3C-BEB0DE2E7644}" destId="{A2D92DD4-780D-4A49-B8D8-6F132A75EE94}" srcOrd="0" destOrd="5" presId="urn:microsoft.com/office/officeart/2008/layout/PictureStrips"/>
+    <dgm:cxn modelId="{01C502CE-6C5E-4B66-AF83-B7BE324E2480}" type="presOf" srcId="{9DE51D36-84AE-459E-9B30-20905BC62387}" destId="{B4248891-6F02-40C1-AD0C-0495F6DDC8D6}" srcOrd="0" destOrd="1" presId="urn:microsoft.com/office/officeart/2008/layout/PictureStrips"/>
+    <dgm:cxn modelId="{9164C0C7-0911-420C-9D33-6307522A1A31}" srcId="{783A5D1F-A23E-43B1-9DEC-17258ABDCDE3}" destId="{DEF1A881-00DC-4AD4-8412-A52BAFCCD12D}" srcOrd="3" destOrd="0" parTransId="{7A935F89-B8FE-4A5C-A29F-EBD1F4E899B6}" sibTransId="{316026BE-A0FA-43CD-9E3D-7BCB2B87CD4C}"/>
+    <dgm:cxn modelId="{07B2CD3F-0747-4EB2-89EE-D4E153962893}" type="presOf" srcId="{238A69F0-6FD2-4CCD-AFD8-9B69D11C98F8}" destId="{A2D92DD4-780D-4A49-B8D8-6F132A75EE94}" srcOrd="0" destOrd="4" presId="urn:microsoft.com/office/officeart/2008/layout/PictureStrips"/>
+    <dgm:cxn modelId="{7858443A-0B26-4AC5-8ECA-5D31DA239AB8}" srcId="{783A5D1F-A23E-43B1-9DEC-17258ABDCDE3}" destId="{C631E8A3-375D-4CCF-8900-18896DD2B33E}" srcOrd="2" destOrd="0" parTransId="{8008E5B1-B640-4676-9F38-604A6B7CDF8B}" sibTransId="{ADF653C9-947F-4EB3-8546-02310ACBDF6E}"/>
+    <dgm:cxn modelId="{B77FDA98-F054-45E9-95DD-4B3ADE09F8AA}" srcId="{B7E08ACB-1DBF-4584-A117-33ADFBD36942}" destId="{F09A3E3B-0598-49FF-A463-52D1D43DDAA1}" srcOrd="1" destOrd="0" parTransId="{D1C2D1AE-49DA-4434-A3B9-B34B921D62B1}" sibTransId="{C58C8278-B66C-404E-B646-1538DF01C806}"/>
+    <dgm:cxn modelId="{C023DF40-F1B3-41DA-AE7D-CE005F72E7C5}" type="presOf" srcId="{4C65AC47-8FE6-40FE-B0BF-EA6CB8FFD2AE}" destId="{A2D92DD4-780D-4A49-B8D8-6F132A75EE94}" srcOrd="0" destOrd="2" presId="urn:microsoft.com/office/officeart/2008/layout/PictureStrips"/>
+    <dgm:cxn modelId="{EE423B64-0136-4E36-B5CF-2B9B20F871B5}" srcId="{0FD791E1-E64D-4CDA-9E2E-D3E2A709A2F6}" destId="{B7E08ACB-1DBF-4584-A117-33ADFBD36942}" srcOrd="3" destOrd="0" parTransId="{1BD68CAF-94D0-4779-835C-3533CD497CC8}" sibTransId="{A21C8410-A9CB-48C3-9F54-043E7B28B3DA}"/>
+    <dgm:cxn modelId="{1F6A9FBE-CD9F-4105-BF42-CB6D077D9BAB}" type="presOf" srcId="{36D9792B-E2CC-43F8-B24D-94AE1D5AEC5F}" destId="{C8C5C983-8CCF-486B-A0A1-0CA9A030ADEC}" srcOrd="0" destOrd="1" presId="urn:microsoft.com/office/officeart/2008/layout/PictureStrips"/>
+    <dgm:cxn modelId="{259BC29E-1C9E-4BCE-95BB-F4A7A2CF3430}" srcId="{A00EE29A-FEE0-4305-B3EF-CAF353BDC7A3}" destId="{95691A10-A40C-44AD-9906-CC611A48ED4D}" srcOrd="2" destOrd="0" parTransId="{ABD73AD3-CBE3-4EA8-A72A-F226FB1CDC09}" sibTransId="{8BC65EA9-213D-4BF0-B9B5-7881603C072C}"/>
+    <dgm:cxn modelId="{1FF14341-2DC6-4822-8BBB-80EBADBF9AC3}" type="presOf" srcId="{829128D7-0661-4CB1-B50C-F802934466FB}" destId="{C8C5C983-8CCF-486B-A0A1-0CA9A030ADEC}" srcOrd="0" destOrd="5" presId="urn:microsoft.com/office/officeart/2008/layout/PictureStrips"/>
+    <dgm:cxn modelId="{D457511F-4C2F-4DB6-8E69-41CC1DC42A6E}" type="presOf" srcId="{2E5F8E98-3CB4-42C5-B75C-95DB3E31E9E4}" destId="{C125AA06-DCAB-47BF-A6DC-34CD42353B7E}" srcOrd="0" destOrd="1" presId="urn:microsoft.com/office/officeart/2008/layout/PictureStrips"/>
+    <dgm:cxn modelId="{7FD54CD3-32BA-4B5D-A58F-F91408A83089}" srcId="{C2568AD0-1613-49E5-B156-1CE8F0103525}" destId="{24CC457E-3DBB-48CE-AFB3-4E6223A65906}" srcOrd="1" destOrd="0" parTransId="{0789FC26-E544-4C22-BFEF-79788363FA8E}" sibTransId="{1CF9730F-B58B-4F21-898E-B411636F167C}"/>
+    <dgm:cxn modelId="{E141024A-6FDC-45FE-B8A8-209FE4EC978F}" type="presOf" srcId="{ABB4BC89-1C77-4B05-9620-4EC72B226F04}" destId="{B4248891-6F02-40C1-AD0C-0495F6DDC8D6}" srcOrd="0" destOrd="4" presId="urn:microsoft.com/office/officeart/2008/layout/PictureStrips"/>
+    <dgm:cxn modelId="{7CA74856-ED71-4698-BCFF-4D3F00241D07}" type="presOf" srcId="{2F000F28-9F14-4DE3-AAD0-3B0D469E9CC3}" destId="{C41F6943-BB88-441E-901C-FACEDE6612A2}" srcOrd="0" destOrd="0" presId="urn:microsoft.com/office/officeart/2008/layout/PictureStrips"/>
+    <dgm:cxn modelId="{2185B0F3-87C0-44D3-8207-4BC712C2C68D}" srcId="{2F000F28-9F14-4DE3-AAD0-3B0D469E9CC3}" destId="{23ECD174-0609-40DC-AE93-5CFF3CF6B703}" srcOrd="2" destOrd="0" parTransId="{F48BA8BD-AF6F-47CB-A9EF-CF97AEF60151}" sibTransId="{9ADC8805-949E-44C9-A353-12B8AF180442}"/>
+    <dgm:cxn modelId="{643C7C3C-FB46-4965-BDB3-B556047063EE}" type="presOf" srcId="{D050E392-AC6F-4207-B400-5EFFD3D11FBD}" destId="{C6AA3734-969F-444B-BDAC-CFFD1195B803}" srcOrd="0" destOrd="3" presId="urn:microsoft.com/office/officeart/2008/layout/PictureStrips"/>
+    <dgm:cxn modelId="{4C730DD0-B240-4934-998F-3B38E073CC79}" srcId="{C2568AD0-1613-49E5-B156-1CE8F0103525}" destId="{81338559-D18C-4214-BF6F-FA3EE62058AB}" srcOrd="2" destOrd="0" parTransId="{76C4AB49-890A-4392-97DE-891108E25833}" sibTransId="{8BE2E116-2AE2-44FA-BF47-C87F65D5ED7E}"/>
     <dgm:cxn modelId="{6652D301-6096-49F2-8CF5-282BC3F32290}" srcId="{8EC19D2E-B3D7-4F93-9367-B11F5CA8FC9F}" destId="{0EECD93A-3CC1-422C-BBE7-47976D3FC270}" srcOrd="2" destOrd="0" parTransId="{129E0600-C3D3-465D-A95C-169B12F0E3A9}" sibTransId="{1FF8E8B6-3457-44C9-B47A-C80A44EADCE7}"/>
+    <dgm:cxn modelId="{81C8D748-2EA2-43F0-AD62-246252A445B3}" type="presOf" srcId="{81338559-D18C-4214-BF6F-FA3EE62058AB}" destId="{C8C5C983-8CCF-486B-A0A1-0CA9A030ADEC}" srcOrd="0" destOrd="3" presId="urn:microsoft.com/office/officeart/2008/layout/PictureStrips"/>
+    <dgm:cxn modelId="{879459D3-597A-495D-B7FB-C1797F2E7732}" type="presOf" srcId="{24CC457E-3DBB-48CE-AFB3-4E6223A65906}" destId="{C8C5C983-8CCF-486B-A0A1-0CA9A030ADEC}" srcOrd="0" destOrd="2" presId="urn:microsoft.com/office/officeart/2008/layout/PictureStrips"/>
+    <dgm:cxn modelId="{DB726D74-5F5F-4C9E-8764-95DDC33EB801}" srcId="{B7E08ACB-1DBF-4584-A117-33ADFBD36942}" destId="{0BBE2328-27C4-4961-A3EF-521BA2F82761}" srcOrd="3" destOrd="0" parTransId="{63F315F6-74A0-4411-AC2C-3A2F7888631D}" sibTransId="{466295FA-6E3D-4E73-A106-4530D90765E2}"/>
+    <dgm:cxn modelId="{4773D107-6377-4B81-80D4-CF82C036B102}" type="presOf" srcId="{C2568AD0-1613-49E5-B156-1CE8F0103525}" destId="{C8C5C983-8CCF-486B-A0A1-0CA9A030ADEC}" srcOrd="0" destOrd="0" presId="urn:microsoft.com/office/officeart/2008/layout/PictureStrips"/>
+    <dgm:cxn modelId="{A3EA95B3-AF5F-4673-94F7-85EF468A1647}" type="presOf" srcId="{C60DB84E-82D3-4EE8-B3BA-406C34526EF1}" destId="{B98DD3F5-33CD-4BD3-8293-92817E6EF090}" srcOrd="0" destOrd="2" presId="urn:microsoft.com/office/officeart/2008/layout/PictureStrips"/>
+    <dgm:cxn modelId="{BC70225C-9CA5-46C3-A7DD-6474A3F8AE2B}" type="presOf" srcId="{8B9C0A75-F0D0-4F42-B33E-2E5C6B834950}" destId="{C41F6943-BB88-441E-901C-FACEDE6612A2}" srcOrd="0" destOrd="4" presId="urn:microsoft.com/office/officeart/2008/layout/PictureStrips"/>
+    <dgm:cxn modelId="{860E6878-4D6D-4B70-9861-EF49341F706E}" srcId="{2F000F28-9F14-4DE3-AAD0-3B0D469E9CC3}" destId="{0DBD243F-C971-4C3F-931C-A83EF7AB968C}" srcOrd="0" destOrd="0" parTransId="{C93166D4-BDAD-4467-AD40-2A3AC1509728}" sibTransId="{BDB3C07E-5CB2-4E2A-B94C-149854FDE7E1}"/>
+    <dgm:cxn modelId="{935913F0-1BAA-4DBB-B33B-3D888EAA78A1}" type="presOf" srcId="{783A5D1F-A23E-43B1-9DEC-17258ABDCDE3}" destId="{C125AA06-DCAB-47BF-A6DC-34CD42353B7E}" srcOrd="0" destOrd="0" presId="urn:microsoft.com/office/officeart/2008/layout/PictureStrips"/>
+    <dgm:cxn modelId="{8CD2ED65-E508-44E6-ABA9-9B67048C11A6}" srcId="{B7E08ACB-1DBF-4584-A117-33ADFBD36942}" destId="{C0C21B14-444B-4AE2-BA19-41EB3CD79206}" srcOrd="0" destOrd="0" parTransId="{DA5EF2E2-6B6F-4B5B-8DE2-489066B1BE4C}" sibTransId="{7F697F51-3952-41B1-A6CD-3AF628760F87}"/>
+    <dgm:cxn modelId="{9C3994F6-C48E-4A86-B2D0-A198F99A6801}" srcId="{2F000F28-9F14-4DE3-AAD0-3B0D469E9CC3}" destId="{8B9C0A75-F0D0-4F42-B33E-2E5C6B834950}" srcOrd="3" destOrd="0" parTransId="{4FEB0FB7-50A7-4E9F-AE4C-E1C685FF81E8}" sibTransId="{3065BCC1-FE9D-461B-97B5-2213872DDF40}"/>
+    <dgm:cxn modelId="{10ED18A4-B4C6-4C0B-B07B-6D078CB8F075}" srcId="{55E77604-FA59-45BD-8BB0-A6D1878572BC}" destId="{E374ED30-8266-4EA3-BE47-F0368C6ACB44}" srcOrd="2" destOrd="0" parTransId="{A5809324-2991-4385-9FD8-6E1E9CB2C760}" sibTransId="{AF20E185-F847-442A-8DF1-17E340526D67}"/>
+    <dgm:cxn modelId="{E56BB5B8-B0A6-40F5-9E1E-B2140C2F84BF}" type="presOf" srcId="{886E6DDD-F653-4D45-9563-575FCD048643}" destId="{B4248891-6F02-40C1-AD0C-0495F6DDC8D6}" srcOrd="0" destOrd="2" presId="urn:microsoft.com/office/officeart/2008/layout/PictureStrips"/>
+    <dgm:cxn modelId="{47F5DDD8-DC9C-468A-A969-3C8FA2806915}" srcId="{B7E08ACB-1DBF-4584-A117-33ADFBD36942}" destId="{D050E392-AC6F-4207-B400-5EFFD3D11FBD}" srcOrd="2" destOrd="0" parTransId="{B841E50D-29CE-4F5C-91C9-DD8910BD0E7B}" sibTransId="{3B423FF6-8F26-41D7-9D82-040AAFD04446}"/>
     <dgm:cxn modelId="{4ABF7305-9B87-4D2F-A9BA-060534B6B8AB}" srcId="{A00EE29A-FEE0-4305-B3EF-CAF353BDC7A3}" destId="{ABB4BC89-1C77-4B05-9620-4EC72B226F04}" srcOrd="3" destOrd="0" parTransId="{62319787-16C8-4CBF-93AF-F31A2F54E9B1}" sibTransId="{10246159-1FE1-4170-B59C-0544CCD268BB}"/>
-    <dgm:cxn modelId="{4773D107-6377-4B81-80D4-CF82C036B102}" type="presOf" srcId="{C2568AD0-1613-49E5-B156-1CE8F0103525}" destId="{C8C5C983-8CCF-486B-A0A1-0CA9A030ADEC}" srcOrd="0" destOrd="0" presId="urn:microsoft.com/office/officeart/2008/layout/PictureStrips"/>
+    <dgm:cxn modelId="{67492E1D-8535-4133-830C-418078BA5991}" srcId="{783A5D1F-A23E-43B1-9DEC-17258ABDCDE3}" destId="{2E5F8E98-3CB4-42C5-B75C-95DB3E31E9E4}" srcOrd="0" destOrd="0" parTransId="{76D78BF9-9FAB-4637-B850-E3A13BEC4C56}" sibTransId="{11FEBD01-76E3-434D-A03C-0D312832D3D6}"/>
+    <dgm:cxn modelId="{0ABA7869-DF4D-4064-A444-9645ECA97259}" type="presOf" srcId="{65307983-B57D-4076-A259-3CA783E75724}" destId="{C41F6943-BB88-441E-901C-FACEDE6612A2}" srcOrd="0" destOrd="5" presId="urn:microsoft.com/office/officeart/2008/layout/PictureStrips"/>
+    <dgm:cxn modelId="{F1579ADB-9405-4C8C-98FA-844722D25D64}" srcId="{0FD791E1-E64D-4CDA-9E2E-D3E2A709A2F6}" destId="{C2568AD0-1613-49E5-B156-1CE8F0103525}" srcOrd="1" destOrd="0" parTransId="{0CD8B0CB-8C05-4DF7-A37A-69BCFF7A9135}" sibTransId="{FB91511B-2137-45E9-B9C2-A7CBE0F4496A}"/>
+    <dgm:cxn modelId="{5F559E23-0D99-4553-AB38-6720068A1FB0}" srcId="{0FD791E1-E64D-4CDA-9E2E-D3E2A709A2F6}" destId="{A00EE29A-FEE0-4305-B3EF-CAF353BDC7A3}" srcOrd="6" destOrd="0" parTransId="{56A3D749-1649-4046-873A-0A77202F86D7}" sibTransId="{180A8FF2-E7D0-40A0-93C4-D799431D83CD}"/>
+    <dgm:cxn modelId="{E1AA9CEA-DC5E-40E1-8C1D-8FD5024F755F}" srcId="{C2568AD0-1613-49E5-B156-1CE8F0103525}" destId="{36D9792B-E2CC-43F8-B24D-94AE1D5AEC5F}" srcOrd="0" destOrd="0" parTransId="{9A2C7163-B143-48F5-99F5-947BD7E035C8}" sibTransId="{D2EBCF32-864B-41E2-BDFF-0C15EB1984C9}"/>
+    <dgm:cxn modelId="{C942961F-4645-4B8B-98B3-6F672B5B8DE4}" type="presOf" srcId="{DEF1A881-00DC-4AD4-8412-A52BAFCCD12D}" destId="{C125AA06-DCAB-47BF-A6DC-34CD42353B7E}" srcOrd="0" destOrd="4" presId="urn:microsoft.com/office/officeart/2008/layout/PictureStrips"/>
+    <dgm:cxn modelId="{657F5E9C-19B9-412D-B73E-2AFC4C31093C}" type="presOf" srcId="{23ECD174-0609-40DC-AE93-5CFF3CF6B703}" destId="{C41F6943-BB88-441E-901C-FACEDE6612A2}" srcOrd="0" destOrd="3" presId="urn:microsoft.com/office/officeart/2008/layout/PictureStrips"/>
+    <dgm:cxn modelId="{E8FAE96F-104D-4404-8D5F-3CF352D82141}" type="presOf" srcId="{0FD791E1-E64D-4CDA-9E2E-D3E2A709A2F6}" destId="{69A559F6-3134-4413-8DB9-681BB685C2FB}" srcOrd="0" destOrd="0" presId="urn:microsoft.com/office/officeart/2008/layout/PictureStrips"/>
+    <dgm:cxn modelId="{1D6E6256-7F24-497F-96D3-85DF1A2CEA64}" type="presOf" srcId="{F09A3E3B-0598-49FF-A463-52D1D43DDAA1}" destId="{C6AA3734-969F-444B-BDAC-CFFD1195B803}" srcOrd="0" destOrd="2" presId="urn:microsoft.com/office/officeart/2008/layout/PictureStrips"/>
+    <dgm:cxn modelId="{EAF4CA39-F505-422A-9862-50098558B8C2}" type="presOf" srcId="{A00EE29A-FEE0-4305-B3EF-CAF353BDC7A3}" destId="{B4248891-6F02-40C1-AD0C-0495F6DDC8D6}" srcOrd="0" destOrd="0" presId="urn:microsoft.com/office/officeart/2008/layout/PictureStrips"/>
+    <dgm:cxn modelId="{34A4CBB5-A0FE-4870-BE9A-D8AD03B2997E}" srcId="{55E77604-FA59-45BD-8BB0-A6D1878572BC}" destId="{F759485A-614C-445F-828A-16CBB55F6A9D}" srcOrd="0" destOrd="0" parTransId="{B78AEAFF-AD86-417C-9FEA-63AB09EA7DF5}" sibTransId="{F22F094D-7B18-430E-B7EA-756AFA52AA10}"/>
+    <dgm:cxn modelId="{B8A2C414-BF94-48CC-AFD1-B9A1B0AFC94C}" type="presOf" srcId="{0EECD93A-3CC1-422C-BBE7-47976D3FC270}" destId="{B98DD3F5-33CD-4BD3-8293-92817E6EF090}" srcOrd="0" destOrd="3" presId="urn:microsoft.com/office/officeart/2008/layout/PictureStrips"/>
+    <dgm:cxn modelId="{BD92B65C-03DC-4F36-94B1-D0E75E58A3AD}" type="presOf" srcId="{C631E8A3-375D-4CCF-8900-18896DD2B33E}" destId="{C125AA06-DCAB-47BF-A6DC-34CD42353B7E}" srcOrd="0" destOrd="3" presId="urn:microsoft.com/office/officeart/2008/layout/PictureStrips"/>
     <dgm:cxn modelId="{30D75E08-BC81-4F9D-B2C4-F72430ACD996}" srcId="{C2568AD0-1613-49E5-B156-1CE8F0103525}" destId="{829128D7-0661-4CB1-B50C-F802934466FB}" srcOrd="4" destOrd="0" parTransId="{0B6A4959-B1CD-44DA-A2E8-8B1B7BC12150}" sibTransId="{DCB4DC36-1F49-4845-8B86-6E154EB3E09B}"/>
-    <dgm:cxn modelId="{F2E60909-2448-403F-9862-D56DCA3CAA13}" srcId="{0FD791E1-E64D-4CDA-9E2E-D3E2A709A2F6}" destId="{55E77604-FA59-45BD-8BB0-A6D1878572BC}" srcOrd="2" destOrd="0" parTransId="{94E56415-F93D-4F11-A54A-ED985E4B7687}" sibTransId="{CC738145-FD53-41E3-AA5D-5C857F1CAD5F}"/>
-    <dgm:cxn modelId="{B8A2C414-BF94-48CC-AFD1-B9A1B0AFC94C}" type="presOf" srcId="{0EECD93A-3CC1-422C-BBE7-47976D3FC270}" destId="{B98DD3F5-33CD-4BD3-8293-92817E6EF090}" srcOrd="0" destOrd="3" presId="urn:microsoft.com/office/officeart/2008/layout/PictureStrips"/>
+    <dgm:cxn modelId="{85B3EB8A-81FD-4B12-8213-BD955BE06738}" srcId="{783A5D1F-A23E-43B1-9DEC-17258ABDCDE3}" destId="{8743AC28-765B-4322-B54B-4E46418C54C7}" srcOrd="1" destOrd="0" parTransId="{1B113BA8-B29D-4764-85D8-CA3173030A37}" sibTransId="{641D3869-729B-4BB0-942B-71E3AE4E8BBE}"/>
+    <dgm:cxn modelId="{B54A329F-AE6A-4398-B818-8CC15E8832E5}" type="presOf" srcId="{0BBE2328-27C4-4961-A3EF-521BA2F82761}" destId="{C6AA3734-969F-444B-BDAC-CFFD1195B803}" srcOrd="0" destOrd="4" presId="urn:microsoft.com/office/officeart/2008/layout/PictureStrips"/>
     <dgm:cxn modelId="{45658A16-4E1B-46A7-BB0D-B46AD792A861}" type="presOf" srcId="{3A8CFA58-5007-43C8-A730-3D787366E442}" destId="{B98DD3F5-33CD-4BD3-8293-92817E6EF090}" srcOrd="0" destOrd="1" presId="urn:microsoft.com/office/officeart/2008/layout/PictureStrips"/>
-    <dgm:cxn modelId="{C118D81A-848C-44C2-A8AF-48B832B6F788}" type="presOf" srcId="{8EC19D2E-B3D7-4F93-9367-B11F5CA8FC9F}" destId="{B98DD3F5-33CD-4BD3-8293-92817E6EF090}" srcOrd="0" destOrd="0" presId="urn:microsoft.com/office/officeart/2008/layout/PictureStrips"/>
-    <dgm:cxn modelId="{67492E1D-8535-4133-830C-418078BA5991}" srcId="{783A5D1F-A23E-43B1-9DEC-17258ABDCDE3}" destId="{2E5F8E98-3CB4-42C5-B75C-95DB3E31E9E4}" srcOrd="0" destOrd="0" parTransId="{76D78BF9-9FAB-4637-B850-E3A13BEC4C56}" sibTransId="{11FEBD01-76E3-434D-A03C-0D312832D3D6}"/>
-    <dgm:cxn modelId="{D457511F-4C2F-4DB6-8E69-41CC1DC42A6E}" type="presOf" srcId="{2E5F8E98-3CB4-42C5-B75C-95DB3E31E9E4}" destId="{C125AA06-DCAB-47BF-A6DC-34CD42353B7E}" srcOrd="0" destOrd="1" presId="urn:microsoft.com/office/officeart/2008/layout/PictureStrips"/>
-    <dgm:cxn modelId="{C942961F-4645-4B8B-98B3-6F672B5B8DE4}" type="presOf" srcId="{DEF1A881-00DC-4AD4-8412-A52BAFCCD12D}" destId="{C125AA06-DCAB-47BF-A6DC-34CD42353B7E}" srcOrd="0" destOrd="4" presId="urn:microsoft.com/office/officeart/2008/layout/PictureStrips"/>
-    <dgm:cxn modelId="{5F559E23-0D99-4553-AB38-6720068A1FB0}" srcId="{0FD791E1-E64D-4CDA-9E2E-D3E2A709A2F6}" destId="{A00EE29A-FEE0-4305-B3EF-CAF353BDC7A3}" srcOrd="6" destOrd="0" parTransId="{56A3D749-1649-4046-873A-0A77202F86D7}" sibTransId="{180A8FF2-E7D0-40A0-93C4-D799431D83CD}"/>
-    <dgm:cxn modelId="{A486E92F-5B17-48C0-A7F8-E7350D8E82E3}" type="presOf" srcId="{E374ED30-8266-4EA3-BE47-F0368C6ACB44}" destId="{A2D92DD4-780D-4A49-B8D8-6F132A75EE94}" srcOrd="0" destOrd="3" presId="urn:microsoft.com/office/officeart/2008/layout/PictureStrips"/>
-    <dgm:cxn modelId="{77174530-2A24-43F7-B353-2A23F978D120}" type="presOf" srcId="{B7E08ACB-1DBF-4584-A117-33ADFBD36942}" destId="{C6AA3734-969F-444B-BDAC-CFFD1195B803}" srcOrd="0" destOrd="0" presId="urn:microsoft.com/office/officeart/2008/layout/PictureStrips"/>
-    <dgm:cxn modelId="{EAF4CA39-F505-422A-9862-50098558B8C2}" type="presOf" srcId="{A00EE29A-FEE0-4305-B3EF-CAF353BDC7A3}" destId="{B4248891-6F02-40C1-AD0C-0495F6DDC8D6}" srcOrd="0" destOrd="0" presId="urn:microsoft.com/office/officeart/2008/layout/PictureStrips"/>
-    <dgm:cxn modelId="{7858443A-0B26-4AC5-8ECA-5D31DA239AB8}" srcId="{783A5D1F-A23E-43B1-9DEC-17258ABDCDE3}" destId="{C631E8A3-375D-4CCF-8900-18896DD2B33E}" srcOrd="2" destOrd="0" parTransId="{8008E5B1-B640-4676-9F38-604A6B7CDF8B}" sibTransId="{ADF653C9-947F-4EB3-8546-02310ACBDF6E}"/>
-    <dgm:cxn modelId="{643C7C3C-FB46-4965-BDB3-B556047063EE}" type="presOf" srcId="{D050E392-AC6F-4207-B400-5EFFD3D11FBD}" destId="{C6AA3734-969F-444B-BDAC-CFFD1195B803}" srcOrd="0" destOrd="3" presId="urn:microsoft.com/office/officeart/2008/layout/PictureStrips"/>
-    <dgm:cxn modelId="{07B2CD3F-0747-4EB2-89EE-D4E153962893}" type="presOf" srcId="{238A69F0-6FD2-4CCD-AFD8-9B69D11C98F8}" destId="{A2D92DD4-780D-4A49-B8D8-6F132A75EE94}" srcOrd="0" destOrd="4" presId="urn:microsoft.com/office/officeart/2008/layout/PictureStrips"/>
-    <dgm:cxn modelId="{09A7D640-8329-4F17-9CF6-C13278FF131E}" srcId="{C2568AD0-1613-49E5-B156-1CE8F0103525}" destId="{FA42052E-4365-4633-BDD7-06581D4F22A4}" srcOrd="3" destOrd="0" parTransId="{EDF89738-45CF-4CFF-A9C5-EBADED209880}" sibTransId="{4BFFE89F-D920-460B-A949-9BB12100F1F7}"/>
-    <dgm:cxn modelId="{C023DF40-F1B3-41DA-AE7D-CE005F72E7C5}" type="presOf" srcId="{4C65AC47-8FE6-40FE-B0BF-EA6CB8FFD2AE}" destId="{A2D92DD4-780D-4A49-B8D8-6F132A75EE94}" srcOrd="0" destOrd="2" presId="urn:microsoft.com/office/officeart/2008/layout/PictureStrips"/>
-    <dgm:cxn modelId="{BC70225C-9CA5-46C3-A7DD-6474A3F8AE2B}" type="presOf" srcId="{8B9C0A75-F0D0-4F42-B33E-2E5C6B834950}" destId="{C41F6943-BB88-441E-901C-FACEDE6612A2}" srcOrd="0" destOrd="4" presId="urn:microsoft.com/office/officeart/2008/layout/PictureStrips"/>
-    <dgm:cxn modelId="{BD92B65C-03DC-4F36-94B1-D0E75E58A3AD}" type="presOf" srcId="{C631E8A3-375D-4CCF-8900-18896DD2B33E}" destId="{C125AA06-DCAB-47BF-A6DC-34CD42353B7E}" srcOrd="0" destOrd="3" presId="urn:microsoft.com/office/officeart/2008/layout/PictureStrips"/>
-    <dgm:cxn modelId="{0C2E565E-EB08-4D38-9236-7271E1421EC9}" type="presOf" srcId="{FA42052E-4365-4633-BDD7-06581D4F22A4}" destId="{C8C5C983-8CCF-486B-A0A1-0CA9A030ADEC}" srcOrd="0" destOrd="4" presId="urn:microsoft.com/office/officeart/2008/layout/PictureStrips"/>
-    <dgm:cxn modelId="{1FF14341-2DC6-4822-8BBB-80EBADBF9AC3}" type="presOf" srcId="{829128D7-0661-4CB1-B50C-F802934466FB}" destId="{C8C5C983-8CCF-486B-A0A1-0CA9A030ADEC}" srcOrd="0" destOrd="5" presId="urn:microsoft.com/office/officeart/2008/layout/PictureStrips"/>
-    <dgm:cxn modelId="{EE423B64-0136-4E36-B5CF-2B9B20F871B5}" srcId="{0FD791E1-E64D-4CDA-9E2E-D3E2A709A2F6}" destId="{B7E08ACB-1DBF-4584-A117-33ADFBD36942}" srcOrd="3" destOrd="0" parTransId="{1BD68CAF-94D0-4779-835C-3533CD497CC8}" sibTransId="{A21C8410-A9CB-48C3-9F54-043E7B28B3DA}"/>
-    <dgm:cxn modelId="{8CD2ED65-E508-44E6-ABA9-9B67048C11A6}" srcId="{B7E08ACB-1DBF-4584-A117-33ADFBD36942}" destId="{C0C21B14-444B-4AE2-BA19-41EB3CD79206}" srcOrd="0" destOrd="0" parTransId="{DA5EF2E2-6B6F-4B5B-8DE2-489066B1BE4C}" sibTransId="{7F697F51-3952-41B1-A6CD-3AF628760F87}"/>
-    <dgm:cxn modelId="{81C8D748-2EA2-43F0-AD62-246252A445B3}" type="presOf" srcId="{81338559-D18C-4214-BF6F-FA3EE62058AB}" destId="{C8C5C983-8CCF-486B-A0A1-0CA9A030ADEC}" srcOrd="0" destOrd="3" presId="urn:microsoft.com/office/officeart/2008/layout/PictureStrips"/>
-    <dgm:cxn modelId="{0ABA7869-DF4D-4064-A444-9645ECA97259}" type="presOf" srcId="{65307983-B57D-4076-A259-3CA783E75724}" destId="{C41F6943-BB88-441E-901C-FACEDE6612A2}" srcOrd="0" destOrd="5" presId="urn:microsoft.com/office/officeart/2008/layout/PictureStrips"/>
-    <dgm:cxn modelId="{E141024A-6FDC-45FE-B8A8-209FE4EC978F}" type="presOf" srcId="{ABB4BC89-1C77-4B05-9620-4EC72B226F04}" destId="{B4248891-6F02-40C1-AD0C-0495F6DDC8D6}" srcOrd="0" destOrd="4" presId="urn:microsoft.com/office/officeart/2008/layout/PictureStrips"/>
-    <dgm:cxn modelId="{E8FAE96F-104D-4404-8D5F-3CF352D82141}" type="presOf" srcId="{0FD791E1-E64D-4CDA-9E2E-D3E2A709A2F6}" destId="{69A559F6-3134-4413-8DB9-681BB685C2FB}" srcOrd="0" destOrd="0" presId="urn:microsoft.com/office/officeart/2008/layout/PictureStrips"/>
-    <dgm:cxn modelId="{DB726D74-5F5F-4C9E-8764-95DDC33EB801}" srcId="{B7E08ACB-1DBF-4584-A117-33ADFBD36942}" destId="{0BBE2328-27C4-4961-A3EF-521BA2F82761}" srcOrd="3" destOrd="0" parTransId="{63F315F6-74A0-4411-AC2C-3A2F7888631D}" sibTransId="{466295FA-6E3D-4E73-A106-4530D90765E2}"/>
-    <dgm:cxn modelId="{1D6E6256-7F24-497F-96D3-85DF1A2CEA64}" type="presOf" srcId="{F09A3E3B-0598-49FF-A463-52D1D43DDAA1}" destId="{C6AA3734-969F-444B-BDAC-CFFD1195B803}" srcOrd="0" destOrd="2" presId="urn:microsoft.com/office/officeart/2008/layout/PictureStrips"/>
-    <dgm:cxn modelId="{7CA74856-ED71-4698-BCFF-4D3F00241D07}" type="presOf" srcId="{2F000F28-9F14-4DE3-AAD0-3B0D469E9CC3}" destId="{C41F6943-BB88-441E-901C-FACEDE6612A2}" srcOrd="0" destOrd="0" presId="urn:microsoft.com/office/officeart/2008/layout/PictureStrips"/>
-    <dgm:cxn modelId="{860E6878-4D6D-4B70-9861-EF49341F706E}" srcId="{2F000F28-9F14-4DE3-AAD0-3B0D469E9CC3}" destId="{0DBD243F-C971-4C3F-931C-A83EF7AB968C}" srcOrd="0" destOrd="0" parTransId="{C93166D4-BDAD-4467-AD40-2A3AC1509728}" sibTransId="{BDB3C07E-5CB2-4E2A-B94C-149854FDE7E1}"/>
-    <dgm:cxn modelId="{572EC879-2BF7-4A2F-BE65-D0F0189B6BEC}" srcId="{2F000F28-9F14-4DE3-AAD0-3B0D469E9CC3}" destId="{65307983-B57D-4076-A259-3CA783E75724}" srcOrd="4" destOrd="0" parTransId="{6929D332-42F6-464F-BD85-8FF14BCB2471}" sibTransId="{02ED946D-C6D2-4380-A475-3547748CE6CA}"/>
+    <dgm:cxn modelId="{B1718E98-56A1-4939-AD37-226FBD32B6BB}" type="presOf" srcId="{55E77604-FA59-45BD-8BB0-A6D1878572BC}" destId="{A2D92DD4-780D-4A49-B8D8-6F132A75EE94}" srcOrd="0" destOrd="0" presId="urn:microsoft.com/office/officeart/2008/layout/PictureStrips"/>
+    <dgm:cxn modelId="{7A8396AE-B48C-4E98-BCE9-80FA3E5C68C4}" type="presOf" srcId="{F759485A-614C-445F-828A-16CBB55F6A9D}" destId="{A2D92DD4-780D-4A49-B8D8-6F132A75EE94}" srcOrd="0" destOrd="1" presId="urn:microsoft.com/office/officeart/2008/layout/PictureStrips"/>
+    <dgm:cxn modelId="{3BAACAF0-427F-48D2-B393-ECF6B70EFC4F}" srcId="{8EC19D2E-B3D7-4F93-9367-B11F5CA8FC9F}" destId="{C60DB84E-82D3-4EE8-B3BA-406C34526EF1}" srcOrd="1" destOrd="0" parTransId="{8992B526-475E-4658-B697-F0E471DA14B4}" sibTransId="{06282A0E-B800-4CAC-A0D9-3CCA101D4EB9}"/>
     <dgm:cxn modelId="{2D2FE181-32FF-4132-AF02-6510383842A7}" srcId="{0FD791E1-E64D-4CDA-9E2E-D3E2A709A2F6}" destId="{2F000F28-9F14-4DE3-AAD0-3B0D469E9CC3}" srcOrd="0" destOrd="0" parTransId="{6E6C9683-1ECF-4D3E-982D-1989B6ECAEC5}" sibTransId="{B2BD36F4-1B81-4C71-AEA9-4F207C870103}"/>
-    <dgm:cxn modelId="{85B3EB8A-81FD-4B12-8213-BD955BE06738}" srcId="{783A5D1F-A23E-43B1-9DEC-17258ABDCDE3}" destId="{8743AC28-765B-4322-B54B-4E46418C54C7}" srcOrd="1" destOrd="0" parTransId="{1B113BA8-B29D-4764-85D8-CA3173030A37}" sibTransId="{641D3869-729B-4BB0-942B-71E3AE4E8BBE}"/>
-    <dgm:cxn modelId="{CAA4DC93-7C0D-4CC4-A2F3-D03281BC056B}" srcId="{0FD791E1-E64D-4CDA-9E2E-D3E2A709A2F6}" destId="{8EC19D2E-B3D7-4F93-9367-B11F5CA8FC9F}" srcOrd="4" destOrd="0" parTransId="{DC9CD791-9FE5-4F9A-853C-D7DB2C52B7C2}" sibTransId="{0CA1613F-D5D7-4552-BE3B-92B6E7B434CF}"/>
-    <dgm:cxn modelId="{30EA3D97-0DA6-46E6-A55C-5E313CAB9DD1}" srcId="{8EC19D2E-B3D7-4F93-9367-B11F5CA8FC9F}" destId="{3A8CFA58-5007-43C8-A730-3D787366E442}" srcOrd="0" destOrd="0" parTransId="{01A7893C-5C4C-48BD-949B-6EAC032BE53E}" sibTransId="{2F66A7F5-D6DA-4AF6-AEA5-DC1FA5A3E021}"/>
-    <dgm:cxn modelId="{B1718E98-56A1-4939-AD37-226FBD32B6BB}" type="presOf" srcId="{55E77604-FA59-45BD-8BB0-A6D1878572BC}" destId="{A2D92DD4-780D-4A49-B8D8-6F132A75EE94}" srcOrd="0" destOrd="0" presId="urn:microsoft.com/office/officeart/2008/layout/PictureStrips"/>
-    <dgm:cxn modelId="{B77FDA98-F054-45E9-95DD-4B3ADE09F8AA}" srcId="{B7E08ACB-1DBF-4584-A117-33ADFBD36942}" destId="{F09A3E3B-0598-49FF-A463-52D1D43DDAA1}" srcOrd="1" destOrd="0" parTransId="{D1C2D1AE-49DA-4434-A3B9-B34B921D62B1}" sibTransId="{C58C8278-B66C-404E-B646-1538DF01C806}"/>
-    <dgm:cxn modelId="{BEA6E79A-B2C5-4BA1-97D7-4246CF56959E}" type="presOf" srcId="{8743AC28-765B-4322-B54B-4E46418C54C7}" destId="{C125AA06-DCAB-47BF-A6DC-34CD42353B7E}" srcOrd="0" destOrd="2" presId="urn:microsoft.com/office/officeart/2008/layout/PictureStrips"/>
-    <dgm:cxn modelId="{657F5E9C-19B9-412D-B73E-2AFC4C31093C}" type="presOf" srcId="{23ECD174-0609-40DC-AE93-5CFF3CF6B703}" destId="{C41F6943-BB88-441E-901C-FACEDE6612A2}" srcOrd="0" destOrd="3" presId="urn:microsoft.com/office/officeart/2008/layout/PictureStrips"/>
-    <dgm:cxn modelId="{259BC29E-1C9E-4BCE-95BB-F4A7A2CF3430}" srcId="{A00EE29A-FEE0-4305-B3EF-CAF353BDC7A3}" destId="{95691A10-A40C-44AD-9906-CC611A48ED4D}" srcOrd="2" destOrd="0" parTransId="{ABD73AD3-CBE3-4EA8-A72A-F226FB1CDC09}" sibTransId="{8BC65EA9-213D-4BF0-B9B5-7881603C072C}"/>
-    <dgm:cxn modelId="{B54A329F-AE6A-4398-B818-8CC15E8832E5}" type="presOf" srcId="{0BBE2328-27C4-4961-A3EF-521BA2F82761}" destId="{C6AA3734-969F-444B-BDAC-CFFD1195B803}" srcOrd="0" destOrd="4" presId="urn:microsoft.com/office/officeart/2008/layout/PictureStrips"/>
-    <dgm:cxn modelId="{10ED18A4-B4C6-4C0B-B07B-6D078CB8F075}" srcId="{55E77604-FA59-45BD-8BB0-A6D1878572BC}" destId="{E374ED30-8266-4EA3-BE47-F0368C6ACB44}" srcOrd="2" destOrd="0" parTransId="{A5809324-2991-4385-9FD8-6E1E9CB2C760}" sibTransId="{AF20E185-F847-442A-8DF1-17E340526D67}"/>
-    <dgm:cxn modelId="{478842A9-36EB-4144-B832-10B6223F2BB4}" srcId="{2F000F28-9F14-4DE3-AAD0-3B0D469E9CC3}" destId="{23E324E9-5EBE-42F0-A643-52CE29C0C363}" srcOrd="1" destOrd="0" parTransId="{6AEFAC6B-8715-4526-A2AF-F08810EFDBED}" sibTransId="{39DD3663-4C49-40FB-BC25-7B52CC9BA094}"/>
-    <dgm:cxn modelId="{A8C057A9-6E59-4E3F-83D9-D76627FA4064}" srcId="{55E77604-FA59-45BD-8BB0-A6D1878572BC}" destId="{4C65AC47-8FE6-40FE-B0BF-EA6CB8FFD2AE}" srcOrd="1" destOrd="0" parTransId="{F3CE28E1-EC26-47CD-ABF5-1ABDA1C1720C}" sibTransId="{09C03485-71D1-4209-BD0F-B3F78355F939}"/>
-    <dgm:cxn modelId="{264E3CAC-9480-4081-99C8-707504E76A17}" srcId="{0FD791E1-E64D-4CDA-9E2E-D3E2A709A2F6}" destId="{783A5D1F-A23E-43B1-9DEC-17258ABDCDE3}" srcOrd="5" destOrd="0" parTransId="{78FCCE63-A0EB-4303-A995-1DC48A44A6F8}" sibTransId="{871412A2-8682-411E-950C-5EE54105E8BC}"/>
-    <dgm:cxn modelId="{7A8396AE-B48C-4E98-BCE9-80FA3E5C68C4}" type="presOf" srcId="{F759485A-614C-445F-828A-16CBB55F6A9D}" destId="{A2D92DD4-780D-4A49-B8D8-6F132A75EE94}" srcOrd="0" destOrd="1" presId="urn:microsoft.com/office/officeart/2008/layout/PictureStrips"/>
-    <dgm:cxn modelId="{A3EA95B3-AF5F-4673-94F7-85EF468A1647}" type="presOf" srcId="{C60DB84E-82D3-4EE8-B3BA-406C34526EF1}" destId="{B98DD3F5-33CD-4BD3-8293-92817E6EF090}" srcOrd="0" destOrd="2" presId="urn:microsoft.com/office/officeart/2008/layout/PictureStrips"/>
-    <dgm:cxn modelId="{34A4CBB5-A0FE-4870-BE9A-D8AD03B2997E}" srcId="{55E77604-FA59-45BD-8BB0-A6D1878572BC}" destId="{F759485A-614C-445F-828A-16CBB55F6A9D}" srcOrd="0" destOrd="0" parTransId="{B78AEAFF-AD86-417C-9FEA-63AB09EA7DF5}" sibTransId="{F22F094D-7B18-430E-B7EA-756AFA52AA10}"/>
-    <dgm:cxn modelId="{E56BB5B8-B0A6-40F5-9E1E-B2140C2F84BF}" type="presOf" srcId="{886E6DDD-F653-4D45-9563-575FCD048643}" destId="{B4248891-6F02-40C1-AD0C-0495F6DDC8D6}" srcOrd="0" destOrd="2" presId="urn:microsoft.com/office/officeart/2008/layout/PictureStrips"/>
-    <dgm:cxn modelId="{1F6A9FBE-CD9F-4105-BF42-CB6D077D9BAB}" type="presOf" srcId="{36D9792B-E2CC-43F8-B24D-94AE1D5AEC5F}" destId="{C8C5C983-8CCF-486B-A0A1-0CA9A030ADEC}" srcOrd="0" destOrd="1" presId="urn:microsoft.com/office/officeart/2008/layout/PictureStrips"/>
-    <dgm:cxn modelId="{83BEF0BE-0DC5-43D8-B752-97C26E7D2A60}" type="presOf" srcId="{ECF9453A-244B-40E2-9F3C-BEB0DE2E7644}" destId="{A2D92DD4-780D-4A49-B8D8-6F132A75EE94}" srcOrd="0" destOrd="5" presId="urn:microsoft.com/office/officeart/2008/layout/PictureStrips"/>
-    <dgm:cxn modelId="{9164C0C7-0911-420C-9D33-6307522A1A31}" srcId="{783A5D1F-A23E-43B1-9DEC-17258ABDCDE3}" destId="{DEF1A881-00DC-4AD4-8412-A52BAFCCD12D}" srcOrd="3" destOrd="0" parTransId="{7A935F89-B8FE-4A5C-A29F-EBD1F4E899B6}" sibTransId="{316026BE-A0FA-43CD-9E3D-7BCB2B87CD4C}"/>
-    <dgm:cxn modelId="{25E146CA-7B38-448B-A02C-90935F7621AB}" srcId="{55E77604-FA59-45BD-8BB0-A6D1878572BC}" destId="{238A69F0-6FD2-4CCD-AFD8-9B69D11C98F8}" srcOrd="3" destOrd="0" parTransId="{92643B69-9E3D-4A54-9A6B-059B3A5B8B55}" sibTransId="{6234D392-EDE5-4D4B-A3F6-74F172AD4C7E}"/>
-    <dgm:cxn modelId="{01C502CE-6C5E-4B66-AF83-B7BE324E2480}" type="presOf" srcId="{9DE51D36-84AE-459E-9B30-20905BC62387}" destId="{B4248891-6F02-40C1-AD0C-0495F6DDC8D6}" srcOrd="0" destOrd="1" presId="urn:microsoft.com/office/officeart/2008/layout/PictureStrips"/>
-    <dgm:cxn modelId="{4C730DD0-B240-4934-998F-3B38E073CC79}" srcId="{C2568AD0-1613-49E5-B156-1CE8F0103525}" destId="{81338559-D18C-4214-BF6F-FA3EE62058AB}" srcOrd="2" destOrd="0" parTransId="{76C4AB49-890A-4392-97DE-891108E25833}" sibTransId="{8BE2E116-2AE2-44FA-BF47-C87F65D5ED7E}"/>
     <dgm:cxn modelId="{73EF91D2-9B14-4B56-9C3A-2817D971F9EF}" type="presOf" srcId="{0DBD243F-C971-4C3F-931C-A83EF7AB968C}" destId="{C41F6943-BB88-441E-901C-FACEDE6612A2}" srcOrd="0" destOrd="1" presId="urn:microsoft.com/office/officeart/2008/layout/PictureStrips"/>
-    <dgm:cxn modelId="{7FD54CD3-32BA-4B5D-A58F-F91408A83089}" srcId="{C2568AD0-1613-49E5-B156-1CE8F0103525}" destId="{24CC457E-3DBB-48CE-AFB3-4E6223A65906}" srcOrd="1" destOrd="0" parTransId="{0789FC26-E544-4C22-BFEF-79788363FA8E}" sibTransId="{1CF9730F-B58B-4F21-898E-B411636F167C}"/>
-    <dgm:cxn modelId="{879459D3-597A-495D-B7FB-C1797F2E7732}" type="presOf" srcId="{24CC457E-3DBB-48CE-AFB3-4E6223A65906}" destId="{C8C5C983-8CCF-486B-A0A1-0CA9A030ADEC}" srcOrd="0" destOrd="2" presId="urn:microsoft.com/office/officeart/2008/layout/PictureStrips"/>
-    <dgm:cxn modelId="{47F5DDD8-DC9C-468A-A969-3C8FA2806915}" srcId="{B7E08ACB-1DBF-4584-A117-33ADFBD36942}" destId="{D050E392-AC6F-4207-B400-5EFFD3D11FBD}" srcOrd="2" destOrd="0" parTransId="{B841E50D-29CE-4F5C-91C9-DD8910BD0E7B}" sibTransId="{3B423FF6-8F26-41D7-9D82-040AAFD04446}"/>
-    <dgm:cxn modelId="{F1579ADB-9405-4C8C-98FA-844722D25D64}" srcId="{0FD791E1-E64D-4CDA-9E2E-D3E2A709A2F6}" destId="{C2568AD0-1613-49E5-B156-1CE8F0103525}" srcOrd="1" destOrd="0" parTransId="{0CD8B0CB-8C05-4DF7-A37A-69BCFF7A9135}" sibTransId="{FB91511B-2137-45E9-B9C2-A7CBE0F4496A}"/>
     <dgm:cxn modelId="{79659AE2-0E14-43FB-9BD9-B8E8DDE349D2}" type="presOf" srcId="{C0C21B14-444B-4AE2-BA19-41EB3CD79206}" destId="{C6AA3734-969F-444B-BDAC-CFFD1195B803}" srcOrd="0" destOrd="1" presId="urn:microsoft.com/office/officeart/2008/layout/PictureStrips"/>
     <dgm:cxn modelId="{4F5CC1E2-B32F-436D-8108-CA166CEBCBA5}" srcId="{A00EE29A-FEE0-4305-B3EF-CAF353BDC7A3}" destId="{9DE51D36-84AE-459E-9B30-20905BC62387}" srcOrd="0" destOrd="0" parTransId="{41F90F07-D71D-4261-9F85-C8788D2D5868}" sibTransId="{306B57C5-1149-4040-9703-D18B7F53A568}"/>
-    <dgm:cxn modelId="{E1AA9CEA-DC5E-40E1-8C1D-8FD5024F755F}" srcId="{C2568AD0-1613-49E5-B156-1CE8F0103525}" destId="{36D9792B-E2CC-43F8-B24D-94AE1D5AEC5F}" srcOrd="0" destOrd="0" parTransId="{9A2C7163-B143-48F5-99F5-947BD7E035C8}" sibTransId="{D2EBCF32-864B-41E2-BDFF-0C15EB1984C9}"/>
-    <dgm:cxn modelId="{F1EF3FEE-A822-46B4-908C-F7D8F986FE67}" srcId="{A00EE29A-FEE0-4305-B3EF-CAF353BDC7A3}" destId="{886E6DDD-F653-4D45-9563-575FCD048643}" srcOrd="1" destOrd="0" parTransId="{E770F980-B100-488E-B167-7B0B5264F876}" sibTransId="{AE6BB16F-2553-42B7-AA55-F8987A543786}"/>
-    <dgm:cxn modelId="{935913F0-1BAA-4DBB-B33B-3D888EAA78A1}" type="presOf" srcId="{783A5D1F-A23E-43B1-9DEC-17258ABDCDE3}" destId="{C125AA06-DCAB-47BF-A6DC-34CD42353B7E}" srcOrd="0" destOrd="0" presId="urn:microsoft.com/office/officeart/2008/layout/PictureStrips"/>
     <dgm:cxn modelId="{24F7A1F0-D848-42D9-8C9C-A85F8B2E7DCA}" type="presOf" srcId="{23E324E9-5EBE-42F0-A643-52CE29C0C363}" destId="{C41F6943-BB88-441E-901C-FACEDE6612A2}" srcOrd="0" destOrd="2" presId="urn:microsoft.com/office/officeart/2008/layout/PictureStrips"/>
-    <dgm:cxn modelId="{3BAACAF0-427F-48D2-B393-ECF6B70EFC4F}" srcId="{8EC19D2E-B3D7-4F93-9367-B11F5CA8FC9F}" destId="{C60DB84E-82D3-4EE8-B3BA-406C34526EF1}" srcOrd="1" destOrd="0" parTransId="{8992B526-475E-4658-B697-F0E471DA14B4}" sibTransId="{06282A0E-B800-4CAC-A0D9-3CCA101D4EB9}"/>
-    <dgm:cxn modelId="{D9749BF2-37C2-4E5C-8A53-CB6475F1B2D6}" srcId="{55E77604-FA59-45BD-8BB0-A6D1878572BC}" destId="{ECF9453A-244B-40E2-9F3C-BEB0DE2E7644}" srcOrd="4" destOrd="0" parTransId="{2758A138-64FE-4C14-854F-C91C799083AE}" sibTransId="{7DB8AC68-2125-4ADA-9958-BA9DBC174DED}"/>
-    <dgm:cxn modelId="{2185B0F3-87C0-44D3-8207-4BC712C2C68D}" srcId="{2F000F28-9F14-4DE3-AAD0-3B0D469E9CC3}" destId="{23ECD174-0609-40DC-AE93-5CFF3CF6B703}" srcOrd="2" destOrd="0" parTransId="{F48BA8BD-AF6F-47CB-A9EF-CF97AEF60151}" sibTransId="{9ADC8805-949E-44C9-A353-12B8AF180442}"/>
-    <dgm:cxn modelId="{9C3994F6-C48E-4A86-B2D0-A198F99A6801}" srcId="{2F000F28-9F14-4DE3-AAD0-3B0D469E9CC3}" destId="{8B9C0A75-F0D0-4F42-B33E-2E5C6B834950}" srcOrd="3" destOrd="0" parTransId="{4FEB0FB7-50A7-4E9F-AE4C-E1C685FF81E8}" sibTransId="{3065BCC1-FE9D-461B-97B5-2213872DDF40}"/>
-    <dgm:cxn modelId="{3B60B8F8-0479-4178-B30F-07E29F54EFF6}" type="presOf" srcId="{95691A10-A40C-44AD-9906-CC611A48ED4D}" destId="{B4248891-6F02-40C1-AD0C-0495F6DDC8D6}" srcOrd="0" destOrd="3" presId="urn:microsoft.com/office/officeart/2008/layout/PictureStrips"/>
+    <dgm:cxn modelId="{264E3CAC-9480-4081-99C8-707504E76A17}" srcId="{0FD791E1-E64D-4CDA-9E2E-D3E2A709A2F6}" destId="{783A5D1F-A23E-43B1-9DEC-17258ABDCDE3}" srcOrd="5" destOrd="0" parTransId="{78FCCE63-A0EB-4303-A995-1DC48A44A6F8}" sibTransId="{871412A2-8682-411E-950C-5EE54105E8BC}"/>
+    <dgm:cxn modelId="{0C2E565E-EB08-4D38-9236-7271E1421EC9}" type="presOf" srcId="{FA42052E-4365-4633-BDD7-06581D4F22A4}" destId="{C8C5C983-8CCF-486B-A0A1-0CA9A030ADEC}" srcOrd="0" destOrd="4" presId="urn:microsoft.com/office/officeart/2008/layout/PictureStrips"/>
+    <dgm:cxn modelId="{30EA3D97-0DA6-46E6-A55C-5E313CAB9DD1}" srcId="{8EC19D2E-B3D7-4F93-9367-B11F5CA8FC9F}" destId="{3A8CFA58-5007-43C8-A730-3D787366E442}" srcOrd="0" destOrd="0" parTransId="{01A7893C-5C4C-48BD-949B-6EAC032BE53E}" sibTransId="{2F66A7F5-D6DA-4AF6-AEA5-DC1FA5A3E021}"/>
+    <dgm:cxn modelId="{BEA6E79A-B2C5-4BA1-97D7-4246CF56959E}" type="presOf" srcId="{8743AC28-765B-4322-B54B-4E46418C54C7}" destId="{C125AA06-DCAB-47BF-A6DC-34CD42353B7E}" srcOrd="0" destOrd="2" presId="urn:microsoft.com/office/officeart/2008/layout/PictureStrips"/>
+    <dgm:cxn modelId="{A8C057A9-6E59-4E3F-83D9-D76627FA4064}" srcId="{55E77604-FA59-45BD-8BB0-A6D1878572BC}" destId="{4C65AC47-8FE6-40FE-B0BF-EA6CB8FFD2AE}" srcOrd="1" destOrd="0" parTransId="{F3CE28E1-EC26-47CD-ABF5-1ABDA1C1720C}" sibTransId="{09C03485-71D1-4209-BD0F-B3F78355F939}"/>
     <dgm:cxn modelId="{6CDDC303-C9CE-4FF1-BE9B-5384309577AA}" type="presParOf" srcId="{69A559F6-3134-4413-8DB9-681BB685C2FB}" destId="{3BBBDE79-64A3-4B8A-8118-62C6DFCC1EDE}" srcOrd="0" destOrd="0" presId="urn:microsoft.com/office/officeart/2008/layout/PictureStrips"/>
     <dgm:cxn modelId="{1503393B-016E-424C-9699-4A61C02B6808}" type="presParOf" srcId="{3BBBDE79-64A3-4B8A-8118-62C6DFCC1EDE}" destId="{C41F6943-BB88-441E-901C-FACEDE6612A2}" srcOrd="0" destOrd="0" presId="urn:microsoft.com/office/officeart/2008/layout/PictureStrips"/>
     <dgm:cxn modelId="{2BE672F5-4861-4D61-8A04-DAADF77C0FCC}" type="presParOf" srcId="{3BBBDE79-64A3-4B8A-8118-62C6DFCC1EDE}" destId="{859B9346-E518-4D89-A4F8-DEF048284C01}" srcOrd="1" destOrd="0" presId="urn:microsoft.com/office/officeart/2008/layout/PictureStrips"/>
@@ -5825,6 +5944,13 @@
         </dgm:presLayoutVars>
       </dgm:prSet>
       <dgm:spPr/>
+      <dgm:t>
+        <a:bodyPr/>
+        <a:lstStyle/>
+        <a:p>
+          <a:endParaRPr lang="es-ES"/>
+        </a:p>
+      </dgm:t>
     </dgm:pt>
     <dgm:pt modelId="{22D3A955-4D10-46B1-90E9-A53AFCE9F0FF}" type="pres">
       <dgm:prSet presAssocID="{2F000F28-9F14-4DE3-AAD0-3B0D469E9CC3}" presName="composite" presStyleCnt="0"/>
@@ -5837,6 +5963,13 @@
         </dgm:presLayoutVars>
       </dgm:prSet>
       <dgm:spPr/>
+      <dgm:t>
+        <a:bodyPr/>
+        <a:lstStyle/>
+        <a:p>
+          <a:endParaRPr lang="es-ES"/>
+        </a:p>
+      </dgm:t>
     </dgm:pt>
     <dgm:pt modelId="{8B9F8F74-7BEF-46D4-895B-14D15D9D336A}" type="pres">
       <dgm:prSet presAssocID="{2F000F28-9F14-4DE3-AAD0-3B0D469E9CC3}" presName="rect2" presStyleLbl="fgImgPlace1" presStyleIdx="0" presStyleCnt="7"/>
@@ -5871,6 +6004,13 @@
         </dgm:presLayoutVars>
       </dgm:prSet>
       <dgm:spPr/>
+      <dgm:t>
+        <a:bodyPr/>
+        <a:lstStyle/>
+        <a:p>
+          <a:endParaRPr lang="es-ES"/>
+        </a:p>
+      </dgm:t>
     </dgm:pt>
     <dgm:pt modelId="{7577ADE2-B6AC-4807-9C34-E5ED0D333A31}" type="pres">
       <dgm:prSet presAssocID="{C2568AD0-1613-49E5-B156-1CE8F0103525}" presName="rect2" presStyleLbl="fgImgPlace1" presStyleIdx="1" presStyleCnt="7"/>
@@ -5905,6 +6045,13 @@
         </dgm:presLayoutVars>
       </dgm:prSet>
       <dgm:spPr/>
+      <dgm:t>
+        <a:bodyPr/>
+        <a:lstStyle/>
+        <a:p>
+          <a:endParaRPr lang="es-ES"/>
+        </a:p>
+      </dgm:t>
     </dgm:pt>
     <dgm:pt modelId="{F0C7CF28-22F3-4BA8-8576-65EDFB81B2A0}" type="pres">
       <dgm:prSet presAssocID="{55E77604-FA59-45BD-8BB0-A6D1878572BC}" presName="rect2" presStyleLbl="fgImgPlace1" presStyleIdx="2" presStyleCnt="7"/>
@@ -5939,6 +6086,13 @@
         </dgm:presLayoutVars>
       </dgm:prSet>
       <dgm:spPr/>
+      <dgm:t>
+        <a:bodyPr/>
+        <a:lstStyle/>
+        <a:p>
+          <a:endParaRPr lang="es-ES"/>
+        </a:p>
+      </dgm:t>
     </dgm:pt>
     <dgm:pt modelId="{98CCDB32-285F-4E0B-9EF0-7552D42E1DFE}" type="pres">
       <dgm:prSet presAssocID="{B7E08ACB-1DBF-4584-A117-33ADFBD36942}" presName="rect2" presStyleLbl="fgImgPlace1" presStyleIdx="3" presStyleCnt="7"/>
@@ -5973,6 +6127,13 @@
         </dgm:presLayoutVars>
       </dgm:prSet>
       <dgm:spPr/>
+      <dgm:t>
+        <a:bodyPr/>
+        <a:lstStyle/>
+        <a:p>
+          <a:endParaRPr lang="es-ES"/>
+        </a:p>
+      </dgm:t>
     </dgm:pt>
     <dgm:pt modelId="{0B1A17F6-B6D4-4450-A1D8-5823B7555DBF}" type="pres">
       <dgm:prSet presAssocID="{8EC19D2E-B3D7-4F93-9367-B11F5CA8FC9F}" presName="rect2" presStyleLbl="fgImgPlace1" presStyleIdx="4" presStyleCnt="7"/>
@@ -6007,6 +6168,13 @@
         </dgm:presLayoutVars>
       </dgm:prSet>
       <dgm:spPr/>
+      <dgm:t>
+        <a:bodyPr/>
+        <a:lstStyle/>
+        <a:p>
+          <a:endParaRPr lang="es-ES"/>
+        </a:p>
+      </dgm:t>
     </dgm:pt>
     <dgm:pt modelId="{304DB07E-29F1-42A4-B5B6-5D63724C09FE}" type="pres">
       <dgm:prSet presAssocID="{783A5D1F-A23E-43B1-9DEC-17258ABDCDE3}" presName="rect2" presStyleLbl="fgImgPlace1" presStyleIdx="5" presStyleCnt="7"/>
@@ -6025,6 +6193,13 @@
           </a:stretch>
         </a:blipFill>
       </dgm:spPr>
+      <dgm:t>
+        <a:bodyPr/>
+        <a:lstStyle/>
+        <a:p>
+          <a:endParaRPr lang="es-ES"/>
+        </a:p>
+      </dgm:t>
     </dgm:pt>
     <dgm:pt modelId="{729FFF01-5AFE-44B4-9F84-69E8767F6C77}" type="pres">
       <dgm:prSet presAssocID="{871412A2-8682-411E-950C-5EE54105E8BC}" presName="sibTrans" presStyleCnt="0"/>
@@ -6041,6 +6216,13 @@
         </dgm:presLayoutVars>
       </dgm:prSet>
       <dgm:spPr/>
+      <dgm:t>
+        <a:bodyPr/>
+        <a:lstStyle/>
+        <a:p>
+          <a:endParaRPr lang="es-ES"/>
+        </a:p>
+      </dgm:t>
     </dgm:pt>
     <dgm:pt modelId="{958CEACD-B4B4-4F6D-A67B-670D9186EE17}" type="pres">
       <dgm:prSet presAssocID="{A00EE29A-FEE0-4305-B3EF-CAF353BDC7A3}" presName="rect2" presStyleLbl="fgImgPlace1" presStyleIdx="6" presStyleCnt="7"/>
@@ -6062,67 +6244,67 @@
     </dgm:pt>
   </dgm:ptLst>
   <dgm:cxnLst>
-    <dgm:cxn modelId="{F2E60909-2448-403F-9862-D56DCA3CAA13}" srcId="{0FD791E1-E64D-4CDA-9E2E-D3E2A709A2F6}" destId="{55E77604-FA59-45BD-8BB0-A6D1878572BC}" srcOrd="2" destOrd="0" parTransId="{94E56415-F93D-4F11-A54A-ED985E4B7687}" sibTransId="{CC738145-FD53-41E3-AA5D-5C857F1CAD5F}"/>
+    <dgm:cxn modelId="{FF6719F3-8C1F-4912-8B6E-28CF52520FB1}" type="presOf" srcId="{B52F313B-C15D-423C-95D3-FB7D8A0F7487}" destId="{8692CEC7-6965-4AC2-A2A1-227541B97ACB}" srcOrd="0" destOrd="3" presId="urn:microsoft.com/office/officeart/2008/layout/PictureStrips"/>
+    <dgm:cxn modelId="{EE423B64-0136-4E36-B5CF-2B9B20F871B5}" srcId="{0FD791E1-E64D-4CDA-9E2E-D3E2A709A2F6}" destId="{B7E08ACB-1DBF-4584-A117-33ADFBD36942}" srcOrd="3" destOrd="0" parTransId="{1BD68CAF-94D0-4779-835C-3533CD497CC8}" sibTransId="{A21C8410-A9CB-48C3-9F54-043E7B28B3DA}"/>
+    <dgm:cxn modelId="{4F5CC1E2-B32F-436D-8108-CA166CEBCBA5}" srcId="{A00EE29A-FEE0-4305-B3EF-CAF353BDC7A3}" destId="{9DE51D36-84AE-459E-9B30-20905BC62387}" srcOrd="0" destOrd="0" parTransId="{41F90F07-D71D-4261-9F85-C8788D2D5868}" sibTransId="{306B57C5-1149-4040-9703-D18B7F53A568}"/>
+    <dgm:cxn modelId="{B64B38C1-532F-4273-8841-B2C918CF0412}" type="presOf" srcId="{55E77604-FA59-45BD-8BB0-A6D1878572BC}" destId="{5A9F2F44-62AA-49C4-8B50-83749B662461}" srcOrd="0" destOrd="0" presId="urn:microsoft.com/office/officeart/2008/layout/PictureStrips"/>
+    <dgm:cxn modelId="{18CE7AED-650D-4CF9-B913-BE2F82BCF455}" type="presOf" srcId="{A00EE29A-FEE0-4305-B3EF-CAF353BDC7A3}" destId="{33E26531-55F2-40CA-9734-8C4ADB2580C7}" srcOrd="0" destOrd="0" presId="urn:microsoft.com/office/officeart/2008/layout/PictureStrips"/>
+    <dgm:cxn modelId="{B7AA2AB9-B508-4A2D-BD21-EFF92AADC96F}" type="presOf" srcId="{2E5F8E98-3CB4-42C5-B75C-95DB3E31E9E4}" destId="{7822E0C6-E945-4E41-9B9C-8F90775E914F}" srcOrd="0" destOrd="1" presId="urn:microsoft.com/office/officeart/2008/layout/PictureStrips"/>
+    <dgm:cxn modelId="{33A20F39-F685-4739-8673-EA27BD844CD4}" type="presOf" srcId="{128A706F-B8AC-4EAC-8478-A5A88E39A1F1}" destId="{8692CEC7-6965-4AC2-A2A1-227541B97ACB}" srcOrd="0" destOrd="2" presId="urn:microsoft.com/office/officeart/2008/layout/PictureStrips"/>
     <dgm:cxn modelId="{92B3870C-6CE8-4ABC-8449-3DE54DD94B25}" type="presOf" srcId="{F595340D-5419-49F3-B92B-3F002749DE3B}" destId="{374D99BD-4A47-40C8-8C1A-B6EE537C9DF3}" srcOrd="0" destOrd="2" presId="urn:microsoft.com/office/officeart/2008/layout/PictureStrips"/>
+    <dgm:cxn modelId="{67492E1D-8535-4133-830C-418078BA5991}" srcId="{783A5D1F-A23E-43B1-9DEC-17258ABDCDE3}" destId="{2E5F8E98-3CB4-42C5-B75C-95DB3E31E9E4}" srcOrd="0" destOrd="0" parTransId="{76D78BF9-9FAB-4637-B850-E3A13BEC4C56}" sibTransId="{11FEBD01-76E3-434D-A03C-0D312832D3D6}"/>
+    <dgm:cxn modelId="{8160F58C-67F8-488E-BDC1-DA3F9FD0F282}" srcId="{B7E08ACB-1DBF-4584-A117-33ADFBD36942}" destId="{9B0711FD-D8E4-41FF-B08A-F9D4395A7291}" srcOrd="1" destOrd="0" parTransId="{3620783B-4FF2-4C09-BD2C-AA8B66D9C8C4}" sibTransId="{DA4EFAB5-B7CD-4951-9837-BEC11A8E99E7}"/>
+    <dgm:cxn modelId="{FC6AE292-BFA8-4078-9946-C59D0A621D82}" type="presOf" srcId="{2F000F28-9F14-4DE3-AAD0-3B0D469E9CC3}" destId="{8692CEC7-6965-4AC2-A2A1-227541B97ACB}" srcOrd="0" destOrd="0" presId="urn:microsoft.com/office/officeart/2008/layout/PictureStrips"/>
+    <dgm:cxn modelId="{26867CC0-E995-4CD8-8625-1A041FB8C392}" srcId="{B7E08ACB-1DBF-4584-A117-33ADFBD36942}" destId="{2009C911-036C-476B-B299-190353D0AF2F}" srcOrd="2" destOrd="0" parTransId="{FD57934D-30E4-4152-A5D8-EFF549EF6B26}" sibTransId="{DFD62E0E-1433-480B-BF7A-55DE090AA4DC}"/>
+    <dgm:cxn modelId="{EBDC46EB-DA5D-4379-81A5-2993173562C4}" srcId="{2F000F28-9F14-4DE3-AAD0-3B0D469E9CC3}" destId="{128A706F-B8AC-4EAC-8478-A5A88E39A1F1}" srcOrd="1" destOrd="0" parTransId="{2856010F-6D91-4DDA-B9F8-988C725F65C8}" sibTransId="{11C239AA-3466-4AF6-8C62-BF20480997DE}"/>
+    <dgm:cxn modelId="{AC9738E5-2981-494D-90D3-24D894D48E4D}" srcId="{C2568AD0-1613-49E5-B156-1CE8F0103525}" destId="{60635FD0-0583-47FE-8761-F253EA5F28A6}" srcOrd="2" destOrd="0" parTransId="{B31E82A9-8379-4131-B9AB-7DDB630E98A8}" sibTransId="{883E0722-CC27-4AF5-840E-B928F9CDA882}"/>
+    <dgm:cxn modelId="{33013716-D135-4A81-8335-941F83B8161F}" type="presOf" srcId="{6C136558-7028-4EAF-9C25-DE204EA788AF}" destId="{5A9F2F44-62AA-49C4-8B50-83749B662461}" srcOrd="0" destOrd="3" presId="urn:microsoft.com/office/officeart/2008/layout/PictureStrips"/>
+    <dgm:cxn modelId="{BD926565-6333-453D-98BE-4B8742438E35}" type="presOf" srcId="{9B0711FD-D8E4-41FF-B08A-F9D4395A7291}" destId="{2F333BA5-C368-4220-ADBC-3FC4B8F3E21C}" srcOrd="0" destOrd="2" presId="urn:microsoft.com/office/officeart/2008/layout/PictureStrips"/>
+    <dgm:cxn modelId="{BD674DF2-3FDD-4311-BC83-4E0242E22283}" type="presOf" srcId="{B7E08ACB-1DBF-4584-A117-33ADFBD36942}" destId="{2F333BA5-C368-4220-ADBC-3FC4B8F3E21C}" srcOrd="0" destOrd="0" presId="urn:microsoft.com/office/officeart/2008/layout/PictureStrips"/>
+    <dgm:cxn modelId="{B1C01FD7-184C-4257-B27E-9505A3358F38}" type="presOf" srcId="{3A8CFA58-5007-43C8-A730-3D787366E442}" destId="{FAAEDF88-4D9D-4F39-91D6-612DFB1429E2}" srcOrd="0" destOrd="1" presId="urn:microsoft.com/office/officeart/2008/layout/PictureStrips"/>
+    <dgm:cxn modelId="{177CC298-2E64-4518-9752-3B072497C692}" type="presOf" srcId="{42AC4C4B-64A7-4C95-8414-CA67CB299125}" destId="{7822E0C6-E945-4E41-9B9C-8F90775E914F}" srcOrd="0" destOrd="4" presId="urn:microsoft.com/office/officeart/2008/layout/PictureStrips"/>
+    <dgm:cxn modelId="{5A0A6FCD-4C77-457C-A560-65D4E7CF50E7}" srcId="{783A5D1F-A23E-43B1-9DEC-17258ABDCDE3}" destId="{40E44BD7-5F88-4E82-9EFC-66E947DA1845}" srcOrd="1" destOrd="0" parTransId="{0200AB6D-1D5F-4377-9044-1AE7155A1668}" sibTransId="{405BEB51-8AB6-4E2E-9E84-5AFBF56033BA}"/>
+    <dgm:cxn modelId="{3CEB4A2E-2344-4A4B-9071-356F3C532AB1}" type="presOf" srcId="{783A5D1F-A23E-43B1-9DEC-17258ABDCDE3}" destId="{7822E0C6-E945-4E41-9B9C-8F90775E914F}" srcOrd="0" destOrd="0" presId="urn:microsoft.com/office/officeart/2008/layout/PictureStrips"/>
+    <dgm:cxn modelId="{9A29A9BE-DD9D-4720-BB4B-C21DFE6E9A05}" type="presOf" srcId="{C2568AD0-1613-49E5-B156-1CE8F0103525}" destId="{374D99BD-4A47-40C8-8C1A-B6EE537C9DF3}" srcOrd="0" destOrd="0" presId="urn:microsoft.com/office/officeart/2008/layout/PictureStrips"/>
+    <dgm:cxn modelId="{F13BA69E-0A15-492D-8D25-88D4A1C961DE}" type="presOf" srcId="{2009C911-036C-476B-B299-190353D0AF2F}" destId="{2F333BA5-C368-4220-ADBC-3FC4B8F3E21C}" srcOrd="0" destOrd="3" presId="urn:microsoft.com/office/officeart/2008/layout/PictureStrips"/>
+    <dgm:cxn modelId="{F0D7ABE3-6C08-439E-94F9-8B4A9E38CD77}" srcId="{8EC19D2E-B3D7-4F93-9367-B11F5CA8FC9F}" destId="{8E8F9202-ECB3-4571-ACB3-E5351C3F3F39}" srcOrd="1" destOrd="0" parTransId="{0ABAF1AA-51ED-463E-960C-6E06A05B4CFA}" sibTransId="{D95ADFFB-E1B1-4FA8-8C94-2350C56E166D}"/>
+    <dgm:cxn modelId="{A566D819-FB69-417A-8E59-024FE5487948}" type="presOf" srcId="{3D4CAC3F-ECB7-471E-9DC5-06F4D6443964}" destId="{33E26531-55F2-40CA-9734-8C4ADB2580C7}" srcOrd="0" destOrd="3" presId="urn:microsoft.com/office/officeart/2008/layout/PictureStrips"/>
+    <dgm:cxn modelId="{34A4CBB5-A0FE-4870-BE9A-D8AD03B2997E}" srcId="{55E77604-FA59-45BD-8BB0-A6D1878572BC}" destId="{F759485A-614C-445F-828A-16CBB55F6A9D}" srcOrd="0" destOrd="0" parTransId="{B78AEAFF-AD86-417C-9FEA-63AB09EA7DF5}" sibTransId="{F22F094D-7B18-430E-B7EA-756AFA52AA10}"/>
+    <dgm:cxn modelId="{CAA4DC93-7C0D-4CC4-A2F3-D03281BC056B}" srcId="{0FD791E1-E64D-4CDA-9E2E-D3E2A709A2F6}" destId="{8EC19D2E-B3D7-4F93-9367-B11F5CA8FC9F}" srcOrd="4" destOrd="0" parTransId="{DC9CD791-9FE5-4F9A-853C-D7DB2C52B7C2}" sibTransId="{0CA1613F-D5D7-4552-BE3B-92B6E7B434CF}"/>
+    <dgm:cxn modelId="{E75F291B-00F3-43C4-9513-C6CB80E7BE26}" type="presOf" srcId="{8EC19D2E-B3D7-4F93-9367-B11F5CA8FC9F}" destId="{FAAEDF88-4D9D-4F39-91D6-612DFB1429E2}" srcOrd="0" destOrd="0" presId="urn:microsoft.com/office/officeart/2008/layout/PictureStrips"/>
+    <dgm:cxn modelId="{9E12D5EA-DBF4-41C0-BC89-AC98EA8FD1F5}" type="presOf" srcId="{0FD791E1-E64D-4CDA-9E2E-D3E2A709A2F6}" destId="{8236926B-915F-4F58-97C6-B87F13A1675A}" srcOrd="0" destOrd="0" presId="urn:microsoft.com/office/officeart/2008/layout/PictureStrips"/>
+    <dgm:cxn modelId="{7A2AA3D3-96D1-44FE-8A56-F695B973E650}" type="presOf" srcId="{9DE51D36-84AE-459E-9B30-20905BC62387}" destId="{33E26531-55F2-40CA-9734-8C4ADB2580C7}" srcOrd="0" destOrd="1" presId="urn:microsoft.com/office/officeart/2008/layout/PictureStrips"/>
+    <dgm:cxn modelId="{95F5ECA8-B1B2-4D37-BB41-BAEB39F312C1}" srcId="{A00EE29A-FEE0-4305-B3EF-CAF353BDC7A3}" destId="{3D4CAC3F-ECB7-471E-9DC5-06F4D6443964}" srcOrd="2" destOrd="0" parTransId="{41B49C28-A176-4789-8603-BCBAA8D02DC0}" sibTransId="{8FFDCC6B-AC5E-42A9-9EBD-9666D7ABEC8F}"/>
+    <dgm:cxn modelId="{E1AA9CEA-DC5E-40E1-8C1D-8FD5024F755F}" srcId="{C2568AD0-1613-49E5-B156-1CE8F0103525}" destId="{36D9792B-E2CC-43F8-B24D-94AE1D5AEC5F}" srcOrd="0" destOrd="0" parTransId="{9A2C7163-B143-48F5-99F5-947BD7E035C8}" sibTransId="{D2EBCF32-864B-41E2-BDFF-0C15EB1984C9}"/>
+    <dgm:cxn modelId="{B2B2B630-306B-472C-BBBC-7ED4A0B8B52A}" srcId="{A00EE29A-FEE0-4305-B3EF-CAF353BDC7A3}" destId="{2E42ACD4-07C0-40BA-AAB3-2DE6227F921F}" srcOrd="1" destOrd="0" parTransId="{BEC33071-5687-4359-BC47-47B41151737E}" sibTransId="{D12AD391-3329-4E34-82C8-618AAF55E81E}"/>
+    <dgm:cxn modelId="{8CD2ED65-E508-44E6-ABA9-9B67048C11A6}" srcId="{B7E08ACB-1DBF-4584-A117-33ADFBD36942}" destId="{C0C21B14-444B-4AE2-BA19-41EB3CD79206}" srcOrd="0" destOrd="0" parTransId="{DA5EF2E2-6B6F-4B5B-8DE2-489066B1BE4C}" sibTransId="{7F697F51-3952-41B1-A6CD-3AF628760F87}"/>
+    <dgm:cxn modelId="{B3AAAFB6-8E34-40BF-8981-A78CB08DBE16}" type="presOf" srcId="{C0C21B14-444B-4AE2-BA19-41EB3CD79206}" destId="{2F333BA5-C368-4220-ADBC-3FC4B8F3E21C}" srcOrd="0" destOrd="1" presId="urn:microsoft.com/office/officeart/2008/layout/PictureStrips"/>
+    <dgm:cxn modelId="{67319DC7-83F3-4EA5-9692-93B2E74EA91C}" srcId="{2F000F28-9F14-4DE3-AAD0-3B0D469E9CC3}" destId="{B52F313B-C15D-423C-95D3-FB7D8A0F7487}" srcOrd="2" destOrd="0" parTransId="{21CC6541-0A60-4882-9567-F12A9D37F6CA}" sibTransId="{E2FF7A80-13BD-4833-AA39-17D6E5915CE2}"/>
+    <dgm:cxn modelId="{05D9DA3D-6A3D-4F6B-90DE-0E5A1798127F}" type="presOf" srcId="{1EF9C724-4C18-4A8E-BD75-AF21DA8637E0}" destId="{7822E0C6-E945-4E41-9B9C-8F90775E914F}" srcOrd="0" destOrd="3" presId="urn:microsoft.com/office/officeart/2008/layout/PictureStrips"/>
+    <dgm:cxn modelId="{264E3CAC-9480-4081-99C8-707504E76A17}" srcId="{0FD791E1-E64D-4CDA-9E2E-D3E2A709A2F6}" destId="{783A5D1F-A23E-43B1-9DEC-17258ABDCDE3}" srcOrd="5" destOrd="0" parTransId="{78FCCE63-A0EB-4303-A995-1DC48A44A6F8}" sibTransId="{871412A2-8682-411E-950C-5EE54105E8BC}"/>
+    <dgm:cxn modelId="{5F559E23-0D99-4553-AB38-6720068A1FB0}" srcId="{0FD791E1-E64D-4CDA-9E2E-D3E2A709A2F6}" destId="{A00EE29A-FEE0-4305-B3EF-CAF353BDC7A3}" srcOrd="6" destOrd="0" parTransId="{56A3D749-1649-4046-873A-0A77202F86D7}" sibTransId="{180A8FF2-E7D0-40A0-93C4-D799431D83CD}"/>
+    <dgm:cxn modelId="{F700B2F7-92BD-4B75-97AD-89EC450171D7}" type="presOf" srcId="{C3028C23-16D4-4D5B-9F6A-72FCAD94775C}" destId="{FAAEDF88-4D9D-4F39-91D6-612DFB1429E2}" srcOrd="0" destOrd="3" presId="urn:microsoft.com/office/officeart/2008/layout/PictureStrips"/>
+    <dgm:cxn modelId="{F1ED22E5-5B31-491D-93CA-7750BF26135D}" srcId="{8EC19D2E-B3D7-4F93-9367-B11F5CA8FC9F}" destId="{C3028C23-16D4-4D5B-9F6A-72FCAD94775C}" srcOrd="2" destOrd="0" parTransId="{B7B6BAAE-DB1C-43C9-8509-3C35EC12ACD1}" sibTransId="{A8D53E2E-1653-4C26-BC15-C76D93534E0D}"/>
+    <dgm:cxn modelId="{6D84E4F9-8471-4241-9D23-A8EA63C12569}" srcId="{55E77604-FA59-45BD-8BB0-A6D1878572BC}" destId="{0A59B12A-F1DF-453D-94DE-DB354E67FE79}" srcOrd="1" destOrd="0" parTransId="{B1552C8A-B549-4896-ABC5-CF7F381724E5}" sibTransId="{C5C4E023-A312-4290-827A-C2F7C4EAC039}"/>
+    <dgm:cxn modelId="{2EDC0CF2-87BE-4724-A2E9-FDBFB4E3CC81}" type="presOf" srcId="{40E44BD7-5F88-4E82-9EFC-66E947DA1845}" destId="{7822E0C6-E945-4E41-9B9C-8F90775E914F}" srcOrd="0" destOrd="2" presId="urn:microsoft.com/office/officeart/2008/layout/PictureStrips"/>
+    <dgm:cxn modelId="{30EA3D97-0DA6-46E6-A55C-5E313CAB9DD1}" srcId="{8EC19D2E-B3D7-4F93-9367-B11F5CA8FC9F}" destId="{3A8CFA58-5007-43C8-A730-3D787366E442}" srcOrd="0" destOrd="0" parTransId="{01A7893C-5C4C-48BD-949B-6EAC032BE53E}" sibTransId="{2F66A7F5-D6DA-4AF6-AEA5-DC1FA5A3E021}"/>
     <dgm:cxn modelId="{56D2B30E-B4EB-451E-8AFB-5D4409564144}" srcId="{783A5D1F-A23E-43B1-9DEC-17258ABDCDE3}" destId="{42AC4C4B-64A7-4C95-8414-CA67CB299125}" srcOrd="3" destOrd="0" parTransId="{D7F5A1D7-0C2E-4742-94DA-B67F94B74F6F}" sibTransId="{4E85A070-9D24-46F4-99DC-92BA8DD50CDE}"/>
-    <dgm:cxn modelId="{33013716-D135-4A81-8335-941F83B8161F}" type="presOf" srcId="{6C136558-7028-4EAF-9C25-DE204EA788AF}" destId="{5A9F2F44-62AA-49C4-8B50-83749B662461}" srcOrd="0" destOrd="3" presId="urn:microsoft.com/office/officeart/2008/layout/PictureStrips"/>
+    <dgm:cxn modelId="{8BAE8E27-AF51-4A3A-80D1-7B4CAA29F1CD}" type="presOf" srcId="{0DBD243F-C971-4C3F-931C-A83EF7AB968C}" destId="{8692CEC7-6965-4AC2-A2A1-227541B97ACB}" srcOrd="0" destOrd="1" presId="urn:microsoft.com/office/officeart/2008/layout/PictureStrips"/>
+    <dgm:cxn modelId="{9E65712F-DABA-4788-BD0B-574BC163416F}" type="presOf" srcId="{36D9792B-E2CC-43F8-B24D-94AE1D5AEC5F}" destId="{374D99BD-4A47-40C8-8C1A-B6EE537C9DF3}" srcOrd="0" destOrd="1" presId="urn:microsoft.com/office/officeart/2008/layout/PictureStrips"/>
     <dgm:cxn modelId="{895F8F17-2F81-4D8F-98C6-FDF24033A254}" type="presOf" srcId="{F759485A-614C-445F-828A-16CBB55F6A9D}" destId="{5A9F2F44-62AA-49C4-8B50-83749B662461}" srcOrd="0" destOrd="1" presId="urn:microsoft.com/office/officeart/2008/layout/PictureStrips"/>
-    <dgm:cxn modelId="{A566D819-FB69-417A-8E59-024FE5487948}" type="presOf" srcId="{3D4CAC3F-ECB7-471E-9DC5-06F4D6443964}" destId="{33E26531-55F2-40CA-9734-8C4ADB2580C7}" srcOrd="0" destOrd="3" presId="urn:microsoft.com/office/officeart/2008/layout/PictureStrips"/>
-    <dgm:cxn modelId="{E75F291B-00F3-43C4-9513-C6CB80E7BE26}" type="presOf" srcId="{8EC19D2E-B3D7-4F93-9367-B11F5CA8FC9F}" destId="{FAAEDF88-4D9D-4F39-91D6-612DFB1429E2}" srcOrd="0" destOrd="0" presId="urn:microsoft.com/office/officeart/2008/layout/PictureStrips"/>
-    <dgm:cxn modelId="{67492E1D-8535-4133-830C-418078BA5991}" srcId="{783A5D1F-A23E-43B1-9DEC-17258ABDCDE3}" destId="{2E5F8E98-3CB4-42C5-B75C-95DB3E31E9E4}" srcOrd="0" destOrd="0" parTransId="{76D78BF9-9FAB-4637-B850-E3A13BEC4C56}" sibTransId="{11FEBD01-76E3-434D-A03C-0D312832D3D6}"/>
-    <dgm:cxn modelId="{5F559E23-0D99-4553-AB38-6720068A1FB0}" srcId="{0FD791E1-E64D-4CDA-9E2E-D3E2A709A2F6}" destId="{A00EE29A-FEE0-4305-B3EF-CAF353BDC7A3}" srcOrd="6" destOrd="0" parTransId="{56A3D749-1649-4046-873A-0A77202F86D7}" sibTransId="{180A8FF2-E7D0-40A0-93C4-D799431D83CD}"/>
-    <dgm:cxn modelId="{8BAE8E27-AF51-4A3A-80D1-7B4CAA29F1CD}" type="presOf" srcId="{0DBD243F-C971-4C3F-931C-A83EF7AB968C}" destId="{8692CEC7-6965-4AC2-A2A1-227541B97ACB}" srcOrd="0" destOrd="1" presId="urn:microsoft.com/office/officeart/2008/layout/PictureStrips"/>
-    <dgm:cxn modelId="{3CEB4A2E-2344-4A4B-9071-356F3C532AB1}" type="presOf" srcId="{783A5D1F-A23E-43B1-9DEC-17258ABDCDE3}" destId="{7822E0C6-E945-4E41-9B9C-8F90775E914F}" srcOrd="0" destOrd="0" presId="urn:microsoft.com/office/officeart/2008/layout/PictureStrips"/>
-    <dgm:cxn modelId="{9E65712F-DABA-4788-BD0B-574BC163416F}" type="presOf" srcId="{36D9792B-E2CC-43F8-B24D-94AE1D5AEC5F}" destId="{374D99BD-4A47-40C8-8C1A-B6EE537C9DF3}" srcOrd="0" destOrd="1" presId="urn:microsoft.com/office/officeart/2008/layout/PictureStrips"/>
-    <dgm:cxn modelId="{162F6A30-E6E4-4E76-84D3-5C10CA3437DF}" type="presOf" srcId="{60635FD0-0583-47FE-8761-F253EA5F28A6}" destId="{374D99BD-4A47-40C8-8C1A-B6EE537C9DF3}" srcOrd="0" destOrd="3" presId="urn:microsoft.com/office/officeart/2008/layout/PictureStrips"/>
-    <dgm:cxn modelId="{B2B2B630-306B-472C-BBBC-7ED4A0B8B52A}" srcId="{A00EE29A-FEE0-4305-B3EF-CAF353BDC7A3}" destId="{2E42ACD4-07C0-40BA-AAB3-2DE6227F921F}" srcOrd="1" destOrd="0" parTransId="{BEC33071-5687-4359-BC47-47B41151737E}" sibTransId="{D12AD391-3329-4E34-82C8-618AAF55E81E}"/>
-    <dgm:cxn modelId="{EC4F1733-1D48-4542-98F7-FF2FBD3F8C3A}" srcId="{783A5D1F-A23E-43B1-9DEC-17258ABDCDE3}" destId="{1EF9C724-4C18-4A8E-BD75-AF21DA8637E0}" srcOrd="2" destOrd="0" parTransId="{D55E3E8F-2C8A-4AEF-9AC1-2EE436330D6B}" sibTransId="{AC3F9904-F24A-4BA5-8EE3-9FD262F3EF80}"/>
-    <dgm:cxn modelId="{33A20F39-F685-4739-8673-EA27BD844CD4}" type="presOf" srcId="{128A706F-B8AC-4EAC-8478-A5A88E39A1F1}" destId="{8692CEC7-6965-4AC2-A2A1-227541B97ACB}" srcOrd="0" destOrd="2" presId="urn:microsoft.com/office/officeart/2008/layout/PictureStrips"/>
-    <dgm:cxn modelId="{05D9DA3D-6A3D-4F6B-90DE-0E5A1798127F}" type="presOf" srcId="{1EF9C724-4C18-4A8E-BD75-AF21DA8637E0}" destId="{7822E0C6-E945-4E41-9B9C-8F90775E914F}" srcOrd="0" destOrd="3" presId="urn:microsoft.com/office/officeart/2008/layout/PictureStrips"/>
-    <dgm:cxn modelId="{F630263F-9B9E-4E05-9275-814320C92AEB}" srcId="{55E77604-FA59-45BD-8BB0-A6D1878572BC}" destId="{6C136558-7028-4EAF-9C25-DE204EA788AF}" srcOrd="2" destOrd="0" parTransId="{EB6F3079-F054-499C-9EB2-56861FF135B5}" sibTransId="{735A23EE-C9B6-4438-B10B-A2F643E6EF98}"/>
-    <dgm:cxn modelId="{EE423B64-0136-4E36-B5CF-2B9B20F871B5}" srcId="{0FD791E1-E64D-4CDA-9E2E-D3E2A709A2F6}" destId="{B7E08ACB-1DBF-4584-A117-33ADFBD36942}" srcOrd="3" destOrd="0" parTransId="{1BD68CAF-94D0-4779-835C-3533CD497CC8}" sibTransId="{A21C8410-A9CB-48C3-9F54-043E7B28B3DA}"/>
-    <dgm:cxn modelId="{BD926565-6333-453D-98BE-4B8742438E35}" type="presOf" srcId="{9B0711FD-D8E4-41FF-B08A-F9D4395A7291}" destId="{2F333BA5-C368-4220-ADBC-3FC4B8F3E21C}" srcOrd="0" destOrd="2" presId="urn:microsoft.com/office/officeart/2008/layout/PictureStrips"/>
-    <dgm:cxn modelId="{8CD2ED65-E508-44E6-ABA9-9B67048C11A6}" srcId="{B7E08ACB-1DBF-4584-A117-33ADFBD36942}" destId="{C0C21B14-444B-4AE2-BA19-41EB3CD79206}" srcOrd="0" destOrd="0" parTransId="{DA5EF2E2-6B6F-4B5B-8DE2-489066B1BE4C}" sibTransId="{7F697F51-3952-41B1-A6CD-3AF628760F87}"/>
-    <dgm:cxn modelId="{1834DB57-7527-47FA-8830-EF35AEF7E172}" srcId="{A00EE29A-FEE0-4305-B3EF-CAF353BDC7A3}" destId="{04817504-F9AF-479E-A405-34294F39A533}" srcOrd="3" destOrd="0" parTransId="{3E40F9D0-5125-4A81-BDC0-723E316D5C85}" sibTransId="{90A357AA-5E93-4B2C-B687-A61D269A91DF}"/>
     <dgm:cxn modelId="{860E6878-4D6D-4B70-9861-EF49341F706E}" srcId="{2F000F28-9F14-4DE3-AAD0-3B0D469E9CC3}" destId="{0DBD243F-C971-4C3F-931C-A83EF7AB968C}" srcOrd="0" destOrd="0" parTransId="{C93166D4-BDAD-4467-AD40-2A3AC1509728}" sibTransId="{BDB3C07E-5CB2-4E2A-B94C-149854FDE7E1}"/>
     <dgm:cxn modelId="{2D2FE181-32FF-4132-AF02-6510383842A7}" srcId="{0FD791E1-E64D-4CDA-9E2E-D3E2A709A2F6}" destId="{2F000F28-9F14-4DE3-AAD0-3B0D469E9CC3}" srcOrd="0" destOrd="0" parTransId="{6E6C9683-1ECF-4D3E-982D-1989B6ECAEC5}" sibTransId="{B2BD36F4-1B81-4C71-AEA9-4F207C870103}"/>
-    <dgm:cxn modelId="{8160F58C-67F8-488E-BDC1-DA3F9FD0F282}" srcId="{B7E08ACB-1DBF-4584-A117-33ADFBD36942}" destId="{9B0711FD-D8E4-41FF-B08A-F9D4395A7291}" srcOrd="1" destOrd="0" parTransId="{3620783B-4FF2-4C09-BD2C-AA8B66D9C8C4}" sibTransId="{DA4EFAB5-B7CD-4951-9837-BEC11A8E99E7}"/>
+    <dgm:cxn modelId="{F1579ADB-9405-4C8C-98FA-844722D25D64}" srcId="{0FD791E1-E64D-4CDA-9E2E-D3E2A709A2F6}" destId="{C2568AD0-1613-49E5-B156-1CE8F0103525}" srcOrd="1" destOrd="0" parTransId="{0CD8B0CB-8C05-4DF7-A37A-69BCFF7A9135}" sibTransId="{FB91511B-2137-45E9-B9C2-A7CBE0F4496A}"/>
+    <dgm:cxn modelId="{F2E60909-2448-403F-9862-D56DCA3CAA13}" srcId="{0FD791E1-E64D-4CDA-9E2E-D3E2A709A2F6}" destId="{55E77604-FA59-45BD-8BB0-A6D1878572BC}" srcOrd="2" destOrd="0" parTransId="{94E56415-F93D-4F11-A54A-ED985E4B7687}" sibTransId="{CC738145-FD53-41E3-AA5D-5C857F1CAD5F}"/>
+    <dgm:cxn modelId="{1834DB57-7527-47FA-8830-EF35AEF7E172}" srcId="{A00EE29A-FEE0-4305-B3EF-CAF353BDC7A3}" destId="{04817504-F9AF-479E-A405-34294F39A533}" srcOrd="3" destOrd="0" parTransId="{3E40F9D0-5125-4A81-BDC0-723E316D5C85}" sibTransId="{90A357AA-5E93-4B2C-B687-A61D269A91DF}"/>
     <dgm:cxn modelId="{21CD6C90-95D3-4643-B56B-0E96DB22B575}" srcId="{C2568AD0-1613-49E5-B156-1CE8F0103525}" destId="{F595340D-5419-49F3-B92B-3F002749DE3B}" srcOrd="1" destOrd="0" parTransId="{30F62701-BCAC-4EC1-B7F3-083E07E426B4}" sibTransId="{7E6A1CD2-8086-45A8-88C8-1C5F114ADB65}"/>
+    <dgm:cxn modelId="{EC4F1733-1D48-4542-98F7-FF2FBD3F8C3A}" srcId="{783A5D1F-A23E-43B1-9DEC-17258ABDCDE3}" destId="{1EF9C724-4C18-4A8E-BD75-AF21DA8637E0}" srcOrd="2" destOrd="0" parTransId="{D55E3E8F-2C8A-4AEF-9AC1-2EE436330D6B}" sibTransId="{AC3F9904-F24A-4BA5-8EE3-9FD262F3EF80}"/>
+    <dgm:cxn modelId="{162F6A30-E6E4-4E76-84D3-5C10CA3437DF}" type="presOf" srcId="{60635FD0-0583-47FE-8761-F253EA5F28A6}" destId="{374D99BD-4A47-40C8-8C1A-B6EE537C9DF3}" srcOrd="0" destOrd="3" presId="urn:microsoft.com/office/officeart/2008/layout/PictureStrips"/>
+    <dgm:cxn modelId="{103BCEC5-5459-4A92-8F83-0C46FFDF5988}" type="presOf" srcId="{8E8F9202-ECB3-4571-ACB3-E5351C3F3F39}" destId="{FAAEDF88-4D9D-4F39-91D6-612DFB1429E2}" srcOrd="0" destOrd="2" presId="urn:microsoft.com/office/officeart/2008/layout/PictureStrips"/>
+    <dgm:cxn modelId="{B92716F6-4921-46EB-97B4-5D75220D05D4}" type="presOf" srcId="{0A59B12A-F1DF-453D-94DE-DB354E67FE79}" destId="{5A9F2F44-62AA-49C4-8B50-83749B662461}" srcOrd="0" destOrd="2" presId="urn:microsoft.com/office/officeart/2008/layout/PictureStrips"/>
+    <dgm:cxn modelId="{E7B4D8B7-9B80-41F7-8932-6B9074EDDF56}" type="presOf" srcId="{2E42ACD4-07C0-40BA-AAB3-2DE6227F921F}" destId="{33E26531-55F2-40CA-9734-8C4ADB2580C7}" srcOrd="0" destOrd="2" presId="urn:microsoft.com/office/officeart/2008/layout/PictureStrips"/>
     <dgm:cxn modelId="{AB45C192-6C2F-4D0F-8220-B7D354786532}" type="presOf" srcId="{04817504-F9AF-479E-A405-34294F39A533}" destId="{33E26531-55F2-40CA-9734-8C4ADB2580C7}" srcOrd="0" destOrd="4" presId="urn:microsoft.com/office/officeart/2008/layout/PictureStrips"/>
-    <dgm:cxn modelId="{FC6AE292-BFA8-4078-9946-C59D0A621D82}" type="presOf" srcId="{2F000F28-9F14-4DE3-AAD0-3B0D469E9CC3}" destId="{8692CEC7-6965-4AC2-A2A1-227541B97ACB}" srcOrd="0" destOrd="0" presId="urn:microsoft.com/office/officeart/2008/layout/PictureStrips"/>
-    <dgm:cxn modelId="{CAA4DC93-7C0D-4CC4-A2F3-D03281BC056B}" srcId="{0FD791E1-E64D-4CDA-9E2E-D3E2A709A2F6}" destId="{8EC19D2E-B3D7-4F93-9367-B11F5CA8FC9F}" srcOrd="4" destOrd="0" parTransId="{DC9CD791-9FE5-4F9A-853C-D7DB2C52B7C2}" sibTransId="{0CA1613F-D5D7-4552-BE3B-92B6E7B434CF}"/>
-    <dgm:cxn modelId="{30EA3D97-0DA6-46E6-A55C-5E313CAB9DD1}" srcId="{8EC19D2E-B3D7-4F93-9367-B11F5CA8FC9F}" destId="{3A8CFA58-5007-43C8-A730-3D787366E442}" srcOrd="0" destOrd="0" parTransId="{01A7893C-5C4C-48BD-949B-6EAC032BE53E}" sibTransId="{2F66A7F5-D6DA-4AF6-AEA5-DC1FA5A3E021}"/>
-    <dgm:cxn modelId="{177CC298-2E64-4518-9752-3B072497C692}" type="presOf" srcId="{42AC4C4B-64A7-4C95-8414-CA67CB299125}" destId="{7822E0C6-E945-4E41-9B9C-8F90775E914F}" srcOrd="0" destOrd="4" presId="urn:microsoft.com/office/officeart/2008/layout/PictureStrips"/>
-    <dgm:cxn modelId="{F13BA69E-0A15-492D-8D25-88D4A1C961DE}" type="presOf" srcId="{2009C911-036C-476B-B299-190353D0AF2F}" destId="{2F333BA5-C368-4220-ADBC-3FC4B8F3E21C}" srcOrd="0" destOrd="3" presId="urn:microsoft.com/office/officeart/2008/layout/PictureStrips"/>
-    <dgm:cxn modelId="{95F5ECA8-B1B2-4D37-BB41-BAEB39F312C1}" srcId="{A00EE29A-FEE0-4305-B3EF-CAF353BDC7A3}" destId="{3D4CAC3F-ECB7-471E-9DC5-06F4D6443964}" srcOrd="2" destOrd="0" parTransId="{41B49C28-A176-4789-8603-BCBAA8D02DC0}" sibTransId="{8FFDCC6B-AC5E-42A9-9EBD-9666D7ABEC8F}"/>
-    <dgm:cxn modelId="{264E3CAC-9480-4081-99C8-707504E76A17}" srcId="{0FD791E1-E64D-4CDA-9E2E-D3E2A709A2F6}" destId="{783A5D1F-A23E-43B1-9DEC-17258ABDCDE3}" srcOrd="5" destOrd="0" parTransId="{78FCCE63-A0EB-4303-A995-1DC48A44A6F8}" sibTransId="{871412A2-8682-411E-950C-5EE54105E8BC}"/>
-    <dgm:cxn modelId="{34A4CBB5-A0FE-4870-BE9A-D8AD03B2997E}" srcId="{55E77604-FA59-45BD-8BB0-A6D1878572BC}" destId="{F759485A-614C-445F-828A-16CBB55F6A9D}" srcOrd="0" destOrd="0" parTransId="{B78AEAFF-AD86-417C-9FEA-63AB09EA7DF5}" sibTransId="{F22F094D-7B18-430E-B7EA-756AFA52AA10}"/>
-    <dgm:cxn modelId="{B3AAAFB6-8E34-40BF-8981-A78CB08DBE16}" type="presOf" srcId="{C0C21B14-444B-4AE2-BA19-41EB3CD79206}" destId="{2F333BA5-C368-4220-ADBC-3FC4B8F3E21C}" srcOrd="0" destOrd="1" presId="urn:microsoft.com/office/officeart/2008/layout/PictureStrips"/>
-    <dgm:cxn modelId="{E7B4D8B7-9B80-41F7-8932-6B9074EDDF56}" type="presOf" srcId="{2E42ACD4-07C0-40BA-AAB3-2DE6227F921F}" destId="{33E26531-55F2-40CA-9734-8C4ADB2580C7}" srcOrd="0" destOrd="2" presId="urn:microsoft.com/office/officeart/2008/layout/PictureStrips"/>
-    <dgm:cxn modelId="{B7AA2AB9-B508-4A2D-BD21-EFF92AADC96F}" type="presOf" srcId="{2E5F8E98-3CB4-42C5-B75C-95DB3E31E9E4}" destId="{7822E0C6-E945-4E41-9B9C-8F90775E914F}" srcOrd="0" destOrd="1" presId="urn:microsoft.com/office/officeart/2008/layout/PictureStrips"/>
-    <dgm:cxn modelId="{9A29A9BE-DD9D-4720-BB4B-C21DFE6E9A05}" type="presOf" srcId="{C2568AD0-1613-49E5-B156-1CE8F0103525}" destId="{374D99BD-4A47-40C8-8C1A-B6EE537C9DF3}" srcOrd="0" destOrd="0" presId="urn:microsoft.com/office/officeart/2008/layout/PictureStrips"/>
-    <dgm:cxn modelId="{26867CC0-E995-4CD8-8625-1A041FB8C392}" srcId="{B7E08ACB-1DBF-4584-A117-33ADFBD36942}" destId="{2009C911-036C-476B-B299-190353D0AF2F}" srcOrd="2" destOrd="0" parTransId="{FD57934D-30E4-4152-A5D8-EFF549EF6B26}" sibTransId="{DFD62E0E-1433-480B-BF7A-55DE090AA4DC}"/>
-    <dgm:cxn modelId="{B64B38C1-532F-4273-8841-B2C918CF0412}" type="presOf" srcId="{55E77604-FA59-45BD-8BB0-A6D1878572BC}" destId="{5A9F2F44-62AA-49C4-8B50-83749B662461}" srcOrd="0" destOrd="0" presId="urn:microsoft.com/office/officeart/2008/layout/PictureStrips"/>
-    <dgm:cxn modelId="{103BCEC5-5459-4A92-8F83-0C46FFDF5988}" type="presOf" srcId="{8E8F9202-ECB3-4571-ACB3-E5351C3F3F39}" destId="{FAAEDF88-4D9D-4F39-91D6-612DFB1429E2}" srcOrd="0" destOrd="2" presId="urn:microsoft.com/office/officeart/2008/layout/PictureStrips"/>
-    <dgm:cxn modelId="{67319DC7-83F3-4EA5-9692-93B2E74EA91C}" srcId="{2F000F28-9F14-4DE3-AAD0-3B0D469E9CC3}" destId="{B52F313B-C15D-423C-95D3-FB7D8A0F7487}" srcOrd="2" destOrd="0" parTransId="{21CC6541-0A60-4882-9567-F12A9D37F6CA}" sibTransId="{E2FF7A80-13BD-4833-AA39-17D6E5915CE2}"/>
-    <dgm:cxn modelId="{5A0A6FCD-4C77-457C-A560-65D4E7CF50E7}" srcId="{783A5D1F-A23E-43B1-9DEC-17258ABDCDE3}" destId="{40E44BD7-5F88-4E82-9EFC-66E947DA1845}" srcOrd="1" destOrd="0" parTransId="{0200AB6D-1D5F-4377-9044-1AE7155A1668}" sibTransId="{405BEB51-8AB6-4E2E-9E84-5AFBF56033BA}"/>
-    <dgm:cxn modelId="{7A2AA3D3-96D1-44FE-8A56-F695B973E650}" type="presOf" srcId="{9DE51D36-84AE-459E-9B30-20905BC62387}" destId="{33E26531-55F2-40CA-9734-8C4ADB2580C7}" srcOrd="0" destOrd="1" presId="urn:microsoft.com/office/officeart/2008/layout/PictureStrips"/>
-    <dgm:cxn modelId="{B1C01FD7-184C-4257-B27E-9505A3358F38}" type="presOf" srcId="{3A8CFA58-5007-43C8-A730-3D787366E442}" destId="{FAAEDF88-4D9D-4F39-91D6-612DFB1429E2}" srcOrd="0" destOrd="1" presId="urn:microsoft.com/office/officeart/2008/layout/PictureStrips"/>
-    <dgm:cxn modelId="{F1579ADB-9405-4C8C-98FA-844722D25D64}" srcId="{0FD791E1-E64D-4CDA-9E2E-D3E2A709A2F6}" destId="{C2568AD0-1613-49E5-B156-1CE8F0103525}" srcOrd="1" destOrd="0" parTransId="{0CD8B0CB-8C05-4DF7-A37A-69BCFF7A9135}" sibTransId="{FB91511B-2137-45E9-B9C2-A7CBE0F4496A}"/>
-    <dgm:cxn modelId="{4F5CC1E2-B32F-436D-8108-CA166CEBCBA5}" srcId="{A00EE29A-FEE0-4305-B3EF-CAF353BDC7A3}" destId="{9DE51D36-84AE-459E-9B30-20905BC62387}" srcOrd="0" destOrd="0" parTransId="{41F90F07-D71D-4261-9F85-C8788D2D5868}" sibTransId="{306B57C5-1149-4040-9703-D18B7F53A568}"/>
-    <dgm:cxn modelId="{F0D7ABE3-6C08-439E-94F9-8B4A9E38CD77}" srcId="{8EC19D2E-B3D7-4F93-9367-B11F5CA8FC9F}" destId="{8E8F9202-ECB3-4571-ACB3-E5351C3F3F39}" srcOrd="1" destOrd="0" parTransId="{0ABAF1AA-51ED-463E-960C-6E06A05B4CFA}" sibTransId="{D95ADFFB-E1B1-4FA8-8C94-2350C56E166D}"/>
-    <dgm:cxn modelId="{F1ED22E5-5B31-491D-93CA-7750BF26135D}" srcId="{8EC19D2E-B3D7-4F93-9367-B11F5CA8FC9F}" destId="{C3028C23-16D4-4D5B-9F6A-72FCAD94775C}" srcOrd="2" destOrd="0" parTransId="{B7B6BAAE-DB1C-43C9-8509-3C35EC12ACD1}" sibTransId="{A8D53E2E-1653-4C26-BC15-C76D93534E0D}"/>
-    <dgm:cxn modelId="{AC9738E5-2981-494D-90D3-24D894D48E4D}" srcId="{C2568AD0-1613-49E5-B156-1CE8F0103525}" destId="{60635FD0-0583-47FE-8761-F253EA5F28A6}" srcOrd="2" destOrd="0" parTransId="{B31E82A9-8379-4131-B9AB-7DDB630E98A8}" sibTransId="{883E0722-CC27-4AF5-840E-B928F9CDA882}"/>
-    <dgm:cxn modelId="{E1AA9CEA-DC5E-40E1-8C1D-8FD5024F755F}" srcId="{C2568AD0-1613-49E5-B156-1CE8F0103525}" destId="{36D9792B-E2CC-43F8-B24D-94AE1D5AEC5F}" srcOrd="0" destOrd="0" parTransId="{9A2C7163-B143-48F5-99F5-947BD7E035C8}" sibTransId="{D2EBCF32-864B-41E2-BDFF-0C15EB1984C9}"/>
-    <dgm:cxn modelId="{9E12D5EA-DBF4-41C0-BC89-AC98EA8FD1F5}" type="presOf" srcId="{0FD791E1-E64D-4CDA-9E2E-D3E2A709A2F6}" destId="{8236926B-915F-4F58-97C6-B87F13A1675A}" srcOrd="0" destOrd="0" presId="urn:microsoft.com/office/officeart/2008/layout/PictureStrips"/>
-    <dgm:cxn modelId="{EBDC46EB-DA5D-4379-81A5-2993173562C4}" srcId="{2F000F28-9F14-4DE3-AAD0-3B0D469E9CC3}" destId="{128A706F-B8AC-4EAC-8478-A5A88E39A1F1}" srcOrd="1" destOrd="0" parTransId="{2856010F-6D91-4DDA-B9F8-988C725F65C8}" sibTransId="{11C239AA-3466-4AF6-8C62-BF20480997DE}"/>
-    <dgm:cxn modelId="{18CE7AED-650D-4CF9-B913-BE2F82BCF455}" type="presOf" srcId="{A00EE29A-FEE0-4305-B3EF-CAF353BDC7A3}" destId="{33E26531-55F2-40CA-9734-8C4ADB2580C7}" srcOrd="0" destOrd="0" presId="urn:microsoft.com/office/officeart/2008/layout/PictureStrips"/>
-    <dgm:cxn modelId="{2EDC0CF2-87BE-4724-A2E9-FDBFB4E3CC81}" type="presOf" srcId="{40E44BD7-5F88-4E82-9EFC-66E947DA1845}" destId="{7822E0C6-E945-4E41-9B9C-8F90775E914F}" srcOrd="0" destOrd="2" presId="urn:microsoft.com/office/officeart/2008/layout/PictureStrips"/>
-    <dgm:cxn modelId="{BD674DF2-3FDD-4311-BC83-4E0242E22283}" type="presOf" srcId="{B7E08ACB-1DBF-4584-A117-33ADFBD36942}" destId="{2F333BA5-C368-4220-ADBC-3FC4B8F3E21C}" srcOrd="0" destOrd="0" presId="urn:microsoft.com/office/officeart/2008/layout/PictureStrips"/>
-    <dgm:cxn modelId="{FF6719F3-8C1F-4912-8B6E-28CF52520FB1}" type="presOf" srcId="{B52F313B-C15D-423C-95D3-FB7D8A0F7487}" destId="{8692CEC7-6965-4AC2-A2A1-227541B97ACB}" srcOrd="0" destOrd="3" presId="urn:microsoft.com/office/officeart/2008/layout/PictureStrips"/>
-    <dgm:cxn modelId="{B92716F6-4921-46EB-97B4-5D75220D05D4}" type="presOf" srcId="{0A59B12A-F1DF-453D-94DE-DB354E67FE79}" destId="{5A9F2F44-62AA-49C4-8B50-83749B662461}" srcOrd="0" destOrd="2" presId="urn:microsoft.com/office/officeart/2008/layout/PictureStrips"/>
-    <dgm:cxn modelId="{F700B2F7-92BD-4B75-97AD-89EC450171D7}" type="presOf" srcId="{C3028C23-16D4-4D5B-9F6A-72FCAD94775C}" destId="{FAAEDF88-4D9D-4F39-91D6-612DFB1429E2}" srcOrd="0" destOrd="3" presId="urn:microsoft.com/office/officeart/2008/layout/PictureStrips"/>
-    <dgm:cxn modelId="{6D84E4F9-8471-4241-9D23-A8EA63C12569}" srcId="{55E77604-FA59-45BD-8BB0-A6D1878572BC}" destId="{0A59B12A-F1DF-453D-94DE-DB354E67FE79}" srcOrd="1" destOrd="0" parTransId="{B1552C8A-B549-4896-ABC5-CF7F381724E5}" sibTransId="{C5C4E023-A312-4290-827A-C2F7C4EAC039}"/>
+    <dgm:cxn modelId="{F630263F-9B9E-4E05-9275-814320C92AEB}" srcId="{55E77604-FA59-45BD-8BB0-A6D1878572BC}" destId="{6C136558-7028-4EAF-9C25-DE204EA788AF}" srcOrd="2" destOrd="0" parTransId="{EB6F3079-F054-499C-9EB2-56861FF135B5}" sibTransId="{735A23EE-C9B6-4438-B10B-A2F643E6EF98}"/>
     <dgm:cxn modelId="{9E54514B-2B2E-411D-9665-34A14A26597B}" type="presParOf" srcId="{8236926B-915F-4F58-97C6-B87F13A1675A}" destId="{22D3A955-4D10-46B1-90E9-A53AFCE9F0FF}" srcOrd="0" destOrd="0" presId="urn:microsoft.com/office/officeart/2008/layout/PictureStrips"/>
     <dgm:cxn modelId="{CEAEF7BA-45AB-4B94-9E4F-A5267148B5DD}" type="presParOf" srcId="{22D3A955-4D10-46B1-90E9-A53AFCE9F0FF}" destId="{8692CEC7-6965-4AC2-A2A1-227541B97ACB}" srcOrd="0" destOrd="0" presId="urn:microsoft.com/office/officeart/2008/layout/PictureStrips"/>
     <dgm:cxn modelId="{43043689-82BA-4FB4-A11C-08B4FA02539E}" type="presParOf" srcId="{22D3A955-4D10-46B1-90E9-A53AFCE9F0FF}" destId="{8B9F8F74-7BEF-46D4-895B-14D15D9D336A}" srcOrd="1" destOrd="0" presId="urn:microsoft.com/office/officeart/2008/layout/PictureStrips"/>
@@ -6267,7 +6449,7 @@
         </a:bodyPr>
         <a:lstStyle/>
         <a:p>
-          <a:pPr marL="0" lvl="0" indent="0" algn="ctr" defTabSz="622300">
+          <a:pPr lvl="0" algn="ctr" defTabSz="622300">
             <a:lnSpc>
               <a:spcPct val="90000"/>
             </a:lnSpc>
@@ -6277,7 +6459,6 @@
             <a:spcAft>
               <a:spcPct val="5000"/>
             </a:spcAft>
-            <a:buNone/>
           </a:pPr>
           <a:r>
             <a:rPr lang="es-ES" sz="1400" kern="1200" dirty="0" err="1"/>
@@ -6397,7 +6578,7 @@
         </a:bodyPr>
         <a:lstStyle/>
         <a:p>
-          <a:pPr marL="0" lvl="0" indent="0" algn="ctr" defTabSz="622300">
+          <a:pPr lvl="0" algn="ctr" defTabSz="622300">
             <a:lnSpc>
               <a:spcPct val="90000"/>
             </a:lnSpc>
@@ -6407,7 +6588,6 @@
             <a:spcAft>
               <a:spcPct val="5000"/>
             </a:spcAft>
-            <a:buNone/>
           </a:pPr>
           <a:r>
             <a:rPr lang="es-ES" sz="1400" kern="1200" dirty="0" err="1"/>
@@ -6527,7 +6707,7 @@
         </a:bodyPr>
         <a:lstStyle/>
         <a:p>
-          <a:pPr marL="0" lvl="0" indent="0" algn="ctr" defTabSz="622300">
+          <a:pPr lvl="0" algn="ctr" defTabSz="622300">
             <a:lnSpc>
               <a:spcPct val="90000"/>
             </a:lnSpc>
@@ -6537,7 +6717,6 @@
             <a:spcAft>
               <a:spcPct val="5000"/>
             </a:spcAft>
-            <a:buNone/>
           </a:pPr>
           <a:r>
             <a:rPr lang="es-ES" sz="1400" kern="1200" dirty="0" err="1"/>
@@ -6649,7 +6828,7 @@
         </a:bodyPr>
         <a:lstStyle/>
         <a:p>
-          <a:pPr marL="0" lvl="0" indent="0" algn="ctr" defTabSz="622300">
+          <a:pPr lvl="0" algn="ctr" defTabSz="622300">
             <a:lnSpc>
               <a:spcPct val="90000"/>
             </a:lnSpc>
@@ -6659,7 +6838,6 @@
             <a:spcAft>
               <a:spcPct val="5000"/>
             </a:spcAft>
-            <a:buNone/>
           </a:pPr>
           <a:r>
             <a:rPr lang="es-ES" sz="1400" kern="1200" dirty="0"/>
@@ -6770,7 +6948,7 @@
         </a:bodyPr>
         <a:lstStyle/>
         <a:p>
-          <a:pPr marL="0" lvl="0" indent="0" algn="ctr" defTabSz="622300">
+          <a:pPr lvl="0" algn="ctr" defTabSz="622300">
             <a:lnSpc>
               <a:spcPct val="90000"/>
             </a:lnSpc>
@@ -6780,7 +6958,6 @@
             <a:spcAft>
               <a:spcPct val="5000"/>
             </a:spcAft>
-            <a:buNone/>
           </a:pPr>
           <a:r>
             <a:rPr lang="es-ES" sz="1400" kern="1200"/>
@@ -6891,7 +7068,7 @@
         </a:bodyPr>
         <a:lstStyle/>
         <a:p>
-          <a:pPr marL="0" lvl="0" indent="0" algn="ctr" defTabSz="622300">
+          <a:pPr lvl="0" algn="ctr" defTabSz="622300">
             <a:lnSpc>
               <a:spcPct val="90000"/>
             </a:lnSpc>
@@ -6901,7 +7078,6 @@
             <a:spcAft>
               <a:spcPct val="5000"/>
             </a:spcAft>
-            <a:buNone/>
           </a:pPr>
           <a:r>
             <a:rPr lang="es-ES" sz="1400" kern="1200" dirty="0" err="1"/>
@@ -7013,7 +7189,7 @@
         </a:bodyPr>
         <a:lstStyle/>
         <a:p>
-          <a:pPr marL="0" lvl="0" indent="0" algn="ctr" defTabSz="622300">
+          <a:pPr lvl="0" algn="ctr" defTabSz="622300">
             <a:lnSpc>
               <a:spcPct val="90000"/>
             </a:lnSpc>
@@ -7023,7 +7199,6 @@
             <a:spcAft>
               <a:spcPct val="5000"/>
             </a:spcAft>
-            <a:buNone/>
           </a:pPr>
           <a:r>
             <a:rPr lang="es-ES" sz="1400" kern="1200" dirty="0" err="1"/>
@@ -7102,7 +7277,7 @@
         </a:bodyPr>
         <a:lstStyle/>
         <a:p>
-          <a:pPr marL="0" lvl="0" indent="0" algn="l" defTabSz="400050">
+          <a:pPr lvl="0" algn="l" defTabSz="400050">
             <a:lnSpc>
               <a:spcPct val="90000"/>
             </a:lnSpc>
@@ -7112,7 +7287,6 @@
             <a:spcAft>
               <a:spcPct val="35000"/>
             </a:spcAft>
-            <a:buNone/>
           </a:pPr>
           <a:r>
             <a:rPr lang="es-ES" sz="900" kern="1200" dirty="0"/>
@@ -7135,7 +7309,7 @@
             <a:spcAft>
               <a:spcPct val="15000"/>
             </a:spcAft>
-            <a:buChar char="•"/>
+            <a:buChar char="••"/>
           </a:pPr>
           <a:r>
             <a:rPr lang="es-ES" sz="700" kern="1200" dirty="0"/>
@@ -7153,7 +7327,7 @@
             <a:spcAft>
               <a:spcPct val="15000"/>
             </a:spcAft>
-            <a:buChar char="•"/>
+            <a:buChar char="••"/>
           </a:pPr>
           <a:r>
             <a:rPr lang="es-ES" sz="700" kern="1200"/>
@@ -7171,7 +7345,7 @@
             <a:spcAft>
               <a:spcPct val="15000"/>
             </a:spcAft>
-            <a:buChar char="•"/>
+            <a:buChar char="••"/>
           </a:pPr>
           <a:r>
             <a:rPr lang="es-ES" sz="700" kern="1200"/>
@@ -7189,7 +7363,7 @@
             <a:spcAft>
               <a:spcPct val="15000"/>
             </a:spcAft>
-            <a:buChar char="•"/>
+            <a:buChar char="••"/>
           </a:pPr>
           <a:r>
             <a:rPr lang="es-ES" sz="700" kern="1200"/>
@@ -7207,7 +7381,7 @@
             <a:spcAft>
               <a:spcPct val="15000"/>
             </a:spcAft>
-            <a:buChar char="•"/>
+            <a:buChar char="••"/>
           </a:pPr>
           <a:r>
             <a:rPr lang="es-ES" sz="700" kern="1200" dirty="0"/>
@@ -7325,7 +7499,7 @@
         </a:bodyPr>
         <a:lstStyle/>
         <a:p>
-          <a:pPr marL="0" lvl="0" indent="0" algn="l" defTabSz="400050">
+          <a:pPr lvl="0" algn="l" defTabSz="400050">
             <a:lnSpc>
               <a:spcPct val="90000"/>
             </a:lnSpc>
@@ -7335,7 +7509,6 @@
             <a:spcAft>
               <a:spcPct val="35000"/>
             </a:spcAft>
-            <a:buNone/>
           </a:pPr>
           <a:r>
             <a:rPr lang="es-ES" sz="900" kern="1200" dirty="0" err="1"/>
@@ -7362,7 +7535,7 @@
             <a:spcAft>
               <a:spcPct val="15000"/>
             </a:spcAft>
-            <a:buChar char="•"/>
+            <a:buChar char="••"/>
           </a:pPr>
           <a:r>
             <a:rPr lang="es-ES" sz="700" kern="1200" dirty="0"/>
@@ -7380,7 +7553,7 @@
             <a:spcAft>
               <a:spcPct val="15000"/>
             </a:spcAft>
-            <a:buChar char="•"/>
+            <a:buChar char="••"/>
           </a:pPr>
           <a:r>
             <a:rPr lang="es-ES" sz="700" kern="1200"/>
@@ -7398,7 +7571,7 @@
             <a:spcAft>
               <a:spcPct val="15000"/>
             </a:spcAft>
-            <a:buChar char="•"/>
+            <a:buChar char="••"/>
           </a:pPr>
           <a:r>
             <a:rPr lang="es-ES" sz="700" kern="1200"/>
@@ -7416,7 +7589,7 @@
             <a:spcAft>
               <a:spcPct val="15000"/>
             </a:spcAft>
-            <a:buChar char="•"/>
+            <a:buChar char="••"/>
           </a:pPr>
           <a:r>
             <a:rPr lang="es-ES" sz="700" kern="1200"/>
@@ -7434,7 +7607,7 @@
             <a:spcAft>
               <a:spcPct val="15000"/>
             </a:spcAft>
-            <a:buChar char="•"/>
+            <a:buChar char="••"/>
           </a:pPr>
           <a:r>
             <a:rPr lang="es-ES" sz="700" kern="1200" dirty="0"/>
@@ -7552,7 +7725,7 @@
         </a:bodyPr>
         <a:lstStyle/>
         <a:p>
-          <a:pPr marL="0" lvl="0" indent="0" algn="l" defTabSz="400050">
+          <a:pPr lvl="0" algn="l" defTabSz="400050">
             <a:lnSpc>
               <a:spcPct val="90000"/>
             </a:lnSpc>
@@ -7562,7 +7735,6 @@
             <a:spcAft>
               <a:spcPct val="35000"/>
             </a:spcAft>
-            <a:buNone/>
           </a:pPr>
           <a:r>
             <a:rPr lang="es-ES" sz="900" kern="1200" dirty="0" err="1"/>
@@ -7581,7 +7753,7 @@
             <a:spcAft>
               <a:spcPct val="15000"/>
             </a:spcAft>
-            <a:buChar char="•"/>
+            <a:buChar char="••"/>
           </a:pPr>
           <a:r>
             <a:rPr lang="es-ES" sz="700" kern="1200" dirty="0"/>
@@ -7599,7 +7771,7 @@
             <a:spcAft>
               <a:spcPct val="15000"/>
             </a:spcAft>
-            <a:buChar char="•"/>
+            <a:buChar char="••"/>
           </a:pPr>
           <a:r>
             <a:rPr lang="es-ES" sz="700" kern="1200"/>
@@ -7617,7 +7789,7 @@
             <a:spcAft>
               <a:spcPct val="15000"/>
             </a:spcAft>
-            <a:buChar char="•"/>
+            <a:buChar char="••"/>
           </a:pPr>
           <a:r>
             <a:rPr lang="es-ES" sz="700" kern="1200"/>
@@ -7635,7 +7807,7 @@
             <a:spcAft>
               <a:spcPct val="15000"/>
             </a:spcAft>
-            <a:buChar char="•"/>
+            <a:buChar char="••"/>
           </a:pPr>
           <a:r>
             <a:rPr lang="es-ES" sz="700" kern="1200"/>
@@ -7653,7 +7825,7 @@
             <a:spcAft>
               <a:spcPct val="15000"/>
             </a:spcAft>
-            <a:buChar char="•"/>
+            <a:buChar char="••"/>
           </a:pPr>
           <a:r>
             <a:rPr lang="es-ES" sz="700" kern="1200" dirty="0"/>
@@ -7771,7 +7943,7 @@
         </a:bodyPr>
         <a:lstStyle/>
         <a:p>
-          <a:pPr marL="0" lvl="0" indent="0" algn="l" defTabSz="400050">
+          <a:pPr lvl="0" algn="l" defTabSz="400050">
             <a:lnSpc>
               <a:spcPct val="90000"/>
             </a:lnSpc>
@@ -7781,7 +7953,6 @@
             <a:spcAft>
               <a:spcPct val="35000"/>
             </a:spcAft>
-            <a:buNone/>
           </a:pPr>
           <a:r>
             <a:rPr lang="es-ES" sz="900" kern="1200" dirty="0"/>
@@ -7799,7 +7970,7 @@
             <a:spcAft>
               <a:spcPct val="15000"/>
             </a:spcAft>
-            <a:buChar char="•"/>
+            <a:buChar char="••"/>
           </a:pPr>
           <a:r>
             <a:rPr lang="es-ES" sz="700" kern="1200" dirty="0"/>
@@ -7817,7 +7988,7 @@
             <a:spcAft>
               <a:spcPct val="15000"/>
             </a:spcAft>
-            <a:buChar char="•"/>
+            <a:buChar char="••"/>
           </a:pPr>
           <a:r>
             <a:rPr lang="es-ES" sz="700" kern="1200"/>
@@ -7835,7 +8006,7 @@
             <a:spcAft>
               <a:spcPct val="15000"/>
             </a:spcAft>
-            <a:buChar char="•"/>
+            <a:buChar char="••"/>
           </a:pPr>
           <a:r>
             <a:rPr lang="es-ES" sz="700" kern="1200"/>
@@ -7853,7 +8024,7 @@
             <a:spcAft>
               <a:spcPct val="15000"/>
             </a:spcAft>
-            <a:buChar char="•"/>
+            <a:buChar char="••"/>
           </a:pPr>
           <a:r>
             <a:rPr lang="es-ES" sz="700" kern="1200" dirty="0"/>
@@ -7971,7 +8142,7 @@
         </a:bodyPr>
         <a:lstStyle/>
         <a:p>
-          <a:pPr marL="0" lvl="0" indent="0" algn="l" defTabSz="400050">
+          <a:pPr lvl="0" algn="l" defTabSz="400050">
             <a:lnSpc>
               <a:spcPct val="90000"/>
             </a:lnSpc>
@@ -7981,7 +8152,6 @@
             <a:spcAft>
               <a:spcPct val="35000"/>
             </a:spcAft>
-            <a:buNone/>
           </a:pPr>
           <a:r>
             <a:rPr lang="es-ES" sz="900" kern="1200" dirty="0"/>
@@ -8004,7 +8174,7 @@
             <a:spcAft>
               <a:spcPct val="15000"/>
             </a:spcAft>
-            <a:buChar char="•"/>
+            <a:buChar char="••"/>
           </a:pPr>
           <a:r>
             <a:rPr lang="es-ES" sz="700" kern="1200" dirty="0"/>
@@ -8030,7 +8200,7 @@
             <a:spcAft>
               <a:spcPct val="15000"/>
             </a:spcAft>
-            <a:buChar char="•"/>
+            <a:buChar char="••"/>
           </a:pPr>
           <a:r>
             <a:rPr lang="es-ES" sz="700" kern="1200"/>
@@ -8048,7 +8218,7 @@
             <a:spcAft>
               <a:spcPct val="15000"/>
             </a:spcAft>
-            <a:buChar char="•"/>
+            <a:buChar char="••"/>
           </a:pPr>
           <a:r>
             <a:rPr lang="es-ES" sz="700" kern="1200" dirty="0"/>
@@ -8166,7 +8336,7 @@
         </a:bodyPr>
         <a:lstStyle/>
         <a:p>
-          <a:pPr marL="0" lvl="0" indent="0" algn="l" defTabSz="400050">
+          <a:pPr lvl="0" algn="l" defTabSz="400050">
             <a:lnSpc>
               <a:spcPct val="90000"/>
             </a:lnSpc>
@@ -8176,7 +8346,6 @@
             <a:spcAft>
               <a:spcPct val="35000"/>
             </a:spcAft>
-            <a:buNone/>
           </a:pPr>
           <a:r>
             <a:rPr lang="es-ES" sz="900" kern="1200" dirty="0" err="1"/>
@@ -8195,7 +8364,7 @@
             <a:spcAft>
               <a:spcPct val="15000"/>
             </a:spcAft>
-            <a:buChar char="•"/>
+            <a:buChar char="••"/>
           </a:pPr>
           <a:r>
             <a:rPr lang="es-ES" sz="700" kern="1200" dirty="0"/>
@@ -8213,7 +8382,7 @@
             <a:spcAft>
               <a:spcPct val="15000"/>
             </a:spcAft>
-            <a:buChar char="•"/>
+            <a:buChar char="••"/>
           </a:pPr>
           <a:r>
             <a:rPr lang="es-ES" sz="700" kern="1200"/>
@@ -8231,7 +8400,7 @@
             <a:spcAft>
               <a:spcPct val="15000"/>
             </a:spcAft>
-            <a:buChar char="•"/>
+            <a:buChar char="••"/>
           </a:pPr>
           <a:r>
             <a:rPr lang="es-ES" sz="700" kern="1200"/>
@@ -8249,7 +8418,7 @@
             <a:spcAft>
               <a:spcPct val="15000"/>
             </a:spcAft>
-            <a:buChar char="•"/>
+            <a:buChar char="••"/>
           </a:pPr>
           <a:r>
             <a:rPr lang="es-ES" sz="700" kern="1200" dirty="0"/>
@@ -8367,7 +8536,7 @@
         </a:bodyPr>
         <a:lstStyle/>
         <a:p>
-          <a:pPr marL="0" lvl="0" indent="0" algn="l" defTabSz="400050">
+          <a:pPr lvl="0" algn="l" defTabSz="400050">
             <a:lnSpc>
               <a:spcPct val="90000"/>
             </a:lnSpc>
@@ -8377,7 +8546,6 @@
             <a:spcAft>
               <a:spcPct val="35000"/>
             </a:spcAft>
-            <a:buNone/>
           </a:pPr>
           <a:r>
             <a:rPr lang="es-ES" sz="900" kern="1200" dirty="0" err="1"/>
@@ -8396,7 +8564,7 @@
             <a:spcAft>
               <a:spcPct val="15000"/>
             </a:spcAft>
-            <a:buChar char="•"/>
+            <a:buChar char="••"/>
           </a:pPr>
           <a:r>
             <a:rPr lang="es-ES" sz="700" kern="1200" dirty="0"/>
@@ -8414,7 +8582,7 @@
             <a:spcAft>
               <a:spcPct val="15000"/>
             </a:spcAft>
-            <a:buChar char="•"/>
+            <a:buChar char="••"/>
           </a:pPr>
           <a:r>
             <a:rPr lang="es-ES" sz="700" kern="1200"/>
@@ -8432,7 +8600,7 @@
             <a:spcAft>
               <a:spcPct val="15000"/>
             </a:spcAft>
-            <a:buChar char="•"/>
+            <a:buChar char="••"/>
           </a:pPr>
           <a:r>
             <a:rPr lang="es-ES" sz="700" kern="1200"/>
@@ -8450,7 +8618,7 @@
             <a:spcAft>
               <a:spcPct val="15000"/>
             </a:spcAft>
-            <a:buChar char="•"/>
+            <a:buChar char="••"/>
           </a:pPr>
           <a:r>
             <a:rPr lang="es-ES" sz="700" kern="1200" dirty="0"/>
@@ -8580,7 +8748,7 @@
         </a:bodyPr>
         <a:lstStyle/>
         <a:p>
-          <a:pPr marL="0" lvl="0" indent="0" algn="l" defTabSz="400050">
+          <a:pPr lvl="0" algn="l" defTabSz="400050">
             <a:lnSpc>
               <a:spcPct val="90000"/>
             </a:lnSpc>
@@ -8590,7 +8758,6 @@
             <a:spcAft>
               <a:spcPct val="35000"/>
             </a:spcAft>
-            <a:buNone/>
           </a:pPr>
           <a:r>
             <a:rPr lang="es-ES" sz="900" kern="1200" dirty="0"/>
@@ -8613,7 +8780,7 @@
             <a:spcAft>
               <a:spcPct val="15000"/>
             </a:spcAft>
-            <a:buChar char="•"/>
+            <a:buChar char="••"/>
           </a:pPr>
           <a:r>
             <a:rPr lang="es-ES" sz="700" kern="1200" dirty="0"/>
@@ -8639,7 +8806,7 @@
             <a:spcAft>
               <a:spcPct val="15000"/>
             </a:spcAft>
-            <a:buChar char="•"/>
+            <a:buChar char="••"/>
           </a:pPr>
           <a:r>
             <a:rPr lang="es-ES" sz="700" kern="1200"/>
@@ -8657,7 +8824,7 @@
             <a:spcAft>
               <a:spcPct val="15000"/>
             </a:spcAft>
-            <a:buChar char="•"/>
+            <a:buChar char="••"/>
           </a:pPr>
           <a:r>
             <a:rPr lang="es-ES" sz="700" kern="1200" dirty="0"/>
@@ -8775,7 +8942,7 @@
         </a:bodyPr>
         <a:lstStyle/>
         <a:p>
-          <a:pPr marL="0" lvl="0" indent="0" algn="l" defTabSz="400050">
+          <a:pPr lvl="0" algn="l" defTabSz="400050">
             <a:lnSpc>
               <a:spcPct val="90000"/>
             </a:lnSpc>
@@ -8785,7 +8952,6 @@
             <a:spcAft>
               <a:spcPct val="35000"/>
             </a:spcAft>
-            <a:buNone/>
           </a:pPr>
           <a:r>
             <a:rPr lang="es-ES" sz="900" kern="1200" dirty="0" err="1"/>
@@ -8812,7 +8978,7 @@
             <a:spcAft>
               <a:spcPct val="15000"/>
             </a:spcAft>
-            <a:buChar char="•"/>
+            <a:buChar char="••"/>
           </a:pPr>
           <a:r>
             <a:rPr lang="es-ES" sz="700" kern="1200" dirty="0"/>
@@ -8830,7 +8996,7 @@
             <a:spcAft>
               <a:spcPct val="15000"/>
             </a:spcAft>
-            <a:buChar char="•"/>
+            <a:buChar char="••"/>
           </a:pPr>
           <a:r>
             <a:rPr lang="es-ES" sz="700" kern="1200"/>
@@ -8848,7 +9014,7 @@
             <a:spcAft>
               <a:spcPct val="15000"/>
             </a:spcAft>
-            <a:buChar char="•"/>
+            <a:buChar char="••"/>
           </a:pPr>
           <a:r>
             <a:rPr lang="es-ES" sz="700" kern="1200" dirty="0"/>
@@ -8966,7 +9132,7 @@
         </a:bodyPr>
         <a:lstStyle/>
         <a:p>
-          <a:pPr marL="0" lvl="0" indent="0" algn="l" defTabSz="400050">
+          <a:pPr lvl="0" algn="l" defTabSz="400050">
             <a:lnSpc>
               <a:spcPct val="90000"/>
             </a:lnSpc>
@@ -8976,7 +9142,6 @@
             <a:spcAft>
               <a:spcPct val="35000"/>
             </a:spcAft>
-            <a:buNone/>
           </a:pPr>
           <a:r>
             <a:rPr lang="es-ES" sz="900" kern="1200" dirty="0" err="1"/>
@@ -8995,7 +9160,7 @@
             <a:spcAft>
               <a:spcPct val="15000"/>
             </a:spcAft>
-            <a:buChar char="•"/>
+            <a:buChar char="••"/>
           </a:pPr>
           <a:r>
             <a:rPr lang="es-ES" sz="700" kern="1200" dirty="0"/>
@@ -9013,7 +9178,7 @@
             <a:spcAft>
               <a:spcPct val="15000"/>
             </a:spcAft>
-            <a:buChar char="•"/>
+            <a:buChar char="••"/>
           </a:pPr>
           <a:r>
             <a:rPr lang="es-ES" sz="700" kern="1200"/>
@@ -9031,7 +9196,7 @@
             <a:spcAft>
               <a:spcPct val="15000"/>
             </a:spcAft>
-            <a:buChar char="•"/>
+            <a:buChar char="••"/>
           </a:pPr>
           <a:r>
             <a:rPr lang="es-ES" sz="700" kern="1200" dirty="0"/>
@@ -9149,7 +9314,7 @@
         </a:bodyPr>
         <a:lstStyle/>
         <a:p>
-          <a:pPr marL="0" lvl="0" indent="0" algn="l" defTabSz="400050">
+          <a:pPr lvl="0" algn="l" defTabSz="400050">
             <a:lnSpc>
               <a:spcPct val="90000"/>
             </a:lnSpc>
@@ -9159,7 +9324,6 @@
             <a:spcAft>
               <a:spcPct val="35000"/>
             </a:spcAft>
-            <a:buNone/>
           </a:pPr>
           <a:r>
             <a:rPr lang="es-ES" sz="900" kern="1200" dirty="0"/>
@@ -9177,7 +9341,7 @@
             <a:spcAft>
               <a:spcPct val="15000"/>
             </a:spcAft>
-            <a:buChar char="•"/>
+            <a:buChar char="••"/>
           </a:pPr>
           <a:r>
             <a:rPr lang="es-ES" sz="700" kern="1200" dirty="0"/>
@@ -9195,7 +9359,7 @@
             <a:spcAft>
               <a:spcPct val="15000"/>
             </a:spcAft>
-            <a:buChar char="•"/>
+            <a:buChar char="••"/>
           </a:pPr>
           <a:r>
             <a:rPr lang="es-ES" sz="700" kern="1200"/>
@@ -9213,7 +9377,7 @@
             <a:spcAft>
               <a:spcPct val="15000"/>
             </a:spcAft>
-            <a:buChar char="•"/>
+            <a:buChar char="••"/>
           </a:pPr>
           <a:r>
             <a:rPr lang="es-ES" sz="700" kern="1200" dirty="0"/>
@@ -9331,7 +9495,7 @@
         </a:bodyPr>
         <a:lstStyle/>
         <a:p>
-          <a:pPr marL="0" lvl="0" indent="0" algn="l" defTabSz="400050">
+          <a:pPr lvl="0" algn="l" defTabSz="400050">
             <a:lnSpc>
               <a:spcPct val="90000"/>
             </a:lnSpc>
@@ -9341,7 +9505,6 @@
             <a:spcAft>
               <a:spcPct val="35000"/>
             </a:spcAft>
-            <a:buNone/>
           </a:pPr>
           <a:r>
             <a:rPr lang="es-ES" sz="900" kern="1200" dirty="0"/>
@@ -9364,7 +9527,7 @@
             <a:spcAft>
               <a:spcPct val="15000"/>
             </a:spcAft>
-            <a:buChar char="•"/>
+            <a:buChar char="••"/>
           </a:pPr>
           <a:r>
             <a:rPr lang="es-ES" sz="700" kern="1200" dirty="0"/>
@@ -9382,7 +9545,7 @@
             <a:spcAft>
               <a:spcPct val="15000"/>
             </a:spcAft>
-            <a:buChar char="•"/>
+            <a:buChar char="••"/>
           </a:pPr>
           <a:r>
             <a:rPr lang="es-ES" sz="700" kern="1200"/>
@@ -9400,7 +9563,7 @@
             <a:spcAft>
               <a:spcPct val="15000"/>
             </a:spcAft>
-            <a:buChar char="•"/>
+            <a:buChar char="••"/>
           </a:pPr>
           <a:r>
             <a:rPr lang="es-ES" sz="700" kern="1200" dirty="0"/>
@@ -9518,7 +9681,7 @@
         </a:bodyPr>
         <a:lstStyle/>
         <a:p>
-          <a:pPr marL="0" lvl="0" indent="0" algn="l" defTabSz="400050">
+          <a:pPr lvl="0" algn="l" defTabSz="400050">
             <a:lnSpc>
               <a:spcPct val="90000"/>
             </a:lnSpc>
@@ -9528,7 +9691,6 @@
             <a:spcAft>
               <a:spcPct val="35000"/>
             </a:spcAft>
-            <a:buNone/>
           </a:pPr>
           <a:r>
             <a:rPr lang="es-ES" sz="900" kern="1200" dirty="0" err="1"/>
@@ -9547,7 +9709,7 @@
             <a:spcAft>
               <a:spcPct val="15000"/>
             </a:spcAft>
-            <a:buChar char="•"/>
+            <a:buChar char="••"/>
           </a:pPr>
           <a:r>
             <a:rPr lang="es-ES" sz="700" kern="1200" dirty="0"/>
@@ -9565,7 +9727,7 @@
             <a:spcAft>
               <a:spcPct val="15000"/>
             </a:spcAft>
-            <a:buChar char="•"/>
+            <a:buChar char="••"/>
           </a:pPr>
           <a:r>
             <a:rPr lang="es-ES" sz="700" kern="1200"/>
@@ -9583,7 +9745,7 @@
             <a:spcAft>
               <a:spcPct val="15000"/>
             </a:spcAft>
-            <a:buChar char="•"/>
+            <a:buChar char="••"/>
           </a:pPr>
           <a:r>
             <a:rPr lang="es-ES" sz="700" kern="1200"/>
@@ -9601,7 +9763,7 @@
             <a:spcAft>
               <a:spcPct val="15000"/>
             </a:spcAft>
-            <a:buChar char="•"/>
+            <a:buChar char="••"/>
           </a:pPr>
           <a:r>
             <a:rPr lang="es-ES" sz="700" kern="1200" dirty="0"/>
@@ -9735,7 +9897,7 @@
         </a:bodyPr>
         <a:lstStyle/>
         <a:p>
-          <a:pPr marL="0" lvl="0" indent="0" algn="l" defTabSz="400050">
+          <a:pPr lvl="0" algn="l" defTabSz="400050">
             <a:lnSpc>
               <a:spcPct val="90000"/>
             </a:lnSpc>
@@ -9745,7 +9907,6 @@
             <a:spcAft>
               <a:spcPct val="35000"/>
             </a:spcAft>
-            <a:buNone/>
           </a:pPr>
           <a:r>
             <a:rPr lang="es-ES" sz="900" kern="1200" dirty="0" err="1"/>
@@ -9764,7 +9925,7 @@
             <a:spcAft>
               <a:spcPct val="15000"/>
             </a:spcAft>
-            <a:buChar char="•"/>
+            <a:buChar char="••"/>
           </a:pPr>
           <a:r>
             <a:rPr lang="es-ES" sz="700" kern="1200" dirty="0"/>
@@ -9782,7 +9943,7 @@
             <a:spcAft>
               <a:spcPct val="15000"/>
             </a:spcAft>
-            <a:buChar char="•"/>
+            <a:buChar char="••"/>
           </a:pPr>
           <a:r>
             <a:rPr lang="es-ES" sz="700" kern="1200"/>
@@ -9800,7 +9961,7 @@
             <a:spcAft>
               <a:spcPct val="15000"/>
             </a:spcAft>
-            <a:buChar char="•"/>
+            <a:buChar char="••"/>
           </a:pPr>
           <a:r>
             <a:rPr lang="es-ES" sz="700" kern="1200"/>
@@ -9818,7 +9979,7 @@
             <a:spcAft>
               <a:spcPct val="15000"/>
             </a:spcAft>
-            <a:buChar char="•"/>
+            <a:buChar char="••"/>
           </a:pPr>
           <a:r>
             <a:rPr lang="es-ES" sz="700" kern="1200" dirty="0"/>
@@ -13608,7 +13769,7 @@
           <a:noFill/>
           <a:extLst>
             <a:ext uri="{909E8E84-426E-40dd-AFC4-6F175D3DCCD1}">
-              <a14:hiddenFill xmlns:a14="http://schemas.microsoft.com/office/drawing/2010/main" xmlns="">
+              <a14:hiddenFill xmlns="" xmlns:a14="http://schemas.microsoft.com/office/drawing/2010/main">
                 <a:solidFill>
                   <a:srgbClr val="FFFFFF"/>
                 </a:solidFill>
@@ -13668,7 +13829,7 @@
             </a:ln>
             <a:extLst>
               <a:ext uri="{91240B29-F687-4f45-9708-019B960494DF}">
-                <a14:hiddenLine xmlns:a14="http://schemas.microsoft.com/office/drawing/2010/main" xmlns="" w="9525">
+                <a14:hiddenLine xmlns="" xmlns:a14="http://schemas.microsoft.com/office/drawing/2010/main" w="9525">
                   <a:solidFill>
                     <a:srgbClr val="000000"/>
                   </a:solidFill>
@@ -13758,7 +13919,7 @@
             </a:ln>
             <a:extLst>
               <a:ext uri="{91240B29-F687-4f45-9708-019B960494DF}">
-                <a14:hiddenLine xmlns:a14="http://schemas.microsoft.com/office/drawing/2010/main" xmlns="" w="9525">
+                <a14:hiddenLine xmlns="" xmlns:a14="http://schemas.microsoft.com/office/drawing/2010/main" w="9525">
                   <a:solidFill>
                     <a:srgbClr val="000000"/>
                   </a:solidFill>
@@ -13848,7 +14009,7 @@
             </a:ln>
             <a:extLst>
               <a:ext uri="{91240B29-F687-4f45-9708-019B960494DF}">
-                <a14:hiddenLine xmlns:a14="http://schemas.microsoft.com/office/drawing/2010/main" xmlns="" w="9525">
+                <a14:hiddenLine xmlns="" xmlns:a14="http://schemas.microsoft.com/office/drawing/2010/main" w="9525">
                   <a:solidFill>
                     <a:srgbClr val="000000"/>
                   </a:solidFill>
@@ -13882,7 +14043,7 @@
             </a:ln>
             <a:extLst>
               <a:ext uri="{91240B29-F687-4f45-9708-019B960494DF}">
-                <a14:hiddenLine xmlns:a14="http://schemas.microsoft.com/office/drawing/2010/main" xmlns="" w="9525">
+                <a14:hiddenLine xmlns="" xmlns:a14="http://schemas.microsoft.com/office/drawing/2010/main" w="9525">
                   <a:solidFill>
                     <a:srgbClr val="000000"/>
                   </a:solidFill>
@@ -13972,7 +14133,7 @@
             </a:ln>
             <a:extLst>
               <a:ext uri="{91240B29-F687-4f45-9708-019B960494DF}">
-                <a14:hiddenLine xmlns:a14="http://schemas.microsoft.com/office/drawing/2010/main" xmlns="" w="9525">
+                <a14:hiddenLine xmlns="" xmlns:a14="http://schemas.microsoft.com/office/drawing/2010/main" w="9525">
                   <a:solidFill>
                     <a:srgbClr val="000000"/>
                   </a:solidFill>
@@ -14034,7 +14195,7 @@
             </a:ln>
             <a:extLst>
               <a:ext uri="{91240B29-F687-4f45-9708-019B960494DF}">
-                <a14:hiddenLine xmlns:a14="http://schemas.microsoft.com/office/drawing/2010/main" xmlns="" w="9525">
+                <a14:hiddenLine xmlns="" xmlns:a14="http://schemas.microsoft.com/office/drawing/2010/main" w="9525">
                   <a:solidFill>
                     <a:srgbClr val="000000"/>
                   </a:solidFill>
@@ -14096,7 +14257,7 @@
             </a:ln>
             <a:extLst>
               <a:ext uri="{91240B29-F687-4f45-9708-019B960494DF}">
-                <a14:hiddenLine xmlns:a14="http://schemas.microsoft.com/office/drawing/2010/main" xmlns="" w="9525">
+                <a14:hiddenLine xmlns="" xmlns:a14="http://schemas.microsoft.com/office/drawing/2010/main" w="9525">
                   <a:solidFill>
                     <a:srgbClr val="000000"/>
                   </a:solidFill>
@@ -14186,7 +14347,7 @@
             </a:ln>
             <a:extLst>
               <a:ext uri="{91240B29-F687-4f45-9708-019B960494DF}">
-                <a14:hiddenLine xmlns:a14="http://schemas.microsoft.com/office/drawing/2010/main" xmlns="" w="9525">
+                <a14:hiddenLine xmlns="" xmlns:a14="http://schemas.microsoft.com/office/drawing/2010/main" w="9525">
                   <a:solidFill>
                     <a:srgbClr val="000000"/>
                   </a:solidFill>
@@ -14248,7 +14409,7 @@
             </a:ln>
             <a:extLst>
               <a:ext uri="{91240B29-F687-4f45-9708-019B960494DF}">
-                <a14:hiddenLine xmlns:a14="http://schemas.microsoft.com/office/drawing/2010/main" xmlns="" w="9525">
+                <a14:hiddenLine xmlns="" xmlns:a14="http://schemas.microsoft.com/office/drawing/2010/main" w="9525">
                   <a:solidFill>
                     <a:srgbClr val="000000"/>
                   </a:solidFill>
@@ -14310,7 +14471,7 @@
             </a:ln>
             <a:extLst>
               <a:ext uri="{91240B29-F687-4f45-9708-019B960494DF}">
-                <a14:hiddenLine xmlns:a14="http://schemas.microsoft.com/office/drawing/2010/main" xmlns="" w="9525">
+                <a14:hiddenLine xmlns="" xmlns:a14="http://schemas.microsoft.com/office/drawing/2010/main" w="9525">
                   <a:solidFill>
                     <a:srgbClr val="000000"/>
                   </a:solidFill>
@@ -14400,7 +14561,7 @@
             </a:ln>
             <a:extLst>
               <a:ext uri="{91240B29-F687-4f45-9708-019B960494DF}">
-                <a14:hiddenLine xmlns:a14="http://schemas.microsoft.com/office/drawing/2010/main" xmlns="" w="9525">
+                <a14:hiddenLine xmlns="" xmlns:a14="http://schemas.microsoft.com/office/drawing/2010/main" w="9525">
                   <a:solidFill>
                     <a:srgbClr val="000000"/>
                   </a:solidFill>
@@ -14490,7 +14651,7 @@
             </a:ln>
             <a:extLst>
               <a:ext uri="{91240B29-F687-4f45-9708-019B960494DF}">
-                <a14:hiddenLine xmlns:a14="http://schemas.microsoft.com/office/drawing/2010/main" xmlns="" w="9525">
+                <a14:hiddenLine xmlns="" xmlns:a14="http://schemas.microsoft.com/office/drawing/2010/main" w="9525">
                   <a:solidFill>
                     <a:srgbClr val="000000"/>
                   </a:solidFill>
@@ -14552,7 +14713,7 @@
             </a:ln>
             <a:extLst>
               <a:ext uri="{91240B29-F687-4f45-9708-019B960494DF}">
-                <a14:hiddenLine xmlns:a14="http://schemas.microsoft.com/office/drawing/2010/main" xmlns="" w="9525">
+                <a14:hiddenLine xmlns="" xmlns:a14="http://schemas.microsoft.com/office/drawing/2010/main" w="9525">
                   <a:solidFill>
                     <a:srgbClr val="000000"/>
                   </a:solidFill>
@@ -14662,7 +14823,7 @@
             </a:ln>
             <a:extLst>
               <a:ext uri="{91240B29-F687-4f45-9708-019B960494DF}">
-                <a14:hiddenLine xmlns:a14="http://schemas.microsoft.com/office/drawing/2010/main" xmlns="" w="9525">
+                <a14:hiddenLine xmlns="" xmlns:a14="http://schemas.microsoft.com/office/drawing/2010/main" w="9525">
                   <a:solidFill>
                     <a:srgbClr val="000000"/>
                   </a:solidFill>
@@ -14724,7 +14885,7 @@
             </a:ln>
             <a:extLst>
               <a:ext uri="{91240B29-F687-4f45-9708-019B960494DF}">
-                <a14:hiddenLine xmlns:a14="http://schemas.microsoft.com/office/drawing/2010/main" xmlns="" w="9525">
+                <a14:hiddenLine xmlns="" xmlns:a14="http://schemas.microsoft.com/office/drawing/2010/main" w="9525">
                   <a:solidFill>
                     <a:srgbClr val="000000"/>
                   </a:solidFill>
@@ -14814,7 +14975,7 @@
             </a:ln>
             <a:extLst>
               <a:ext uri="{91240B29-F687-4f45-9708-019B960494DF}">
-                <a14:hiddenLine xmlns:a14="http://schemas.microsoft.com/office/drawing/2010/main" xmlns="" w="9525">
+                <a14:hiddenLine xmlns="" xmlns:a14="http://schemas.microsoft.com/office/drawing/2010/main" w="9525">
                   <a:solidFill>
                     <a:srgbClr val="000000"/>
                   </a:solidFill>
@@ -14904,7 +15065,7 @@
             </a:ln>
             <a:extLst>
               <a:ext uri="{91240B29-F687-4f45-9708-019B960494DF}">
-                <a14:hiddenLine xmlns:a14="http://schemas.microsoft.com/office/drawing/2010/main" xmlns="" w="9525">
+                <a14:hiddenLine xmlns="" xmlns:a14="http://schemas.microsoft.com/office/drawing/2010/main" w="9525">
                   <a:solidFill>
                     <a:srgbClr val="000000"/>
                   </a:solidFill>
@@ -14966,7 +15127,7 @@
             </a:ln>
             <a:extLst>
               <a:ext uri="{91240B29-F687-4f45-9708-019B960494DF}">
-                <a14:hiddenLine xmlns:a14="http://schemas.microsoft.com/office/drawing/2010/main" xmlns="" w="9525">
+                <a14:hiddenLine xmlns="" xmlns:a14="http://schemas.microsoft.com/office/drawing/2010/main" w="9525">
                   <a:solidFill>
                     <a:srgbClr val="000000"/>
                   </a:solidFill>
@@ -15056,7 +15217,7 @@
             </a:ln>
             <a:extLst>
               <a:ext uri="{91240B29-F687-4f45-9708-019B960494DF}">
-                <a14:hiddenLine xmlns:a14="http://schemas.microsoft.com/office/drawing/2010/main" xmlns="" w="9525">
+                <a14:hiddenLine xmlns="" xmlns:a14="http://schemas.microsoft.com/office/drawing/2010/main" w="9525">
                   <a:solidFill>
                     <a:srgbClr val="000000"/>
                   </a:solidFill>
@@ -15146,7 +15307,7 @@
             </a:ln>
             <a:extLst>
               <a:ext uri="{91240B29-F687-4f45-9708-019B960494DF}">
-                <a14:hiddenLine xmlns:a14="http://schemas.microsoft.com/office/drawing/2010/main" xmlns="" w="9525">
+                <a14:hiddenLine xmlns="" xmlns:a14="http://schemas.microsoft.com/office/drawing/2010/main" w="9525">
                   <a:solidFill>
                     <a:srgbClr val="000000"/>
                   </a:solidFill>
@@ -15202,7 +15363,7 @@
             </a:ln>
             <a:extLst>
               <a:ext uri="{91240B29-F687-4f45-9708-019B960494DF}">
-                <a14:hiddenLine xmlns:a14="http://schemas.microsoft.com/office/drawing/2010/main" xmlns="" w="9525">
+                <a14:hiddenLine xmlns="" xmlns:a14="http://schemas.microsoft.com/office/drawing/2010/main" w="9525">
                   <a:solidFill>
                     <a:srgbClr val="000000"/>
                   </a:solidFill>
@@ -15292,7 +15453,7 @@
             </a:ln>
             <a:extLst>
               <a:ext uri="{91240B29-F687-4f45-9708-019B960494DF}">
-                <a14:hiddenLine xmlns:a14="http://schemas.microsoft.com/office/drawing/2010/main" xmlns="" w="9525">
+                <a14:hiddenLine xmlns="" xmlns:a14="http://schemas.microsoft.com/office/drawing/2010/main" w="9525">
                   <a:solidFill>
                     <a:srgbClr val="000000"/>
                   </a:solidFill>
@@ -15348,7 +15509,7 @@
             </a:ln>
             <a:extLst>
               <a:ext uri="{91240B29-F687-4f45-9708-019B960494DF}">
-                <a14:hiddenLine xmlns:a14="http://schemas.microsoft.com/office/drawing/2010/main" xmlns="" w="9525">
+                <a14:hiddenLine xmlns="" xmlns:a14="http://schemas.microsoft.com/office/drawing/2010/main" w="9525">
                   <a:solidFill>
                     <a:srgbClr val="000000"/>
                   </a:solidFill>
@@ -15438,7 +15599,7 @@
             </a:ln>
             <a:extLst>
               <a:ext uri="{91240B29-F687-4f45-9708-019B960494DF}">
-                <a14:hiddenLine xmlns:a14="http://schemas.microsoft.com/office/drawing/2010/main" xmlns="" w="9525">
+                <a14:hiddenLine xmlns="" xmlns:a14="http://schemas.microsoft.com/office/drawing/2010/main" w="9525">
                   <a:solidFill>
                     <a:srgbClr val="000000"/>
                   </a:solidFill>
@@ -15506,7 +15667,7 @@
             </a:ln>
             <a:extLst>
               <a:ext uri="{91240B29-F687-4f45-9708-019B960494DF}">
-                <a14:hiddenLine xmlns:a14="http://schemas.microsoft.com/office/drawing/2010/main" xmlns="" w="9525">
+                <a14:hiddenLine xmlns="" xmlns:a14="http://schemas.microsoft.com/office/drawing/2010/main" w="9525">
                   <a:solidFill>
                     <a:srgbClr val="000000"/>
                   </a:solidFill>
@@ -15596,7 +15757,7 @@
             </a:ln>
             <a:extLst>
               <a:ext uri="{91240B29-F687-4f45-9708-019B960494DF}">
-                <a14:hiddenLine xmlns:a14="http://schemas.microsoft.com/office/drawing/2010/main" xmlns="" w="9525">
+                <a14:hiddenLine xmlns="" xmlns:a14="http://schemas.microsoft.com/office/drawing/2010/main" w="9525">
                   <a:solidFill>
                     <a:srgbClr val="000000"/>
                   </a:solidFill>
@@ -15664,7 +15825,7 @@
             </a:ln>
             <a:extLst>
               <a:ext uri="{91240B29-F687-4f45-9708-019B960494DF}">
-                <a14:hiddenLine xmlns:a14="http://schemas.microsoft.com/office/drawing/2010/main" xmlns="" w="9525">
+                <a14:hiddenLine xmlns="" xmlns:a14="http://schemas.microsoft.com/office/drawing/2010/main" w="9525">
                   <a:solidFill>
                     <a:srgbClr val="000000"/>
                   </a:solidFill>
@@ -15754,7 +15915,7 @@
             </a:ln>
             <a:extLst>
               <a:ext uri="{91240B29-F687-4f45-9708-019B960494DF}">
-                <a14:hiddenLine xmlns:a14="http://schemas.microsoft.com/office/drawing/2010/main" xmlns="" w="9525">
+                <a14:hiddenLine xmlns="" xmlns:a14="http://schemas.microsoft.com/office/drawing/2010/main" w="9525">
                   <a:solidFill>
                     <a:srgbClr val="000000"/>
                   </a:solidFill>
@@ -15788,7 +15949,7 @@
             </a:ln>
             <a:extLst>
               <a:ext uri="{91240B29-F687-4f45-9708-019B960494DF}">
-                <a14:hiddenLine xmlns:a14="http://schemas.microsoft.com/office/drawing/2010/main" xmlns="" w="9525">
+                <a14:hiddenLine xmlns="" xmlns:a14="http://schemas.microsoft.com/office/drawing/2010/main" w="9525">
                   <a:solidFill>
                     <a:srgbClr val="000000"/>
                   </a:solidFill>
@@ -15878,7 +16039,7 @@
             </a:ln>
             <a:extLst>
               <a:ext uri="{91240B29-F687-4f45-9708-019B960494DF}">
-                <a14:hiddenLine xmlns:a14="http://schemas.microsoft.com/office/drawing/2010/main" xmlns="" w="9525">
+                <a14:hiddenLine xmlns="" xmlns:a14="http://schemas.microsoft.com/office/drawing/2010/main" w="9525">
                   <a:solidFill>
                     <a:srgbClr val="000000"/>
                   </a:solidFill>
@@ -15940,7 +16101,7 @@
             </a:ln>
             <a:extLst>
               <a:ext uri="{91240B29-F687-4f45-9708-019B960494DF}">
-                <a14:hiddenLine xmlns:a14="http://schemas.microsoft.com/office/drawing/2010/main" xmlns="" w="9525">
+                <a14:hiddenLine xmlns="" xmlns:a14="http://schemas.microsoft.com/office/drawing/2010/main" w="9525">
                   <a:solidFill>
                     <a:srgbClr val="000000"/>
                   </a:solidFill>
@@ -16002,7 +16163,7 @@
             </a:ln>
             <a:extLst>
               <a:ext uri="{91240B29-F687-4f45-9708-019B960494DF}">
-                <a14:hiddenLine xmlns:a14="http://schemas.microsoft.com/office/drawing/2010/main" xmlns="" w="9525">
+                <a14:hiddenLine xmlns="" xmlns:a14="http://schemas.microsoft.com/office/drawing/2010/main" w="9525">
                   <a:solidFill>
                     <a:srgbClr val="000000"/>
                   </a:solidFill>
@@ -16092,7 +16253,7 @@
             </a:ln>
             <a:extLst>
               <a:ext uri="{91240B29-F687-4f45-9708-019B960494DF}">
-                <a14:hiddenLine xmlns:a14="http://schemas.microsoft.com/office/drawing/2010/main" xmlns="" w="9525">
+                <a14:hiddenLine xmlns="" xmlns:a14="http://schemas.microsoft.com/office/drawing/2010/main" w="9525">
                   <a:solidFill>
                     <a:srgbClr val="000000"/>
                   </a:solidFill>
@@ -16160,7 +16321,7 @@
             </a:ln>
             <a:extLst>
               <a:ext uri="{91240B29-F687-4f45-9708-019B960494DF}">
-                <a14:hiddenLine xmlns:a14="http://schemas.microsoft.com/office/drawing/2010/main" xmlns="" w="9525">
+                <a14:hiddenLine xmlns="" xmlns:a14="http://schemas.microsoft.com/office/drawing/2010/main" w="9525">
                   <a:solidFill>
                     <a:srgbClr val="000000"/>
                   </a:solidFill>
@@ -16222,7 +16383,7 @@
             </a:ln>
             <a:extLst>
               <a:ext uri="{91240B29-F687-4f45-9708-019B960494DF}">
-                <a14:hiddenLine xmlns:a14="http://schemas.microsoft.com/office/drawing/2010/main" xmlns="" w="9525">
+                <a14:hiddenLine xmlns="" xmlns:a14="http://schemas.microsoft.com/office/drawing/2010/main" w="9525">
                   <a:solidFill>
                     <a:srgbClr val="000000"/>
                   </a:solidFill>
@@ -16312,7 +16473,7 @@
             </a:ln>
             <a:extLst>
               <a:ext uri="{91240B29-F687-4f45-9708-019B960494DF}">
-                <a14:hiddenLine xmlns:a14="http://schemas.microsoft.com/office/drawing/2010/main" xmlns="" w="9525">
+                <a14:hiddenLine xmlns="" xmlns:a14="http://schemas.microsoft.com/office/drawing/2010/main" w="9525">
                   <a:solidFill>
                     <a:srgbClr val="000000"/>
                   </a:solidFill>
@@ -16374,7 +16535,7 @@
             </a:ln>
             <a:extLst>
               <a:ext uri="{91240B29-F687-4f45-9708-019B960494DF}">
-                <a14:hiddenLine xmlns:a14="http://schemas.microsoft.com/office/drawing/2010/main" xmlns="" w="9525">
+                <a14:hiddenLine xmlns="" xmlns:a14="http://schemas.microsoft.com/office/drawing/2010/main" w="9525">
                   <a:solidFill>
                     <a:srgbClr val="000000"/>
                   </a:solidFill>
@@ -16464,7 +16625,7 @@
             </a:ln>
             <a:extLst>
               <a:ext uri="{91240B29-F687-4f45-9708-019B960494DF}">
-                <a14:hiddenLine xmlns:a14="http://schemas.microsoft.com/office/drawing/2010/main" xmlns="" w="9525">
+                <a14:hiddenLine xmlns="" xmlns:a14="http://schemas.microsoft.com/office/drawing/2010/main" w="9525">
                   <a:solidFill>
                     <a:srgbClr val="000000"/>
                   </a:solidFill>
@@ -16526,7 +16687,7 @@
             </a:ln>
             <a:extLst>
               <a:ext uri="{91240B29-F687-4f45-9708-019B960494DF}">
-                <a14:hiddenLine xmlns:a14="http://schemas.microsoft.com/office/drawing/2010/main" xmlns="" w="9525">
+                <a14:hiddenLine xmlns="" xmlns:a14="http://schemas.microsoft.com/office/drawing/2010/main" w="9525">
                   <a:solidFill>
                     <a:srgbClr val="000000"/>
                   </a:solidFill>
@@ -16616,7 +16777,7 @@
             </a:ln>
             <a:extLst>
               <a:ext uri="{91240B29-F687-4f45-9708-019B960494DF}">
-                <a14:hiddenLine xmlns:a14="http://schemas.microsoft.com/office/drawing/2010/main" xmlns="" w="9525">
+                <a14:hiddenLine xmlns="" xmlns:a14="http://schemas.microsoft.com/office/drawing/2010/main" w="9525">
                   <a:solidFill>
                     <a:srgbClr val="000000"/>
                   </a:solidFill>
@@ -16650,7 +16811,7 @@
             </a:ln>
             <a:extLst>
               <a:ext uri="{91240B29-F687-4f45-9708-019B960494DF}">
-                <a14:hiddenLine xmlns:a14="http://schemas.microsoft.com/office/drawing/2010/main" xmlns="" w="9525">
+                <a14:hiddenLine xmlns="" xmlns:a14="http://schemas.microsoft.com/office/drawing/2010/main" w="9525">
                   <a:solidFill>
                     <a:srgbClr val="000000"/>
                   </a:solidFill>
@@ -16715,7 +16876,7 @@
             </a:ln>
             <a:extLst>
               <a:ext uri="{91240B29-F687-4f45-9708-019B960494DF}">
-                <a14:hiddenLine xmlns:a14="http://schemas.microsoft.com/office/drawing/2010/main" xmlns="" w="9525">
+                <a14:hiddenLine xmlns="" xmlns:a14="http://schemas.microsoft.com/office/drawing/2010/main" w="9525">
                   <a:solidFill>
                     <a:srgbClr val="000000"/>
                   </a:solidFill>
@@ -16805,7 +16966,7 @@
             </a:ln>
             <a:extLst>
               <a:ext uri="{91240B29-F687-4f45-9708-019B960494DF}">
-                <a14:hiddenLine xmlns:a14="http://schemas.microsoft.com/office/drawing/2010/main" xmlns="" w="9525">
+                <a14:hiddenLine xmlns="" xmlns:a14="http://schemas.microsoft.com/office/drawing/2010/main" w="9525">
                   <a:solidFill>
                     <a:srgbClr val="000000"/>
                   </a:solidFill>
@@ -16867,7 +17028,7 @@
             </a:ln>
             <a:extLst>
               <a:ext uri="{91240B29-F687-4f45-9708-019B960494DF}">
-                <a14:hiddenLine xmlns:a14="http://schemas.microsoft.com/office/drawing/2010/main" xmlns="" w="9525">
+                <a14:hiddenLine xmlns="" xmlns:a14="http://schemas.microsoft.com/office/drawing/2010/main" w="9525">
                   <a:solidFill>
                     <a:srgbClr val="000000"/>
                   </a:solidFill>
@@ -16957,7 +17118,7 @@
             </a:ln>
             <a:extLst>
               <a:ext uri="{91240B29-F687-4f45-9708-019B960494DF}">
-                <a14:hiddenLine xmlns:a14="http://schemas.microsoft.com/office/drawing/2010/main" xmlns="" w="9525">
+                <a14:hiddenLine xmlns="" xmlns:a14="http://schemas.microsoft.com/office/drawing/2010/main" w="9525">
                   <a:solidFill>
                     <a:srgbClr val="000000"/>
                   </a:solidFill>
@@ -17047,7 +17208,7 @@
             </a:ln>
             <a:extLst>
               <a:ext uri="{91240B29-F687-4f45-9708-019B960494DF}">
-                <a14:hiddenLine xmlns:a14="http://schemas.microsoft.com/office/drawing/2010/main" xmlns="" w="9525">
+                <a14:hiddenLine xmlns="" xmlns:a14="http://schemas.microsoft.com/office/drawing/2010/main" w="9525">
                   <a:solidFill>
                     <a:srgbClr val="000000"/>
                   </a:solidFill>
@@ -17112,7 +17273,7 @@
             </a:ln>
             <a:extLst>
               <a:ext uri="{91240B29-F687-4f45-9708-019B960494DF}">
-                <a14:hiddenLine xmlns:a14="http://schemas.microsoft.com/office/drawing/2010/main" xmlns="" w="9525">
+                <a14:hiddenLine xmlns="" xmlns:a14="http://schemas.microsoft.com/office/drawing/2010/main" w="9525">
                   <a:solidFill>
                     <a:srgbClr val="000000"/>
                   </a:solidFill>
@@ -17174,7 +17335,7 @@
             </a:ln>
             <a:extLst>
               <a:ext uri="{91240B29-F687-4f45-9708-019B960494DF}">
-                <a14:hiddenLine xmlns:a14="http://schemas.microsoft.com/office/drawing/2010/main" xmlns="" w="9525">
+                <a14:hiddenLine xmlns="" xmlns:a14="http://schemas.microsoft.com/office/drawing/2010/main" w="9525">
                   <a:solidFill>
                     <a:srgbClr val="000000"/>
                   </a:solidFill>
@@ -17264,7 +17425,7 @@
             </a:ln>
             <a:extLst>
               <a:ext uri="{91240B29-F687-4f45-9708-019B960494DF}">
-                <a14:hiddenLine xmlns:a14="http://schemas.microsoft.com/office/drawing/2010/main" xmlns="" w="9525">
+                <a14:hiddenLine xmlns="" xmlns:a14="http://schemas.microsoft.com/office/drawing/2010/main" w="9525">
                   <a:solidFill>
                     <a:srgbClr val="000000"/>
                   </a:solidFill>
@@ -17354,7 +17515,7 @@
             </a:ln>
             <a:extLst>
               <a:ext uri="{91240B29-F687-4f45-9708-019B960494DF}">
-                <a14:hiddenLine xmlns:a14="http://schemas.microsoft.com/office/drawing/2010/main" xmlns="" w="9525">
+                <a14:hiddenLine xmlns="" xmlns:a14="http://schemas.microsoft.com/office/drawing/2010/main" w="9525">
                   <a:solidFill>
                     <a:srgbClr val="000000"/>
                   </a:solidFill>
@@ -17416,7 +17577,7 @@
             </a:ln>
             <a:extLst>
               <a:ext uri="{91240B29-F687-4f45-9708-019B960494DF}">
-                <a14:hiddenLine xmlns:a14="http://schemas.microsoft.com/office/drawing/2010/main" xmlns="" w="9525">
+                <a14:hiddenLine xmlns="" xmlns:a14="http://schemas.microsoft.com/office/drawing/2010/main" w="9525">
                   <a:solidFill>
                     <a:srgbClr val="000000"/>
                   </a:solidFill>
@@ -17536,7 +17697,7 @@
             </a:ln>
             <a:extLst>
               <a:ext uri="{91240B29-F687-4f45-9708-019B960494DF}">
-                <a14:hiddenLine xmlns:a14="http://schemas.microsoft.com/office/drawing/2010/main" xmlns="" w="9525">
+                <a14:hiddenLine xmlns="" xmlns:a14="http://schemas.microsoft.com/office/drawing/2010/main" w="9525">
                   <a:solidFill>
                     <a:srgbClr val="000000"/>
                   </a:solidFill>
@@ -17604,7 +17765,7 @@
             </a:ln>
             <a:extLst>
               <a:ext uri="{91240B29-F687-4f45-9708-019B960494DF}">
-                <a14:hiddenLine xmlns:a14="http://schemas.microsoft.com/office/drawing/2010/main" xmlns="" w="9525">
+                <a14:hiddenLine xmlns="" xmlns:a14="http://schemas.microsoft.com/office/drawing/2010/main" w="9525">
                   <a:solidFill>
                     <a:srgbClr val="000000"/>
                   </a:solidFill>
@@ -17694,7 +17855,7 @@
             </a:ln>
             <a:extLst>
               <a:ext uri="{91240B29-F687-4f45-9708-019B960494DF}">
-                <a14:hiddenLine xmlns:a14="http://schemas.microsoft.com/office/drawing/2010/main" xmlns="" w="9525">
+                <a14:hiddenLine xmlns="" xmlns:a14="http://schemas.microsoft.com/office/drawing/2010/main" w="9525">
                   <a:solidFill>
                     <a:srgbClr val="000000"/>
                   </a:solidFill>
@@ -17834,7 +17995,7 @@
           <a:p>
             <a:fld id="{32FEF660-4120-4BB0-8AD6-276FBF50D55A}" type="datetimeFigureOut">
               <a:rPr lang="es-ES" smtClean="0"/>
-              <a:t>22/01/2025</a:t>
+              <a:t>23/01/2025</a:t>
             </a:fld>
             <a:endParaRPr lang="es-ES"/>
           </a:p>
@@ -18101,7 +18262,7 @@
           <a:p>
             <a:fld id="{32FEF660-4120-4BB0-8AD6-276FBF50D55A}" type="datetimeFigureOut">
               <a:rPr lang="es-ES" smtClean="0"/>
-              <a:t>22/01/2025</a:t>
+              <a:t>23/01/2025</a:t>
             </a:fld>
             <a:endParaRPr lang="es-ES"/>
           </a:p>
@@ -18297,7 +18458,7 @@
           <a:p>
             <a:fld id="{32FEF660-4120-4BB0-8AD6-276FBF50D55A}" type="datetimeFigureOut">
               <a:rPr lang="es-ES" smtClean="0"/>
-              <a:t>22/01/2025</a:t>
+              <a:t>23/01/2025</a:t>
             </a:fld>
             <a:endParaRPr lang="es-ES"/>
           </a:p>
@@ -18560,7 +18721,7 @@
           <a:p>
             <a:fld id="{32FEF660-4120-4BB0-8AD6-276FBF50D55A}" type="datetimeFigureOut">
               <a:rPr lang="es-ES" smtClean="0"/>
-              <a:t>22/01/2025</a:t>
+              <a:t>23/01/2025</a:t>
             </a:fld>
             <a:endParaRPr lang="es-ES"/>
           </a:p>
@@ -18994,7 +19155,7 @@
           <a:p>
             <a:fld id="{32FEF660-4120-4BB0-8AD6-276FBF50D55A}" type="datetimeFigureOut">
               <a:rPr lang="es-ES" smtClean="0"/>
-              <a:t>22/01/2025</a:t>
+              <a:t>23/01/2025</a:t>
             </a:fld>
             <a:endParaRPr lang="es-ES"/>
           </a:p>
@@ -19540,7 +19701,7 @@
           <a:p>
             <a:fld id="{32FEF660-4120-4BB0-8AD6-276FBF50D55A}" type="datetimeFigureOut">
               <a:rPr lang="es-ES" smtClean="0"/>
-              <a:t>22/01/2025</a:t>
+              <a:t>23/01/2025</a:t>
             </a:fld>
             <a:endParaRPr lang="es-ES"/>
           </a:p>
@@ -20260,7 +20421,7 @@
           <a:p>
             <a:fld id="{32FEF660-4120-4BB0-8AD6-276FBF50D55A}" type="datetimeFigureOut">
               <a:rPr lang="es-ES" smtClean="0"/>
-              <a:t>22/01/2025</a:t>
+              <a:t>23/01/2025</a:t>
             </a:fld>
             <a:endParaRPr lang="es-ES"/>
           </a:p>
@@ -20430,7 +20591,7 @@
           <a:p>
             <a:fld id="{32FEF660-4120-4BB0-8AD6-276FBF50D55A}" type="datetimeFigureOut">
               <a:rPr lang="es-ES" smtClean="0"/>
-              <a:t>22/01/2025</a:t>
+              <a:t>23/01/2025</a:t>
             </a:fld>
             <a:endParaRPr lang="es-ES"/>
           </a:p>
@@ -20610,7 +20771,7 @@
           <a:p>
             <a:fld id="{32FEF660-4120-4BB0-8AD6-276FBF50D55A}" type="datetimeFigureOut">
               <a:rPr lang="es-ES" smtClean="0"/>
-              <a:t>22/01/2025</a:t>
+              <a:t>23/01/2025</a:t>
             </a:fld>
             <a:endParaRPr lang="es-ES"/>
           </a:p>
@@ -20780,7 +20941,7 @@
           <a:p>
             <a:fld id="{32FEF660-4120-4BB0-8AD6-276FBF50D55A}" type="datetimeFigureOut">
               <a:rPr lang="es-ES" smtClean="0"/>
-              <a:t>22/01/2025</a:t>
+              <a:t>23/01/2025</a:t>
             </a:fld>
             <a:endParaRPr lang="es-ES"/>
           </a:p>
@@ -21030,7 +21191,7 @@
           <a:p>
             <a:fld id="{32FEF660-4120-4BB0-8AD6-276FBF50D55A}" type="datetimeFigureOut">
               <a:rPr lang="es-ES" smtClean="0"/>
-              <a:t>22/01/2025</a:t>
+              <a:t>23/01/2025</a:t>
             </a:fld>
             <a:endParaRPr lang="es-ES"/>
           </a:p>
@@ -21262,7 +21423,7 @@
           <a:p>
             <a:fld id="{32FEF660-4120-4BB0-8AD6-276FBF50D55A}" type="datetimeFigureOut">
               <a:rPr lang="es-ES" smtClean="0"/>
-              <a:t>22/01/2025</a:t>
+              <a:t>23/01/2025</a:t>
             </a:fld>
             <a:endParaRPr lang="es-ES"/>
           </a:p>
@@ -21643,7 +21804,7 @@
           <a:p>
             <a:fld id="{32FEF660-4120-4BB0-8AD6-276FBF50D55A}" type="datetimeFigureOut">
               <a:rPr lang="es-ES" smtClean="0"/>
-              <a:t>22/01/2025</a:t>
+              <a:t>23/01/2025</a:t>
             </a:fld>
             <a:endParaRPr lang="es-ES"/>
           </a:p>
@@ -21761,7 +21922,7 @@
           <a:p>
             <a:fld id="{32FEF660-4120-4BB0-8AD6-276FBF50D55A}" type="datetimeFigureOut">
               <a:rPr lang="es-ES" smtClean="0"/>
-              <a:t>22/01/2025</a:t>
+              <a:t>23/01/2025</a:t>
             </a:fld>
             <a:endParaRPr lang="es-ES"/>
           </a:p>
@@ -21856,7 +22017,7 @@
           <a:p>
             <a:fld id="{32FEF660-4120-4BB0-8AD6-276FBF50D55A}" type="datetimeFigureOut">
               <a:rPr lang="es-ES" smtClean="0"/>
-              <a:t>22/01/2025</a:t>
+              <a:t>23/01/2025</a:t>
             </a:fld>
             <a:endParaRPr lang="es-ES"/>
           </a:p>
@@ -22105,7 +22266,7 @@
           <a:p>
             <a:fld id="{32FEF660-4120-4BB0-8AD6-276FBF50D55A}" type="datetimeFigureOut">
               <a:rPr lang="es-ES" smtClean="0"/>
-              <a:t>22/01/2025</a:t>
+              <a:t>23/01/2025</a:t>
             </a:fld>
             <a:endParaRPr lang="es-ES"/>
           </a:p>
@@ -22385,7 +22546,7 @@
           <a:p>
             <a:fld id="{32FEF660-4120-4BB0-8AD6-276FBF50D55A}" type="datetimeFigureOut">
               <a:rPr lang="es-ES" smtClean="0"/>
-              <a:t>22/01/2025</a:t>
+              <a:t>23/01/2025</a:t>
             </a:fld>
             <a:endParaRPr lang="es-ES"/>
           </a:p>
@@ -22501,7 +22662,7 @@
           <a:noFill/>
           <a:extLst>
             <a:ext uri="{909E8E84-426E-40dd-AFC4-6F175D3DCCD1}">
-              <a14:hiddenFill xmlns:a14="http://schemas.microsoft.com/office/drawing/2010/main" xmlns="">
+              <a14:hiddenFill xmlns="" xmlns:a14="http://schemas.microsoft.com/office/drawing/2010/main">
                 <a:solidFill>
                   <a:srgbClr val="FFFFFF"/>
                 </a:solidFill>
@@ -22575,7 +22736,7 @@
               </a:ln>
               <a:extLst>
                 <a:ext uri="{91240B29-F687-4f45-9708-019B960494DF}">
-                  <a14:hiddenLine xmlns:a14="http://schemas.microsoft.com/office/drawing/2010/main" xmlns="" w="9525">
+                  <a14:hiddenLine xmlns="" xmlns:a14="http://schemas.microsoft.com/office/drawing/2010/main" w="9525">
                     <a:solidFill>
                       <a:srgbClr val="000000"/>
                     </a:solidFill>
@@ -22665,7 +22826,7 @@
               </a:ln>
               <a:extLst>
                 <a:ext uri="{91240B29-F687-4f45-9708-019B960494DF}">
-                  <a14:hiddenLine xmlns:a14="http://schemas.microsoft.com/office/drawing/2010/main" xmlns="" w="9525">
+                  <a14:hiddenLine xmlns="" xmlns:a14="http://schemas.microsoft.com/office/drawing/2010/main" w="9525">
                     <a:solidFill>
                       <a:srgbClr val="000000"/>
                     </a:solidFill>
@@ -22755,7 +22916,7 @@
               </a:ln>
               <a:extLst>
                 <a:ext uri="{91240B29-F687-4f45-9708-019B960494DF}">
-                  <a14:hiddenLine xmlns:a14="http://schemas.microsoft.com/office/drawing/2010/main" xmlns="" w="9525">
+                  <a14:hiddenLine xmlns="" xmlns:a14="http://schemas.microsoft.com/office/drawing/2010/main" w="9525">
                     <a:solidFill>
                       <a:srgbClr val="000000"/>
                     </a:solidFill>
@@ -22817,7 +22978,7 @@
               </a:ln>
               <a:extLst>
                 <a:ext uri="{91240B29-F687-4f45-9708-019B960494DF}">
-                  <a14:hiddenLine xmlns:a14="http://schemas.microsoft.com/office/drawing/2010/main" xmlns="" w="9525">
+                  <a14:hiddenLine xmlns="" xmlns:a14="http://schemas.microsoft.com/office/drawing/2010/main" w="9525">
                     <a:solidFill>
                       <a:srgbClr val="000000"/>
                     </a:solidFill>
@@ -22907,7 +23068,7 @@
               </a:ln>
               <a:extLst>
                 <a:ext uri="{91240B29-F687-4f45-9708-019B960494DF}">
-                  <a14:hiddenLine xmlns:a14="http://schemas.microsoft.com/office/drawing/2010/main" xmlns="" w="9525">
+                  <a14:hiddenLine xmlns="" xmlns:a14="http://schemas.microsoft.com/office/drawing/2010/main" w="9525">
                     <a:solidFill>
                       <a:srgbClr val="000000"/>
                     </a:solidFill>
@@ -22969,7 +23130,7 @@
               </a:ln>
               <a:extLst>
                 <a:ext uri="{91240B29-F687-4f45-9708-019B960494DF}">
-                  <a14:hiddenLine xmlns:a14="http://schemas.microsoft.com/office/drawing/2010/main" xmlns="" w="9525">
+                  <a14:hiddenLine xmlns="" xmlns:a14="http://schemas.microsoft.com/office/drawing/2010/main" w="9525">
                     <a:solidFill>
                       <a:srgbClr val="000000"/>
                     </a:solidFill>
@@ -23031,7 +23192,7 @@
               </a:ln>
               <a:extLst>
                 <a:ext uri="{91240B29-F687-4f45-9708-019B960494DF}">
-                  <a14:hiddenLine xmlns:a14="http://schemas.microsoft.com/office/drawing/2010/main" xmlns="" w="9525">
+                  <a14:hiddenLine xmlns="" xmlns:a14="http://schemas.microsoft.com/office/drawing/2010/main" w="9525">
                     <a:solidFill>
                       <a:srgbClr val="000000"/>
                     </a:solidFill>
@@ -23121,7 +23282,7 @@
               </a:ln>
               <a:extLst>
                 <a:ext uri="{91240B29-F687-4f45-9708-019B960494DF}">
-                  <a14:hiddenLine xmlns:a14="http://schemas.microsoft.com/office/drawing/2010/main" xmlns="" w="9525">
+                  <a14:hiddenLine xmlns="" xmlns:a14="http://schemas.microsoft.com/office/drawing/2010/main" w="9525">
                     <a:solidFill>
                       <a:srgbClr val="000000"/>
                     </a:solidFill>
@@ -23211,7 +23372,7 @@
               </a:ln>
               <a:extLst>
                 <a:ext uri="{91240B29-F687-4f45-9708-019B960494DF}">
-                  <a14:hiddenLine xmlns:a14="http://schemas.microsoft.com/office/drawing/2010/main" xmlns="" w="9525">
+                  <a14:hiddenLine xmlns="" xmlns:a14="http://schemas.microsoft.com/office/drawing/2010/main" w="9525">
                     <a:solidFill>
                       <a:srgbClr val="000000"/>
                     </a:solidFill>
@@ -23273,7 +23434,7 @@
               </a:ln>
               <a:extLst>
                 <a:ext uri="{91240B29-F687-4f45-9708-019B960494DF}">
-                  <a14:hiddenLine xmlns:a14="http://schemas.microsoft.com/office/drawing/2010/main" xmlns="" w="9525">
+                  <a14:hiddenLine xmlns="" xmlns:a14="http://schemas.microsoft.com/office/drawing/2010/main" w="9525">
                     <a:solidFill>
                       <a:srgbClr val="000000"/>
                     </a:solidFill>
@@ -23383,7 +23544,7 @@
               </a:ln>
               <a:extLst>
                 <a:ext uri="{91240B29-F687-4f45-9708-019B960494DF}">
-                  <a14:hiddenLine xmlns:a14="http://schemas.microsoft.com/office/drawing/2010/main" xmlns="" w="9525">
+                  <a14:hiddenLine xmlns="" xmlns:a14="http://schemas.microsoft.com/office/drawing/2010/main" w="9525">
                     <a:solidFill>
                       <a:srgbClr val="000000"/>
                     </a:solidFill>
@@ -23467,7 +23628,7 @@
               </a:ln>
               <a:extLst>
                 <a:ext uri="{91240B29-F687-4f45-9708-019B960494DF}">
-                  <a14:hiddenLine xmlns:a14="http://schemas.microsoft.com/office/drawing/2010/main" xmlns="" w="9525">
+                  <a14:hiddenLine xmlns="" xmlns:a14="http://schemas.microsoft.com/office/drawing/2010/main" w="9525">
                     <a:solidFill>
                       <a:srgbClr val="000000"/>
                     </a:solidFill>
@@ -23529,7 +23690,7 @@
               </a:ln>
               <a:extLst>
                 <a:ext uri="{91240B29-F687-4f45-9708-019B960494DF}">
-                  <a14:hiddenLine xmlns:a14="http://schemas.microsoft.com/office/drawing/2010/main" xmlns="" w="9525">
+                  <a14:hiddenLine xmlns="" xmlns:a14="http://schemas.microsoft.com/office/drawing/2010/main" w="9525">
                     <a:solidFill>
                       <a:srgbClr val="000000"/>
                     </a:solidFill>
@@ -23591,7 +23752,7 @@
               </a:ln>
               <a:extLst>
                 <a:ext uri="{91240B29-F687-4f45-9708-019B960494DF}">
-                  <a14:hiddenLine xmlns:a14="http://schemas.microsoft.com/office/drawing/2010/main" xmlns="" w="9525">
+                  <a14:hiddenLine xmlns="" xmlns:a14="http://schemas.microsoft.com/office/drawing/2010/main" w="9525">
                     <a:solidFill>
                       <a:srgbClr val="000000"/>
                     </a:solidFill>
@@ -23681,7 +23842,7 @@
               </a:ln>
               <a:extLst>
                 <a:ext uri="{91240B29-F687-4f45-9708-019B960494DF}">
-                  <a14:hiddenLine xmlns:a14="http://schemas.microsoft.com/office/drawing/2010/main" xmlns="" w="9525">
+                  <a14:hiddenLine xmlns="" xmlns:a14="http://schemas.microsoft.com/office/drawing/2010/main" w="9525">
                     <a:solidFill>
                       <a:srgbClr val="000000"/>
                     </a:solidFill>
@@ -23715,7 +23876,7 @@
               </a:ln>
               <a:extLst>
                 <a:ext uri="{91240B29-F687-4f45-9708-019B960494DF}">
-                  <a14:hiddenLine xmlns:a14="http://schemas.microsoft.com/office/drawing/2010/main" xmlns="" w="9525">
+                  <a14:hiddenLine xmlns="" xmlns:a14="http://schemas.microsoft.com/office/drawing/2010/main" w="9525">
                     <a:solidFill>
                       <a:srgbClr val="000000"/>
                     </a:solidFill>
@@ -23780,7 +23941,7 @@
               </a:ln>
               <a:extLst>
                 <a:ext uri="{91240B29-F687-4f45-9708-019B960494DF}">
-                  <a14:hiddenLine xmlns:a14="http://schemas.microsoft.com/office/drawing/2010/main" xmlns="" w="9525">
+                  <a14:hiddenLine xmlns="" xmlns:a14="http://schemas.microsoft.com/office/drawing/2010/main" w="9525">
                     <a:solidFill>
                       <a:srgbClr val="000000"/>
                     </a:solidFill>
@@ -23870,7 +24031,7 @@
               </a:ln>
               <a:extLst>
                 <a:ext uri="{91240B29-F687-4f45-9708-019B960494DF}">
-                  <a14:hiddenLine xmlns:a14="http://schemas.microsoft.com/office/drawing/2010/main" xmlns="" w="9525">
+                  <a14:hiddenLine xmlns="" xmlns:a14="http://schemas.microsoft.com/office/drawing/2010/main" w="9525">
                     <a:solidFill>
                       <a:srgbClr val="000000"/>
                     </a:solidFill>
@@ -23932,7 +24093,7 @@
               </a:ln>
               <a:extLst>
                 <a:ext uri="{91240B29-F687-4f45-9708-019B960494DF}">
-                  <a14:hiddenLine xmlns:a14="http://schemas.microsoft.com/office/drawing/2010/main" xmlns="" w="9525">
+                  <a14:hiddenLine xmlns="" xmlns:a14="http://schemas.microsoft.com/office/drawing/2010/main" w="9525">
                     <a:solidFill>
                       <a:srgbClr val="000000"/>
                     </a:solidFill>
@@ -24022,7 +24183,7 @@
               </a:ln>
               <a:extLst>
                 <a:ext uri="{91240B29-F687-4f45-9708-019B960494DF}">
-                  <a14:hiddenLine xmlns:a14="http://schemas.microsoft.com/office/drawing/2010/main" xmlns="" w="9525">
+                  <a14:hiddenLine xmlns="" xmlns:a14="http://schemas.microsoft.com/office/drawing/2010/main" w="9525">
                     <a:solidFill>
                       <a:srgbClr val="000000"/>
                     </a:solidFill>
@@ -24087,7 +24248,7 @@
               </a:ln>
               <a:extLst>
                 <a:ext uri="{91240B29-F687-4f45-9708-019B960494DF}">
-                  <a14:hiddenLine xmlns:a14="http://schemas.microsoft.com/office/drawing/2010/main" xmlns="" w="9525">
+                  <a14:hiddenLine xmlns="" xmlns:a14="http://schemas.microsoft.com/office/drawing/2010/main" w="9525">
                     <a:solidFill>
                       <a:srgbClr val="000000"/>
                     </a:solidFill>
@@ -24149,7 +24310,7 @@
               </a:ln>
               <a:extLst>
                 <a:ext uri="{91240B29-F687-4f45-9708-019B960494DF}">
-                  <a14:hiddenLine xmlns:a14="http://schemas.microsoft.com/office/drawing/2010/main" xmlns="" w="9525">
+                  <a14:hiddenLine xmlns="" xmlns:a14="http://schemas.microsoft.com/office/drawing/2010/main" w="9525">
                     <a:solidFill>
                       <a:srgbClr val="000000"/>
                     </a:solidFill>
@@ -24239,7 +24400,7 @@
               </a:ln>
               <a:extLst>
                 <a:ext uri="{91240B29-F687-4f45-9708-019B960494DF}">
-                  <a14:hiddenLine xmlns:a14="http://schemas.microsoft.com/office/drawing/2010/main" xmlns="" w="9525">
+                  <a14:hiddenLine xmlns="" xmlns:a14="http://schemas.microsoft.com/office/drawing/2010/main" w="9525">
                     <a:solidFill>
                       <a:srgbClr val="000000"/>
                     </a:solidFill>
@@ -24329,7 +24490,7 @@
               </a:ln>
               <a:extLst>
                 <a:ext uri="{91240B29-F687-4f45-9708-019B960494DF}">
-                  <a14:hiddenLine xmlns:a14="http://schemas.microsoft.com/office/drawing/2010/main" xmlns="" w="9525">
+                  <a14:hiddenLine xmlns="" xmlns:a14="http://schemas.microsoft.com/office/drawing/2010/main" w="9525">
                     <a:solidFill>
                       <a:srgbClr val="000000"/>
                     </a:solidFill>
@@ -24394,7 +24555,7 @@
               </a:ln>
               <a:extLst>
                 <a:ext uri="{91240B29-F687-4f45-9708-019B960494DF}">
-                  <a14:hiddenLine xmlns:a14="http://schemas.microsoft.com/office/drawing/2010/main" xmlns="" w="9525">
+                  <a14:hiddenLine xmlns="" xmlns:a14="http://schemas.microsoft.com/office/drawing/2010/main" w="9525">
                     <a:solidFill>
                       <a:srgbClr val="000000"/>
                     </a:solidFill>
@@ -24514,7 +24675,7 @@
               </a:ln>
               <a:extLst>
                 <a:ext uri="{91240B29-F687-4f45-9708-019B960494DF}">
-                  <a14:hiddenLine xmlns:a14="http://schemas.microsoft.com/office/drawing/2010/main" xmlns="" w="9525">
+                  <a14:hiddenLine xmlns="" xmlns:a14="http://schemas.microsoft.com/office/drawing/2010/main" w="9525">
                     <a:solidFill>
                       <a:srgbClr val="000000"/>
                     </a:solidFill>
@@ -24612,7 +24773,7 @@
               </a:ln>
               <a:extLst>
                 <a:ext uri="{91240B29-F687-4f45-9708-019B960494DF}">
-                  <a14:hiddenLine xmlns:a14="http://schemas.microsoft.com/office/drawing/2010/main" xmlns="" w="9525">
+                  <a14:hiddenLine xmlns="" xmlns:a14="http://schemas.microsoft.com/office/drawing/2010/main" w="9525">
                     <a:solidFill>
                       <a:srgbClr val="000000"/>
                     </a:solidFill>
@@ -24727,7 +24888,7 @@
               </a:ln>
               <a:extLst>
                 <a:ext uri="{91240B29-F687-4f45-9708-019B960494DF}">
-                  <a14:hiddenLine xmlns:a14="http://schemas.microsoft.com/office/drawing/2010/main" xmlns="" w="9525">
+                  <a14:hiddenLine xmlns="" xmlns:a14="http://schemas.microsoft.com/office/drawing/2010/main" w="9525">
                     <a:solidFill>
                       <a:srgbClr val="000000"/>
                     </a:solidFill>
@@ -24817,7 +24978,7 @@
               </a:ln>
               <a:extLst>
                 <a:ext uri="{91240B29-F687-4f45-9708-019B960494DF}">
-                  <a14:hiddenLine xmlns:a14="http://schemas.microsoft.com/office/drawing/2010/main" xmlns="" w="9525">
+                  <a14:hiddenLine xmlns="" xmlns:a14="http://schemas.microsoft.com/office/drawing/2010/main" w="9525">
                     <a:solidFill>
                       <a:srgbClr val="000000"/>
                     </a:solidFill>
@@ -24882,7 +25043,7 @@
               </a:ln>
               <a:extLst>
                 <a:ext uri="{91240B29-F687-4f45-9708-019B960494DF}">
-                  <a14:hiddenLine xmlns:a14="http://schemas.microsoft.com/office/drawing/2010/main" xmlns="" w="9525">
+                  <a14:hiddenLine xmlns="" xmlns:a14="http://schemas.microsoft.com/office/drawing/2010/main" w="9525">
                     <a:solidFill>
                       <a:srgbClr val="000000"/>
                     </a:solidFill>
@@ -24972,7 +25133,7 @@
               </a:ln>
               <a:extLst>
                 <a:ext uri="{91240B29-F687-4f45-9708-019B960494DF}">
-                  <a14:hiddenLine xmlns:a14="http://schemas.microsoft.com/office/drawing/2010/main" xmlns="" w="9525">
+                  <a14:hiddenLine xmlns="" xmlns:a14="http://schemas.microsoft.com/office/drawing/2010/main" w="9525">
                     <a:solidFill>
                       <a:srgbClr val="000000"/>
                     </a:solidFill>
@@ -25040,7 +25201,7 @@
               </a:ln>
               <a:extLst>
                 <a:ext uri="{91240B29-F687-4f45-9708-019B960494DF}">
-                  <a14:hiddenLine xmlns:a14="http://schemas.microsoft.com/office/drawing/2010/main" xmlns="" w="9525">
+                  <a14:hiddenLine xmlns="" xmlns:a14="http://schemas.microsoft.com/office/drawing/2010/main" w="9525">
                     <a:solidFill>
                       <a:srgbClr val="000000"/>
                     </a:solidFill>
@@ -25130,7 +25291,7 @@
               </a:ln>
               <a:extLst>
                 <a:ext uri="{91240B29-F687-4f45-9708-019B960494DF}">
-                  <a14:hiddenLine xmlns:a14="http://schemas.microsoft.com/office/drawing/2010/main" xmlns="" w="9525">
+                  <a14:hiddenLine xmlns="" xmlns:a14="http://schemas.microsoft.com/office/drawing/2010/main" w="9525">
                     <a:solidFill>
                       <a:srgbClr val="000000"/>
                     </a:solidFill>
@@ -25198,7 +25359,7 @@
               </a:ln>
               <a:extLst>
                 <a:ext uri="{91240B29-F687-4f45-9708-019B960494DF}">
-                  <a14:hiddenLine xmlns:a14="http://schemas.microsoft.com/office/drawing/2010/main" xmlns="" w="9525">
+                  <a14:hiddenLine xmlns="" xmlns:a14="http://schemas.microsoft.com/office/drawing/2010/main" w="9525">
                     <a:solidFill>
                       <a:srgbClr val="000000"/>
                     </a:solidFill>
@@ -25288,7 +25449,7 @@
               </a:ln>
               <a:extLst>
                 <a:ext uri="{91240B29-F687-4f45-9708-019B960494DF}">
-                  <a14:hiddenLine xmlns:a14="http://schemas.microsoft.com/office/drawing/2010/main" xmlns="" w="9525">
+                  <a14:hiddenLine xmlns="" xmlns:a14="http://schemas.microsoft.com/office/drawing/2010/main" w="9525">
                     <a:solidFill>
                       <a:srgbClr val="000000"/>
                     </a:solidFill>
@@ -25322,7 +25483,7 @@
               </a:ln>
               <a:extLst>
                 <a:ext uri="{91240B29-F687-4f45-9708-019B960494DF}">
-                  <a14:hiddenLine xmlns:a14="http://schemas.microsoft.com/office/drawing/2010/main" xmlns="" w="9525">
+                  <a14:hiddenLine xmlns="" xmlns:a14="http://schemas.microsoft.com/office/drawing/2010/main" w="9525">
                     <a:solidFill>
                       <a:srgbClr val="000000"/>
                     </a:solidFill>
@@ -25462,7 +25623,7 @@
           <a:p>
             <a:fld id="{32FEF660-4120-4BB0-8AD6-276FBF50D55A}" type="datetimeFigureOut">
               <a:rPr lang="es-ES" smtClean="0"/>
-              <a:t>22/01/2025</a:t>
+              <a:t>23/01/2025</a:t>
             </a:fld>
             <a:endParaRPr lang="es-ES"/>
           </a:p>
@@ -26043,14 +26204,14 @@
             <p:ph idx="1"/>
             <p:extLst>
               <p:ext uri="{D42A27DB-BD31-4B8C-83A1-F6EECF244321}">
-                <p14:modId xmlns:p14="http://schemas.microsoft.com/office/powerpoint/2010/main" val="4245658185"/>
+                <p14:modId xmlns:p14="http://schemas.microsoft.com/office/powerpoint/2010/main" val="2772602298"/>
               </p:ext>
             </p:extLst>
           </p:nvPr>
         </p:nvGraphicFramePr>
         <p:xfrm>
           <a:off x="-2" y="-2"/>
-          <a:ext cx="12192003" cy="6862110"/>
+          <a:ext cx="12192003" cy="6932557"/>
         </p:xfrm>
         <a:graphic>
           <a:graphicData uri="http://schemas.openxmlformats.org/drawingml/2006/table">
@@ -26723,9 +26884,14 @@
                     <a:p>
                       <a:pPr algn="ctr"/>
                       <a:r>
-                        <a:rPr lang="es-ES" dirty="0"/>
-                        <a:t>X</a:t>
+                        <a:rPr lang="es-ES" sz="1400" dirty="0" smtClean="0"/>
+                        <a:t>Se</a:t>
                       </a:r>
+                      <a:r>
+                        <a:rPr lang="es-ES" sz="1400" baseline="0" dirty="0" smtClean="0"/>
+                        <a:t> tiene que conectar una externa</a:t>
+                      </a:r>
+                      <a:endParaRPr lang="es-ES" sz="1400" dirty="0"/>
                     </a:p>
                   </a:txBody>
                   <a:tcPr anchor="ctr"/>
@@ -28001,7 +28167,7 @@
                 <a16:creationId xmlns:a16="http://schemas.microsoft.com/office/drawing/2014/main" id="{50C065C3-0FE3-4452-B765-CB05BBB2A983}"/>
               </a:ext>
               <a:ext uri="{C183D7F6-B498-43B3-948B-1728B52AA6E4}">
-                <adec:decorative xmlns:adec="http://schemas.microsoft.com/office/drawing/2017/decorative" val="1"/>
+                <adec:decorative xmlns:adec="http://schemas.microsoft.com/office/drawing/2017/decorative" xmlns="" val="1"/>
               </a:ext>
             </a:extLst>
           </p:cNvPr>
@@ -28041,7 +28207,7 @@
           <a:noFill/>
           <a:extLst>
             <a:ext uri="{909E8E84-426E-40dd-AFC4-6F175D3DCCD1}">
-              <a14:hiddenFill xmlns="" xmlns:a16="http://schemas.microsoft.com/office/drawing/2014/main" xmlns:a14="http://schemas.microsoft.com/office/drawing/2010/main" xmlns:p14="http://schemas.microsoft.com/office/powerpoint/2010/main">
+              <a14:hiddenFill xmlns:p14="http://schemas.microsoft.com/office/powerpoint/2010/main" xmlns:a14="http://schemas.microsoft.com/office/drawing/2010/main" xmlns:a16="http://schemas.microsoft.com/office/drawing/2014/main" xmlns="">
                 <a:solidFill>
                   <a:srgbClr val="FFFFFF"/>
                 </a:solidFill>
@@ -28058,7 +28224,7 @@
                 <a16:creationId xmlns:a16="http://schemas.microsoft.com/office/drawing/2014/main" id="{9795E515-5F57-431F-9A0D-3A0419DF7572}"/>
               </a:ext>
               <a:ext uri="{C183D7F6-B498-43B3-948B-1728B52AA6E4}">
-                <adec:decorative xmlns:adec="http://schemas.microsoft.com/office/drawing/2017/decorative" val="1"/>
+                <adec:decorative xmlns:adec="http://schemas.microsoft.com/office/drawing/2017/decorative" xmlns="" val="1"/>
               </a:ext>
             </a:extLst>
           </p:cNvPr>
@@ -28104,7 +28270,7 @@
                   <a16:creationId xmlns:a16="http://schemas.microsoft.com/office/drawing/2014/main" id="{D45BCBFE-0478-4767-BF2E-FC2C548BA62F}"/>
                 </a:ext>
                 <a:ext uri="{C183D7F6-B498-43B3-948B-1728B52AA6E4}">
-                  <adec:decorative xmlns:adec="http://schemas.microsoft.com/office/drawing/2017/decorative" val="1"/>
+                  <adec:decorative xmlns:adec="http://schemas.microsoft.com/office/drawing/2017/decorative" xmlns="" val="1"/>
                 </a:ext>
               </a:extLst>
             </p:cNvPr>
@@ -28133,7 +28299,7 @@
             </a:ln>
             <a:extLst>
               <a:ext uri="{91240B29-F687-4f45-9708-019B960494DF}">
-                <a14:hiddenLine xmlns="" xmlns:a16="http://schemas.microsoft.com/office/drawing/2014/main" xmlns:a14="http://schemas.microsoft.com/office/drawing/2010/main" xmlns:p14="http://schemas.microsoft.com/office/powerpoint/2010/main" w="9525">
+                <a14:hiddenLine xmlns:p14="http://schemas.microsoft.com/office/powerpoint/2010/main" xmlns:a14="http://schemas.microsoft.com/office/drawing/2010/main" xmlns:a16="http://schemas.microsoft.com/office/drawing/2014/main" xmlns="" w="9525">
                   <a:solidFill>
                     <a:srgbClr val="000000"/>
                   </a:solidFill>
@@ -28160,7 +28326,7 @@
                   <a16:creationId xmlns:a16="http://schemas.microsoft.com/office/drawing/2014/main" id="{E903928F-F6DA-470C-81A0-CF7D9DE03418}"/>
                 </a:ext>
                 <a:ext uri="{C183D7F6-B498-43B3-948B-1728B52AA6E4}">
-                  <adec:decorative xmlns:adec="http://schemas.microsoft.com/office/drawing/2017/decorative" val="1"/>
+                  <adec:decorative xmlns:adec="http://schemas.microsoft.com/office/drawing/2017/decorative" xmlns="" val="1"/>
                 </a:ext>
               </a:extLst>
             </p:cNvPr>
@@ -28245,7 +28411,7 @@
             </a:ln>
             <a:extLst>
               <a:ext uri="{91240B29-F687-4f45-9708-019B960494DF}">
-                <a14:hiddenLine xmlns="" xmlns:a16="http://schemas.microsoft.com/office/drawing/2014/main" xmlns:a14="http://schemas.microsoft.com/office/drawing/2010/main" xmlns:p14="http://schemas.microsoft.com/office/powerpoint/2010/main" w="9525">
+                <a14:hiddenLine xmlns:p14="http://schemas.microsoft.com/office/powerpoint/2010/main" xmlns:a14="http://schemas.microsoft.com/office/drawing/2010/main" xmlns:a16="http://schemas.microsoft.com/office/drawing/2014/main" xmlns="" w="9525">
                   <a:solidFill>
                     <a:srgbClr val="000000"/>
                   </a:solidFill>
@@ -28272,7 +28438,7 @@
                   <a16:creationId xmlns:a16="http://schemas.microsoft.com/office/drawing/2014/main" id="{ADA095F6-E326-4450-A2D6-DB2BF989B877}"/>
                 </a:ext>
                 <a:ext uri="{C183D7F6-B498-43B3-948B-1728B52AA6E4}">
-                  <adec:decorative xmlns:adec="http://schemas.microsoft.com/office/drawing/2017/decorative" val="1"/>
+                  <adec:decorative xmlns:adec="http://schemas.microsoft.com/office/drawing/2017/decorative" xmlns="" val="1"/>
                 </a:ext>
               </a:extLst>
             </p:cNvPr>
@@ -28357,7 +28523,7 @@
             </a:ln>
             <a:extLst>
               <a:ext uri="{91240B29-F687-4f45-9708-019B960494DF}">
-                <a14:hiddenLine xmlns="" xmlns:a16="http://schemas.microsoft.com/office/drawing/2014/main" xmlns:a14="http://schemas.microsoft.com/office/drawing/2010/main" xmlns:p14="http://schemas.microsoft.com/office/powerpoint/2010/main" w="9525">
+                <a14:hiddenLine xmlns:p14="http://schemas.microsoft.com/office/powerpoint/2010/main" xmlns:a14="http://schemas.microsoft.com/office/drawing/2010/main" xmlns:a16="http://schemas.microsoft.com/office/drawing/2014/main" xmlns="" w="9525">
                   <a:solidFill>
                     <a:srgbClr val="000000"/>
                   </a:solidFill>
@@ -28384,7 +28550,7 @@
                   <a16:creationId xmlns:a16="http://schemas.microsoft.com/office/drawing/2014/main" id="{6B067F9A-FDF2-49EC-B4FF-CD4B90F78923}"/>
                 </a:ext>
                 <a:ext uri="{C183D7F6-B498-43B3-948B-1728B52AA6E4}">
-                  <adec:decorative xmlns:adec="http://schemas.microsoft.com/office/drawing/2017/decorative" val="1"/>
+                  <adec:decorative xmlns:adec="http://schemas.microsoft.com/office/drawing/2017/decorative" xmlns="" val="1"/>
                 </a:ext>
               </a:extLst>
             </p:cNvPr>
@@ -28413,7 +28579,7 @@
             </a:ln>
             <a:extLst>
               <a:ext uri="{91240B29-F687-4f45-9708-019B960494DF}">
-                <a14:hiddenLine xmlns="" xmlns:a16="http://schemas.microsoft.com/office/drawing/2014/main" xmlns:a14="http://schemas.microsoft.com/office/drawing/2010/main" xmlns:p14="http://schemas.microsoft.com/office/powerpoint/2010/main" w="9525">
+                <a14:hiddenLine xmlns:p14="http://schemas.microsoft.com/office/powerpoint/2010/main" xmlns:a14="http://schemas.microsoft.com/office/drawing/2010/main" xmlns:a16="http://schemas.microsoft.com/office/drawing/2014/main" xmlns="" w="9525">
                   <a:solidFill>
                     <a:srgbClr val="000000"/>
                   </a:solidFill>
@@ -28440,7 +28606,7 @@
                   <a16:creationId xmlns:a16="http://schemas.microsoft.com/office/drawing/2014/main" id="{F1331213-D19D-49FC-8616-168A14565A88}"/>
                 </a:ext>
                 <a:ext uri="{C183D7F6-B498-43B3-948B-1728B52AA6E4}">
-                  <adec:decorative xmlns:adec="http://schemas.microsoft.com/office/drawing/2017/decorative" val="1"/>
+                  <adec:decorative xmlns:adec="http://schemas.microsoft.com/office/drawing/2017/decorative" xmlns="" val="1"/>
                 </a:ext>
               </a:extLst>
             </p:cNvPr>
@@ -28525,7 +28691,7 @@
             </a:ln>
             <a:extLst>
               <a:ext uri="{91240B29-F687-4f45-9708-019B960494DF}">
-                <a14:hiddenLine xmlns="" xmlns:a16="http://schemas.microsoft.com/office/drawing/2014/main" xmlns:a14="http://schemas.microsoft.com/office/drawing/2010/main" xmlns:p14="http://schemas.microsoft.com/office/powerpoint/2010/main" w="9525">
+                <a14:hiddenLine xmlns:p14="http://schemas.microsoft.com/office/powerpoint/2010/main" xmlns:a14="http://schemas.microsoft.com/office/drawing/2010/main" xmlns:a16="http://schemas.microsoft.com/office/drawing/2014/main" xmlns="" w="9525">
                   <a:solidFill>
                     <a:srgbClr val="000000"/>
                   </a:solidFill>
@@ -28552,7 +28718,7 @@
                   <a16:creationId xmlns:a16="http://schemas.microsoft.com/office/drawing/2014/main" id="{2ADFE242-96FC-4A14-8C59-90CD6DE1D9F1}"/>
                 </a:ext>
                 <a:ext uri="{C183D7F6-B498-43B3-948B-1728B52AA6E4}">
-                  <adec:decorative xmlns:adec="http://schemas.microsoft.com/office/drawing/2017/decorative" val="1"/>
+                  <adec:decorative xmlns:adec="http://schemas.microsoft.com/office/drawing/2017/decorative" xmlns="" val="1"/>
                 </a:ext>
               </a:extLst>
             </p:cNvPr>
@@ -28609,7 +28775,7 @@
             </a:ln>
             <a:extLst>
               <a:ext uri="{91240B29-F687-4f45-9708-019B960494DF}">
-                <a14:hiddenLine xmlns="" xmlns:a16="http://schemas.microsoft.com/office/drawing/2014/main" xmlns:a14="http://schemas.microsoft.com/office/drawing/2010/main" xmlns:p14="http://schemas.microsoft.com/office/powerpoint/2010/main" w="9525">
+                <a14:hiddenLine xmlns:p14="http://schemas.microsoft.com/office/powerpoint/2010/main" xmlns:a14="http://schemas.microsoft.com/office/drawing/2010/main" xmlns:a16="http://schemas.microsoft.com/office/drawing/2014/main" xmlns="" w="9525">
                   <a:solidFill>
                     <a:srgbClr val="000000"/>
                   </a:solidFill>
@@ -28636,7 +28802,7 @@
                   <a16:creationId xmlns:a16="http://schemas.microsoft.com/office/drawing/2014/main" id="{6A97B7BC-40BD-494B-9C6B-AF3045559A3F}"/>
                 </a:ext>
                 <a:ext uri="{C183D7F6-B498-43B3-948B-1728B52AA6E4}">
-                  <adec:decorative xmlns:adec="http://schemas.microsoft.com/office/drawing/2017/decorative" val="1"/>
+                  <adec:decorative xmlns:adec="http://schemas.microsoft.com/office/drawing/2017/decorative" xmlns="" val="1"/>
                 </a:ext>
               </a:extLst>
             </p:cNvPr>
@@ -28693,7 +28859,7 @@
             </a:ln>
             <a:extLst>
               <a:ext uri="{91240B29-F687-4f45-9708-019B960494DF}">
-                <a14:hiddenLine xmlns="" xmlns:a16="http://schemas.microsoft.com/office/drawing/2014/main" xmlns:a14="http://schemas.microsoft.com/office/drawing/2010/main" xmlns:p14="http://schemas.microsoft.com/office/powerpoint/2010/main" w="9525">
+                <a14:hiddenLine xmlns:p14="http://schemas.microsoft.com/office/powerpoint/2010/main" xmlns:a14="http://schemas.microsoft.com/office/drawing/2010/main" xmlns:a16="http://schemas.microsoft.com/office/drawing/2014/main" xmlns="" w="9525">
                   <a:solidFill>
                     <a:srgbClr val="000000"/>
                   </a:solidFill>
@@ -28720,7 +28886,7 @@
                   <a16:creationId xmlns:a16="http://schemas.microsoft.com/office/drawing/2014/main" id="{3D7F35CF-F44C-491F-904D-A31ED832137B}"/>
                 </a:ext>
                 <a:ext uri="{C183D7F6-B498-43B3-948B-1728B52AA6E4}">
-                  <adec:decorative xmlns:adec="http://schemas.microsoft.com/office/drawing/2017/decorative" val="1"/>
+                  <adec:decorative xmlns:adec="http://schemas.microsoft.com/office/drawing/2017/decorative" xmlns="" val="1"/>
                 </a:ext>
               </a:extLst>
             </p:cNvPr>
@@ -28805,7 +28971,7 @@
             </a:ln>
             <a:extLst>
               <a:ext uri="{91240B29-F687-4f45-9708-019B960494DF}">
-                <a14:hiddenLine xmlns="" xmlns:a16="http://schemas.microsoft.com/office/drawing/2014/main" xmlns:a14="http://schemas.microsoft.com/office/drawing/2010/main" xmlns:p14="http://schemas.microsoft.com/office/powerpoint/2010/main" w="9525">
+                <a14:hiddenLine xmlns:p14="http://schemas.microsoft.com/office/powerpoint/2010/main" xmlns:a14="http://schemas.microsoft.com/office/drawing/2010/main" xmlns:a16="http://schemas.microsoft.com/office/drawing/2014/main" xmlns="" w="9525">
                   <a:solidFill>
                     <a:srgbClr val="000000"/>
                   </a:solidFill>
@@ -28832,7 +28998,7 @@
                   <a16:creationId xmlns:a16="http://schemas.microsoft.com/office/drawing/2014/main" id="{84D9BF7E-18C2-452C-B139-4ED58D7A03C3}"/>
                 </a:ext>
                 <a:ext uri="{C183D7F6-B498-43B3-948B-1728B52AA6E4}">
-                  <adec:decorative xmlns:adec="http://schemas.microsoft.com/office/drawing/2017/decorative" val="1"/>
+                  <adec:decorative xmlns:adec="http://schemas.microsoft.com/office/drawing/2017/decorative" xmlns="" val="1"/>
                 </a:ext>
               </a:extLst>
             </p:cNvPr>
@@ -28889,7 +29055,7 @@
             </a:ln>
             <a:extLst>
               <a:ext uri="{91240B29-F687-4f45-9708-019B960494DF}">
-                <a14:hiddenLine xmlns="" xmlns:a16="http://schemas.microsoft.com/office/drawing/2014/main" xmlns:a14="http://schemas.microsoft.com/office/drawing/2010/main" xmlns:p14="http://schemas.microsoft.com/office/powerpoint/2010/main" w="9525">
+                <a14:hiddenLine xmlns:p14="http://schemas.microsoft.com/office/powerpoint/2010/main" xmlns:a14="http://schemas.microsoft.com/office/drawing/2010/main" xmlns:a16="http://schemas.microsoft.com/office/drawing/2014/main" xmlns="" w="9525">
                   <a:solidFill>
                     <a:srgbClr val="000000"/>
                   </a:solidFill>
@@ -28916,7 +29082,7 @@
                   <a16:creationId xmlns:a16="http://schemas.microsoft.com/office/drawing/2014/main" id="{700A6223-AD38-426F-A6FE-7926CAEF31C4}"/>
                 </a:ext>
                 <a:ext uri="{C183D7F6-B498-43B3-948B-1728B52AA6E4}">
-                  <adec:decorative xmlns:adec="http://schemas.microsoft.com/office/drawing/2017/decorative" val="1"/>
+                  <adec:decorative xmlns:adec="http://schemas.microsoft.com/office/drawing/2017/decorative" xmlns="" val="1"/>
                 </a:ext>
               </a:extLst>
             </p:cNvPr>
@@ -28973,7 +29139,7 @@
             </a:ln>
             <a:extLst>
               <a:ext uri="{91240B29-F687-4f45-9708-019B960494DF}">
-                <a14:hiddenLine xmlns="" xmlns:a16="http://schemas.microsoft.com/office/drawing/2014/main" xmlns:a14="http://schemas.microsoft.com/office/drawing/2010/main" xmlns:p14="http://schemas.microsoft.com/office/powerpoint/2010/main" w="9525">
+                <a14:hiddenLine xmlns:p14="http://schemas.microsoft.com/office/powerpoint/2010/main" xmlns:a14="http://schemas.microsoft.com/office/drawing/2010/main" xmlns:a16="http://schemas.microsoft.com/office/drawing/2014/main" xmlns="" w="9525">
                   <a:solidFill>
                     <a:srgbClr val="000000"/>
                   </a:solidFill>
@@ -29000,7 +29166,7 @@
                   <a16:creationId xmlns:a16="http://schemas.microsoft.com/office/drawing/2014/main" id="{D172AA94-449F-45EB-94E6-67C186C32DDE}"/>
                 </a:ext>
                 <a:ext uri="{C183D7F6-B498-43B3-948B-1728B52AA6E4}">
-                  <adec:decorative xmlns:adec="http://schemas.microsoft.com/office/drawing/2017/decorative" val="1"/>
+                  <adec:decorative xmlns:adec="http://schemas.microsoft.com/office/drawing/2017/decorative" xmlns="" val="1"/>
                 </a:ext>
               </a:extLst>
             </p:cNvPr>
@@ -29085,7 +29251,7 @@
             </a:ln>
             <a:extLst>
               <a:ext uri="{91240B29-F687-4f45-9708-019B960494DF}">
-                <a14:hiddenLine xmlns="" xmlns:a16="http://schemas.microsoft.com/office/drawing/2014/main" xmlns:a14="http://schemas.microsoft.com/office/drawing/2010/main" xmlns:p14="http://schemas.microsoft.com/office/powerpoint/2010/main" w="9525">
+                <a14:hiddenLine xmlns:p14="http://schemas.microsoft.com/office/powerpoint/2010/main" xmlns:a14="http://schemas.microsoft.com/office/drawing/2010/main" xmlns:a16="http://schemas.microsoft.com/office/drawing/2014/main" xmlns="" w="9525">
                   <a:solidFill>
                     <a:srgbClr val="000000"/>
                   </a:solidFill>
@@ -29112,7 +29278,7 @@
                   <a16:creationId xmlns:a16="http://schemas.microsoft.com/office/drawing/2014/main" id="{A7D4F697-8937-4F4C-83C5-770B3FCB8286}"/>
                 </a:ext>
                 <a:ext uri="{C183D7F6-B498-43B3-948B-1728B52AA6E4}">
-                  <adec:decorative xmlns:adec="http://schemas.microsoft.com/office/drawing/2017/decorative" val="1"/>
+                  <adec:decorative xmlns:adec="http://schemas.microsoft.com/office/drawing/2017/decorative" xmlns="" val="1"/>
                 </a:ext>
               </a:extLst>
             </p:cNvPr>
@@ -29197,7 +29363,7 @@
             </a:ln>
             <a:extLst>
               <a:ext uri="{91240B29-F687-4f45-9708-019B960494DF}">
-                <a14:hiddenLine xmlns="" xmlns:a16="http://schemas.microsoft.com/office/drawing/2014/main" xmlns:a14="http://schemas.microsoft.com/office/drawing/2010/main" xmlns:p14="http://schemas.microsoft.com/office/powerpoint/2010/main" w="9525">
+                <a14:hiddenLine xmlns:p14="http://schemas.microsoft.com/office/powerpoint/2010/main" xmlns:a14="http://schemas.microsoft.com/office/drawing/2010/main" xmlns:a16="http://schemas.microsoft.com/office/drawing/2014/main" xmlns="" w="9525">
                   <a:solidFill>
                     <a:srgbClr val="000000"/>
                   </a:solidFill>
@@ -29224,7 +29390,7 @@
                   <a16:creationId xmlns:a16="http://schemas.microsoft.com/office/drawing/2014/main" id="{10AF1D59-5117-4D47-8414-4BB61F944BD2}"/>
                 </a:ext>
                 <a:ext uri="{C183D7F6-B498-43B3-948B-1728B52AA6E4}">
-                  <adec:decorative xmlns:adec="http://schemas.microsoft.com/office/drawing/2017/decorative" val="1"/>
+                  <adec:decorative xmlns:adec="http://schemas.microsoft.com/office/drawing/2017/decorative" xmlns="" val="1"/>
                 </a:ext>
               </a:extLst>
             </p:cNvPr>
@@ -29281,7 +29447,7 @@
             </a:ln>
             <a:extLst>
               <a:ext uri="{91240B29-F687-4f45-9708-019B960494DF}">
-                <a14:hiddenLine xmlns="" xmlns:a16="http://schemas.microsoft.com/office/drawing/2014/main" xmlns:a14="http://schemas.microsoft.com/office/drawing/2010/main" xmlns:p14="http://schemas.microsoft.com/office/powerpoint/2010/main" w="9525">
+                <a14:hiddenLine xmlns:p14="http://schemas.microsoft.com/office/powerpoint/2010/main" xmlns:a14="http://schemas.microsoft.com/office/drawing/2010/main" xmlns:a16="http://schemas.microsoft.com/office/drawing/2014/main" xmlns="" w="9525">
                   <a:solidFill>
                     <a:srgbClr val="000000"/>
                   </a:solidFill>
@@ -29308,7 +29474,7 @@
                   <a16:creationId xmlns:a16="http://schemas.microsoft.com/office/drawing/2014/main" id="{2387DC33-88B3-4718-8C94-41659EA33A94}"/>
                 </a:ext>
                 <a:ext uri="{C183D7F6-B498-43B3-948B-1728B52AA6E4}">
-                  <adec:decorative xmlns:adec="http://schemas.microsoft.com/office/drawing/2017/decorative" val="1"/>
+                  <adec:decorative xmlns:adec="http://schemas.microsoft.com/office/drawing/2017/decorative" xmlns="" val="1"/>
                 </a:ext>
               </a:extLst>
             </p:cNvPr>
@@ -29413,7 +29579,7 @@
             </a:ln>
             <a:extLst>
               <a:ext uri="{91240B29-F687-4f45-9708-019B960494DF}">
-                <a14:hiddenLine xmlns="" xmlns:a16="http://schemas.microsoft.com/office/drawing/2014/main" xmlns:a14="http://schemas.microsoft.com/office/drawing/2010/main" xmlns:p14="http://schemas.microsoft.com/office/powerpoint/2010/main" w="9525">
+                <a14:hiddenLine xmlns:p14="http://schemas.microsoft.com/office/powerpoint/2010/main" xmlns:a14="http://schemas.microsoft.com/office/drawing/2010/main" xmlns:a16="http://schemas.microsoft.com/office/drawing/2014/main" xmlns="" w="9525">
                   <a:solidFill>
                     <a:srgbClr val="000000"/>
                   </a:solidFill>
@@ -29440,7 +29606,7 @@
                   <a16:creationId xmlns:a16="http://schemas.microsoft.com/office/drawing/2014/main" id="{D4E7EC64-4763-4F04-B2E4-E400364D7288}"/>
                 </a:ext>
                 <a:ext uri="{C183D7F6-B498-43B3-948B-1728B52AA6E4}">
-                  <adec:decorative xmlns:adec="http://schemas.microsoft.com/office/drawing/2017/decorative" val="1"/>
+                  <adec:decorative xmlns:adec="http://schemas.microsoft.com/office/drawing/2017/decorative" xmlns="" val="1"/>
                 </a:ext>
               </a:extLst>
             </p:cNvPr>
@@ -29497,7 +29663,7 @@
             </a:ln>
             <a:extLst>
               <a:ext uri="{91240B29-F687-4f45-9708-019B960494DF}">
-                <a14:hiddenLine xmlns="" xmlns:a16="http://schemas.microsoft.com/office/drawing/2014/main" xmlns:a14="http://schemas.microsoft.com/office/drawing/2010/main" xmlns:p14="http://schemas.microsoft.com/office/powerpoint/2010/main" w="9525">
+                <a14:hiddenLine xmlns:p14="http://schemas.microsoft.com/office/powerpoint/2010/main" xmlns:a14="http://schemas.microsoft.com/office/drawing/2010/main" xmlns:a16="http://schemas.microsoft.com/office/drawing/2014/main" xmlns="" w="9525">
                   <a:solidFill>
                     <a:srgbClr val="000000"/>
                   </a:solidFill>
@@ -29524,7 +29690,7 @@
                   <a16:creationId xmlns:a16="http://schemas.microsoft.com/office/drawing/2014/main" id="{581717DF-9FD4-47CB-9579-E34DF7E8754F}"/>
                 </a:ext>
                 <a:ext uri="{C183D7F6-B498-43B3-948B-1728B52AA6E4}">
-                  <adec:decorative xmlns:adec="http://schemas.microsoft.com/office/drawing/2017/decorative" val="1"/>
+                  <adec:decorative xmlns:adec="http://schemas.microsoft.com/office/drawing/2017/decorative" xmlns="" val="1"/>
                 </a:ext>
               </a:extLst>
             </p:cNvPr>
@@ -29609,7 +29775,7 @@
             </a:ln>
             <a:extLst>
               <a:ext uri="{91240B29-F687-4f45-9708-019B960494DF}">
-                <a14:hiddenLine xmlns="" xmlns:a16="http://schemas.microsoft.com/office/drawing/2014/main" xmlns:a14="http://schemas.microsoft.com/office/drawing/2010/main" xmlns:p14="http://schemas.microsoft.com/office/powerpoint/2010/main" w="9525">
+                <a14:hiddenLine xmlns:p14="http://schemas.microsoft.com/office/powerpoint/2010/main" xmlns:a14="http://schemas.microsoft.com/office/drawing/2010/main" xmlns:a16="http://schemas.microsoft.com/office/drawing/2014/main" xmlns="" w="9525">
                   <a:solidFill>
                     <a:srgbClr val="000000"/>
                   </a:solidFill>
@@ -29636,7 +29802,7 @@
                   <a16:creationId xmlns:a16="http://schemas.microsoft.com/office/drawing/2014/main" id="{BCD8EF50-6E58-4B2D-90B6-AFF236A73BC1}"/>
                 </a:ext>
                 <a:ext uri="{C183D7F6-B498-43B3-948B-1728B52AA6E4}">
-                  <adec:decorative xmlns:adec="http://schemas.microsoft.com/office/drawing/2017/decorative" val="1"/>
+                  <adec:decorative xmlns:adec="http://schemas.microsoft.com/office/drawing/2017/decorative" xmlns="" val="1"/>
                 </a:ext>
               </a:extLst>
             </p:cNvPr>
@@ -29721,7 +29887,7 @@
             </a:ln>
             <a:extLst>
               <a:ext uri="{91240B29-F687-4f45-9708-019B960494DF}">
-                <a14:hiddenLine xmlns="" xmlns:a16="http://schemas.microsoft.com/office/drawing/2014/main" xmlns:a14="http://schemas.microsoft.com/office/drawing/2010/main" xmlns:p14="http://schemas.microsoft.com/office/powerpoint/2010/main" w="9525">
+                <a14:hiddenLine xmlns:p14="http://schemas.microsoft.com/office/powerpoint/2010/main" xmlns:a14="http://schemas.microsoft.com/office/drawing/2010/main" xmlns:a16="http://schemas.microsoft.com/office/drawing/2014/main" xmlns="" w="9525">
                   <a:solidFill>
                     <a:srgbClr val="000000"/>
                   </a:solidFill>
@@ -29748,7 +29914,7 @@
                   <a16:creationId xmlns:a16="http://schemas.microsoft.com/office/drawing/2014/main" id="{6524A268-142A-4CBF-BB8B-DC1FCBC8F785}"/>
                 </a:ext>
                 <a:ext uri="{C183D7F6-B498-43B3-948B-1728B52AA6E4}">
-                  <adec:decorative xmlns:adec="http://schemas.microsoft.com/office/drawing/2017/decorative" val="1"/>
+                  <adec:decorative xmlns:adec="http://schemas.microsoft.com/office/drawing/2017/decorative" xmlns="" val="1"/>
                 </a:ext>
               </a:extLst>
             </p:cNvPr>
@@ -29805,7 +29971,7 @@
             </a:ln>
             <a:extLst>
               <a:ext uri="{91240B29-F687-4f45-9708-019B960494DF}">
-                <a14:hiddenLine xmlns="" xmlns:a16="http://schemas.microsoft.com/office/drawing/2014/main" xmlns:a14="http://schemas.microsoft.com/office/drawing/2010/main" xmlns:p14="http://schemas.microsoft.com/office/powerpoint/2010/main" w="9525">
+                <a14:hiddenLine xmlns:p14="http://schemas.microsoft.com/office/powerpoint/2010/main" xmlns:a14="http://schemas.microsoft.com/office/drawing/2010/main" xmlns:a16="http://schemas.microsoft.com/office/drawing/2014/main" xmlns="" w="9525">
                   <a:solidFill>
                     <a:srgbClr val="000000"/>
                   </a:solidFill>
@@ -29832,7 +29998,7 @@
                   <a16:creationId xmlns:a16="http://schemas.microsoft.com/office/drawing/2014/main" id="{56A0E6F3-B76B-4813-B44B-56CE11A8A0C4}"/>
                 </a:ext>
                 <a:ext uri="{C183D7F6-B498-43B3-948B-1728B52AA6E4}">
-                  <adec:decorative xmlns:adec="http://schemas.microsoft.com/office/drawing/2017/decorative" val="1"/>
+                  <adec:decorative xmlns:adec="http://schemas.microsoft.com/office/drawing/2017/decorative" xmlns="" val="1"/>
                 </a:ext>
               </a:extLst>
             </p:cNvPr>
@@ -29917,7 +30083,7 @@
             </a:ln>
             <a:extLst>
               <a:ext uri="{91240B29-F687-4f45-9708-019B960494DF}">
-                <a14:hiddenLine xmlns="" xmlns:a16="http://schemas.microsoft.com/office/drawing/2014/main" xmlns:a14="http://schemas.microsoft.com/office/drawing/2010/main" xmlns:p14="http://schemas.microsoft.com/office/powerpoint/2010/main" w="9525">
+                <a14:hiddenLine xmlns:p14="http://schemas.microsoft.com/office/powerpoint/2010/main" xmlns:a14="http://schemas.microsoft.com/office/drawing/2010/main" xmlns:a16="http://schemas.microsoft.com/office/drawing/2014/main" xmlns="" w="9525">
                   <a:solidFill>
                     <a:srgbClr val="000000"/>
                   </a:solidFill>
@@ -29944,7 +30110,7 @@
                   <a16:creationId xmlns:a16="http://schemas.microsoft.com/office/drawing/2014/main" id="{A74CED8D-B902-4B76-9CC8-30A09B2FA191}"/>
                 </a:ext>
                 <a:ext uri="{C183D7F6-B498-43B3-948B-1728B52AA6E4}">
-                  <adec:decorative xmlns:adec="http://schemas.microsoft.com/office/drawing/2017/decorative" val="1"/>
+                  <adec:decorative xmlns:adec="http://schemas.microsoft.com/office/drawing/2017/decorative" xmlns="" val="1"/>
                 </a:ext>
               </a:extLst>
             </p:cNvPr>
@@ -30029,7 +30195,7 @@
             </a:ln>
             <a:extLst>
               <a:ext uri="{91240B29-F687-4f45-9708-019B960494DF}">
-                <a14:hiddenLine xmlns="" xmlns:a16="http://schemas.microsoft.com/office/drawing/2014/main" xmlns:a14="http://schemas.microsoft.com/office/drawing/2010/main" xmlns:p14="http://schemas.microsoft.com/office/powerpoint/2010/main" w="9525">
+                <a14:hiddenLine xmlns:p14="http://schemas.microsoft.com/office/powerpoint/2010/main" xmlns:a14="http://schemas.microsoft.com/office/drawing/2010/main" xmlns:a16="http://schemas.microsoft.com/office/drawing/2014/main" xmlns="" w="9525">
                   <a:solidFill>
                     <a:srgbClr val="000000"/>
                   </a:solidFill>
@@ -30056,7 +30222,7 @@
                   <a16:creationId xmlns:a16="http://schemas.microsoft.com/office/drawing/2014/main" id="{ED007BD7-ED56-4566-B1FF-707160024A6E}"/>
                 </a:ext>
                 <a:ext uri="{C183D7F6-B498-43B3-948B-1728B52AA6E4}">
-                  <adec:decorative xmlns:adec="http://schemas.microsoft.com/office/drawing/2017/decorative" val="1"/>
+                  <adec:decorative xmlns:adec="http://schemas.microsoft.com/office/drawing/2017/decorative" xmlns="" val="1"/>
                 </a:ext>
               </a:extLst>
             </p:cNvPr>
@@ -30107,7 +30273,7 @@
             </a:ln>
             <a:extLst>
               <a:ext uri="{91240B29-F687-4f45-9708-019B960494DF}">
-                <a14:hiddenLine xmlns="" xmlns:a16="http://schemas.microsoft.com/office/drawing/2014/main" xmlns:a14="http://schemas.microsoft.com/office/drawing/2010/main" xmlns:p14="http://schemas.microsoft.com/office/powerpoint/2010/main" w="9525">
+                <a14:hiddenLine xmlns:p14="http://schemas.microsoft.com/office/powerpoint/2010/main" xmlns:a14="http://schemas.microsoft.com/office/drawing/2010/main" xmlns:a16="http://schemas.microsoft.com/office/drawing/2014/main" xmlns="" w="9525">
                   <a:solidFill>
                     <a:srgbClr val="000000"/>
                   </a:solidFill>
@@ -30134,7 +30300,7 @@
                   <a16:creationId xmlns:a16="http://schemas.microsoft.com/office/drawing/2014/main" id="{90AD48D2-5BC8-4C80-B126-B1A201242B8C}"/>
                 </a:ext>
                 <a:ext uri="{C183D7F6-B498-43B3-948B-1728B52AA6E4}">
-                  <adec:decorative xmlns:adec="http://schemas.microsoft.com/office/drawing/2017/decorative" val="1"/>
+                  <adec:decorative xmlns:adec="http://schemas.microsoft.com/office/drawing/2017/decorative" xmlns="" val="1"/>
                 </a:ext>
               </a:extLst>
             </p:cNvPr>
@@ -30219,7 +30385,7 @@
             </a:ln>
             <a:extLst>
               <a:ext uri="{91240B29-F687-4f45-9708-019B960494DF}">
-                <a14:hiddenLine xmlns="" xmlns:a16="http://schemas.microsoft.com/office/drawing/2014/main" xmlns:a14="http://schemas.microsoft.com/office/drawing/2010/main" xmlns:p14="http://schemas.microsoft.com/office/powerpoint/2010/main" w="9525">
+                <a14:hiddenLine xmlns:p14="http://schemas.microsoft.com/office/powerpoint/2010/main" xmlns:a14="http://schemas.microsoft.com/office/drawing/2010/main" xmlns:a16="http://schemas.microsoft.com/office/drawing/2014/main" xmlns="" w="9525">
                   <a:solidFill>
                     <a:srgbClr val="000000"/>
                   </a:solidFill>
@@ -30246,7 +30412,7 @@
                   <a16:creationId xmlns:a16="http://schemas.microsoft.com/office/drawing/2014/main" id="{BE14C82F-9F35-4D61-B758-7BCE32DECBF9}"/>
                 </a:ext>
                 <a:ext uri="{C183D7F6-B498-43B3-948B-1728B52AA6E4}">
-                  <adec:decorative xmlns:adec="http://schemas.microsoft.com/office/drawing/2017/decorative" val="1"/>
+                  <adec:decorative xmlns:adec="http://schemas.microsoft.com/office/drawing/2017/decorative" xmlns="" val="1"/>
                 </a:ext>
               </a:extLst>
             </p:cNvPr>
@@ -30297,7 +30463,7 @@
             </a:ln>
             <a:extLst>
               <a:ext uri="{91240B29-F687-4f45-9708-019B960494DF}">
-                <a14:hiddenLine xmlns="" xmlns:a16="http://schemas.microsoft.com/office/drawing/2014/main" xmlns:a14="http://schemas.microsoft.com/office/drawing/2010/main" xmlns:p14="http://schemas.microsoft.com/office/powerpoint/2010/main" w="9525">
+                <a14:hiddenLine xmlns:p14="http://schemas.microsoft.com/office/powerpoint/2010/main" xmlns:a14="http://schemas.microsoft.com/office/drawing/2010/main" xmlns:a16="http://schemas.microsoft.com/office/drawing/2014/main" xmlns="" w="9525">
                   <a:solidFill>
                     <a:srgbClr val="000000"/>
                   </a:solidFill>
@@ -30324,7 +30490,7 @@
                   <a16:creationId xmlns:a16="http://schemas.microsoft.com/office/drawing/2014/main" id="{6540CE06-9028-497A-AC64-CF0ED60A7452}"/>
                 </a:ext>
                 <a:ext uri="{C183D7F6-B498-43B3-948B-1728B52AA6E4}">
-                  <adec:decorative xmlns:adec="http://schemas.microsoft.com/office/drawing/2017/decorative" val="1"/>
+                  <adec:decorative xmlns:adec="http://schemas.microsoft.com/office/drawing/2017/decorative" xmlns="" val="1"/>
                 </a:ext>
               </a:extLst>
             </p:cNvPr>
@@ -30409,7 +30575,7 @@
             </a:ln>
             <a:extLst>
               <a:ext uri="{91240B29-F687-4f45-9708-019B960494DF}">
-                <a14:hiddenLine xmlns="" xmlns:a16="http://schemas.microsoft.com/office/drawing/2014/main" xmlns:a14="http://schemas.microsoft.com/office/drawing/2010/main" xmlns:p14="http://schemas.microsoft.com/office/powerpoint/2010/main" w="9525">
+                <a14:hiddenLine xmlns:p14="http://schemas.microsoft.com/office/powerpoint/2010/main" xmlns:a14="http://schemas.microsoft.com/office/drawing/2010/main" xmlns:a16="http://schemas.microsoft.com/office/drawing/2014/main" xmlns="" w="9525">
                   <a:solidFill>
                     <a:srgbClr val="000000"/>
                   </a:solidFill>
@@ -30436,7 +30602,7 @@
                   <a16:creationId xmlns:a16="http://schemas.microsoft.com/office/drawing/2014/main" id="{A4825B3B-52CD-4F08-BA02-6C2B0EFEDE92}"/>
                 </a:ext>
                 <a:ext uri="{C183D7F6-B498-43B3-948B-1728B52AA6E4}">
-                  <adec:decorative xmlns:adec="http://schemas.microsoft.com/office/drawing/2017/decorative" val="1"/>
+                  <adec:decorative xmlns:adec="http://schemas.microsoft.com/office/drawing/2017/decorative" xmlns="" val="1"/>
                 </a:ext>
               </a:extLst>
             </p:cNvPr>
@@ -30499,7 +30665,7 @@
             </a:ln>
             <a:extLst>
               <a:ext uri="{91240B29-F687-4f45-9708-019B960494DF}">
-                <a14:hiddenLine xmlns="" xmlns:a16="http://schemas.microsoft.com/office/drawing/2014/main" xmlns:a14="http://schemas.microsoft.com/office/drawing/2010/main" xmlns:p14="http://schemas.microsoft.com/office/powerpoint/2010/main" w="9525">
+                <a14:hiddenLine xmlns:p14="http://schemas.microsoft.com/office/powerpoint/2010/main" xmlns:a14="http://schemas.microsoft.com/office/drawing/2010/main" xmlns:a16="http://schemas.microsoft.com/office/drawing/2014/main" xmlns="" w="9525">
                   <a:solidFill>
                     <a:srgbClr val="000000"/>
                   </a:solidFill>
@@ -30526,7 +30692,7 @@
                   <a16:creationId xmlns:a16="http://schemas.microsoft.com/office/drawing/2014/main" id="{6877A5EF-B8B8-44D3-AA57-4BBF89206D34}"/>
                 </a:ext>
                 <a:ext uri="{C183D7F6-B498-43B3-948B-1728B52AA6E4}">
-                  <adec:decorative xmlns:adec="http://schemas.microsoft.com/office/drawing/2017/decorative" val="1"/>
+                  <adec:decorative xmlns:adec="http://schemas.microsoft.com/office/drawing/2017/decorative" xmlns="" val="1"/>
                 </a:ext>
               </a:extLst>
             </p:cNvPr>
@@ -30611,7 +30777,7 @@
             </a:ln>
             <a:extLst>
               <a:ext uri="{91240B29-F687-4f45-9708-019B960494DF}">
-                <a14:hiddenLine xmlns="" xmlns:a16="http://schemas.microsoft.com/office/drawing/2014/main" xmlns:a14="http://schemas.microsoft.com/office/drawing/2010/main" xmlns:p14="http://schemas.microsoft.com/office/powerpoint/2010/main" w="9525">
+                <a14:hiddenLine xmlns:p14="http://schemas.microsoft.com/office/powerpoint/2010/main" xmlns:a14="http://schemas.microsoft.com/office/drawing/2010/main" xmlns:a16="http://schemas.microsoft.com/office/drawing/2014/main" xmlns="" w="9525">
                   <a:solidFill>
                     <a:srgbClr val="000000"/>
                   </a:solidFill>
@@ -30638,7 +30804,7 @@
                   <a16:creationId xmlns:a16="http://schemas.microsoft.com/office/drawing/2014/main" id="{00BB365C-9180-4208-92CF-AB6A88848CF7}"/>
                 </a:ext>
                 <a:ext uri="{C183D7F6-B498-43B3-948B-1728B52AA6E4}">
-                  <adec:decorative xmlns:adec="http://schemas.microsoft.com/office/drawing/2017/decorative" val="1"/>
+                  <adec:decorative xmlns:adec="http://schemas.microsoft.com/office/drawing/2017/decorative" xmlns="" val="1"/>
                 </a:ext>
               </a:extLst>
             </p:cNvPr>
@@ -30701,7 +30867,7 @@
             </a:ln>
             <a:extLst>
               <a:ext uri="{91240B29-F687-4f45-9708-019B960494DF}">
-                <a14:hiddenLine xmlns="" xmlns:a16="http://schemas.microsoft.com/office/drawing/2014/main" xmlns:a14="http://schemas.microsoft.com/office/drawing/2010/main" xmlns:p14="http://schemas.microsoft.com/office/powerpoint/2010/main" w="9525">
+                <a14:hiddenLine xmlns:p14="http://schemas.microsoft.com/office/powerpoint/2010/main" xmlns:a14="http://schemas.microsoft.com/office/drawing/2010/main" xmlns:a16="http://schemas.microsoft.com/office/drawing/2014/main" xmlns="" w="9525">
                   <a:solidFill>
                     <a:srgbClr val="000000"/>
                   </a:solidFill>
@@ -30728,7 +30894,7 @@
                   <a16:creationId xmlns:a16="http://schemas.microsoft.com/office/drawing/2014/main" id="{8D1134D2-53A6-41D5-AC1A-5254A2FBD08A}"/>
                 </a:ext>
                 <a:ext uri="{C183D7F6-B498-43B3-948B-1728B52AA6E4}">
-                  <adec:decorative xmlns:adec="http://schemas.microsoft.com/office/drawing/2017/decorative" val="1"/>
+                  <adec:decorative xmlns:adec="http://schemas.microsoft.com/office/drawing/2017/decorative" xmlns="" val="1"/>
                 </a:ext>
               </a:extLst>
             </p:cNvPr>
@@ -30813,7 +30979,7 @@
             </a:ln>
             <a:extLst>
               <a:ext uri="{91240B29-F687-4f45-9708-019B960494DF}">
-                <a14:hiddenLine xmlns="" xmlns:a16="http://schemas.microsoft.com/office/drawing/2014/main" xmlns:a14="http://schemas.microsoft.com/office/drawing/2010/main" xmlns:p14="http://schemas.microsoft.com/office/powerpoint/2010/main" w="9525">
+                <a14:hiddenLine xmlns:p14="http://schemas.microsoft.com/office/powerpoint/2010/main" xmlns:a14="http://schemas.microsoft.com/office/drawing/2010/main" xmlns:a16="http://schemas.microsoft.com/office/drawing/2014/main" xmlns="" w="9525">
                   <a:solidFill>
                     <a:srgbClr val="000000"/>
                   </a:solidFill>
@@ -30840,7 +31006,7 @@
                   <a16:creationId xmlns:a16="http://schemas.microsoft.com/office/drawing/2014/main" id="{24C7FA73-07CD-479A-9B9E-DAD4D3B2BFC0}"/>
                 </a:ext>
                 <a:ext uri="{C183D7F6-B498-43B3-948B-1728B52AA6E4}">
-                  <adec:decorative xmlns:adec="http://schemas.microsoft.com/office/drawing/2017/decorative" val="1"/>
+                  <adec:decorative xmlns:adec="http://schemas.microsoft.com/office/drawing/2017/decorative" xmlns="" val="1"/>
                 </a:ext>
               </a:extLst>
             </p:cNvPr>
@@ -30869,7 +31035,7 @@
             </a:ln>
             <a:extLst>
               <a:ext uri="{91240B29-F687-4f45-9708-019B960494DF}">
-                <a14:hiddenLine xmlns="" xmlns:a16="http://schemas.microsoft.com/office/drawing/2014/main" xmlns:a14="http://schemas.microsoft.com/office/drawing/2010/main" xmlns:p14="http://schemas.microsoft.com/office/powerpoint/2010/main" w="9525">
+                <a14:hiddenLine xmlns:p14="http://schemas.microsoft.com/office/powerpoint/2010/main" xmlns:a14="http://schemas.microsoft.com/office/drawing/2010/main" xmlns:a16="http://schemas.microsoft.com/office/drawing/2014/main" xmlns="" w="9525">
                   <a:solidFill>
                     <a:srgbClr val="000000"/>
                   </a:solidFill>
@@ -30896,7 +31062,7 @@
                   <a16:creationId xmlns:a16="http://schemas.microsoft.com/office/drawing/2014/main" id="{AB24DF92-B081-4701-B58D-913261A00D7D}"/>
                 </a:ext>
                 <a:ext uri="{C183D7F6-B498-43B3-948B-1728B52AA6E4}">
-                  <adec:decorative xmlns:adec="http://schemas.microsoft.com/office/drawing/2017/decorative" val="1"/>
+                  <adec:decorative xmlns:adec="http://schemas.microsoft.com/office/drawing/2017/decorative" xmlns="" val="1"/>
                 </a:ext>
               </a:extLst>
             </p:cNvPr>
@@ -30981,7 +31147,7 @@
             </a:ln>
             <a:extLst>
               <a:ext uri="{91240B29-F687-4f45-9708-019B960494DF}">
-                <a14:hiddenLine xmlns="" xmlns:a16="http://schemas.microsoft.com/office/drawing/2014/main" xmlns:a14="http://schemas.microsoft.com/office/drawing/2010/main" xmlns:p14="http://schemas.microsoft.com/office/powerpoint/2010/main" w="9525">
+                <a14:hiddenLine xmlns:p14="http://schemas.microsoft.com/office/powerpoint/2010/main" xmlns:a14="http://schemas.microsoft.com/office/drawing/2010/main" xmlns:a16="http://schemas.microsoft.com/office/drawing/2014/main" xmlns="" w="9525">
                   <a:solidFill>
                     <a:srgbClr val="000000"/>
                   </a:solidFill>
@@ -31008,7 +31174,7 @@
                   <a16:creationId xmlns:a16="http://schemas.microsoft.com/office/drawing/2014/main" id="{AB4DF275-6B82-4AA9-A7A9-138E631E30B7}"/>
                 </a:ext>
                 <a:ext uri="{C183D7F6-B498-43B3-948B-1728B52AA6E4}">
-                  <adec:decorative xmlns:adec="http://schemas.microsoft.com/office/drawing/2017/decorative" val="1"/>
+                  <adec:decorative xmlns:adec="http://schemas.microsoft.com/office/drawing/2017/decorative" xmlns="" val="1"/>
                 </a:ext>
               </a:extLst>
             </p:cNvPr>
@@ -31065,7 +31231,7 @@
             </a:ln>
             <a:extLst>
               <a:ext uri="{91240B29-F687-4f45-9708-019B960494DF}">
-                <a14:hiddenLine xmlns="" xmlns:a16="http://schemas.microsoft.com/office/drawing/2014/main" xmlns:a14="http://schemas.microsoft.com/office/drawing/2010/main" xmlns:p14="http://schemas.microsoft.com/office/powerpoint/2010/main" w="9525">
+                <a14:hiddenLine xmlns:p14="http://schemas.microsoft.com/office/powerpoint/2010/main" xmlns:a14="http://schemas.microsoft.com/office/drawing/2010/main" xmlns:a16="http://schemas.microsoft.com/office/drawing/2014/main" xmlns="" w="9525">
                   <a:solidFill>
                     <a:srgbClr val="000000"/>
                   </a:solidFill>
@@ -31092,7 +31258,7 @@
                   <a16:creationId xmlns:a16="http://schemas.microsoft.com/office/drawing/2014/main" id="{972A3812-16AD-453E-B1E6-9F39894F79AB}"/>
                 </a:ext>
                 <a:ext uri="{C183D7F6-B498-43B3-948B-1728B52AA6E4}">
-                  <adec:decorative xmlns:adec="http://schemas.microsoft.com/office/drawing/2017/decorative" val="1"/>
+                  <adec:decorative xmlns:adec="http://schemas.microsoft.com/office/drawing/2017/decorative" xmlns="" val="1"/>
                 </a:ext>
               </a:extLst>
             </p:cNvPr>
@@ -31149,7 +31315,7 @@
             </a:ln>
             <a:extLst>
               <a:ext uri="{91240B29-F687-4f45-9708-019B960494DF}">
-                <a14:hiddenLine xmlns="" xmlns:a16="http://schemas.microsoft.com/office/drawing/2014/main" xmlns:a14="http://schemas.microsoft.com/office/drawing/2010/main" xmlns:p14="http://schemas.microsoft.com/office/powerpoint/2010/main" w="9525">
+                <a14:hiddenLine xmlns:p14="http://schemas.microsoft.com/office/powerpoint/2010/main" xmlns:a14="http://schemas.microsoft.com/office/drawing/2010/main" xmlns:a16="http://schemas.microsoft.com/office/drawing/2014/main" xmlns="" w="9525">
                   <a:solidFill>
                     <a:srgbClr val="000000"/>
                   </a:solidFill>
@@ -31176,7 +31342,7 @@
                   <a16:creationId xmlns:a16="http://schemas.microsoft.com/office/drawing/2014/main" id="{8FB6759A-BAD8-4073-86A2-6DDD73DE2AF2}"/>
                 </a:ext>
                 <a:ext uri="{C183D7F6-B498-43B3-948B-1728B52AA6E4}">
-                  <adec:decorative xmlns:adec="http://schemas.microsoft.com/office/drawing/2017/decorative" val="1"/>
+                  <adec:decorative xmlns:adec="http://schemas.microsoft.com/office/drawing/2017/decorative" xmlns="" val="1"/>
                 </a:ext>
               </a:extLst>
             </p:cNvPr>
@@ -31261,7 +31427,7 @@
             </a:ln>
             <a:extLst>
               <a:ext uri="{91240B29-F687-4f45-9708-019B960494DF}">
-                <a14:hiddenLine xmlns="" xmlns:a16="http://schemas.microsoft.com/office/drawing/2014/main" xmlns:a14="http://schemas.microsoft.com/office/drawing/2010/main" xmlns:p14="http://schemas.microsoft.com/office/powerpoint/2010/main" w="9525">
+                <a14:hiddenLine xmlns:p14="http://schemas.microsoft.com/office/powerpoint/2010/main" xmlns:a14="http://schemas.microsoft.com/office/drawing/2010/main" xmlns:a16="http://schemas.microsoft.com/office/drawing/2014/main" xmlns="" w="9525">
                   <a:solidFill>
                     <a:srgbClr val="000000"/>
                   </a:solidFill>
@@ -31288,7 +31454,7 @@
                   <a16:creationId xmlns:a16="http://schemas.microsoft.com/office/drawing/2014/main" id="{9FCCB0F4-1178-47C1-9EE2-234EA715C16F}"/>
                 </a:ext>
                 <a:ext uri="{C183D7F6-B498-43B3-948B-1728B52AA6E4}">
-                  <adec:decorative xmlns:adec="http://schemas.microsoft.com/office/drawing/2017/decorative" val="1"/>
+                  <adec:decorative xmlns:adec="http://schemas.microsoft.com/office/drawing/2017/decorative" xmlns="" val="1"/>
                 </a:ext>
               </a:extLst>
             </p:cNvPr>
@@ -31351,7 +31517,7 @@
             </a:ln>
             <a:extLst>
               <a:ext uri="{91240B29-F687-4f45-9708-019B960494DF}">
-                <a14:hiddenLine xmlns="" xmlns:a16="http://schemas.microsoft.com/office/drawing/2014/main" xmlns:a14="http://schemas.microsoft.com/office/drawing/2010/main" xmlns:p14="http://schemas.microsoft.com/office/powerpoint/2010/main" w="9525">
+                <a14:hiddenLine xmlns:p14="http://schemas.microsoft.com/office/powerpoint/2010/main" xmlns:a14="http://schemas.microsoft.com/office/drawing/2010/main" xmlns:a16="http://schemas.microsoft.com/office/drawing/2014/main" xmlns="" w="9525">
                   <a:solidFill>
                     <a:srgbClr val="000000"/>
                   </a:solidFill>
@@ -31378,7 +31544,7 @@
                   <a16:creationId xmlns:a16="http://schemas.microsoft.com/office/drawing/2014/main" id="{CB01BF0B-7EB0-4C18-80BE-20D2EAC04865}"/>
                 </a:ext>
                 <a:ext uri="{C183D7F6-B498-43B3-948B-1728B52AA6E4}">
-                  <adec:decorative xmlns:adec="http://schemas.microsoft.com/office/drawing/2017/decorative" val="1"/>
+                  <adec:decorative xmlns:adec="http://schemas.microsoft.com/office/drawing/2017/decorative" xmlns="" val="1"/>
                 </a:ext>
               </a:extLst>
             </p:cNvPr>
@@ -31435,7 +31601,7 @@
             </a:ln>
             <a:extLst>
               <a:ext uri="{91240B29-F687-4f45-9708-019B960494DF}">
-                <a14:hiddenLine xmlns="" xmlns:a16="http://schemas.microsoft.com/office/drawing/2014/main" xmlns:a14="http://schemas.microsoft.com/office/drawing/2010/main" xmlns:p14="http://schemas.microsoft.com/office/powerpoint/2010/main" w="9525">
+                <a14:hiddenLine xmlns:p14="http://schemas.microsoft.com/office/powerpoint/2010/main" xmlns:a14="http://schemas.microsoft.com/office/drawing/2010/main" xmlns:a16="http://schemas.microsoft.com/office/drawing/2014/main" xmlns="" w="9525">
                   <a:solidFill>
                     <a:srgbClr val="000000"/>
                   </a:solidFill>
@@ -31462,7 +31628,7 @@
                   <a16:creationId xmlns:a16="http://schemas.microsoft.com/office/drawing/2014/main" id="{3266E9DA-C937-48E0-8F98-90A467760F12}"/>
                 </a:ext>
                 <a:ext uri="{C183D7F6-B498-43B3-948B-1728B52AA6E4}">
-                  <adec:decorative xmlns:adec="http://schemas.microsoft.com/office/drawing/2017/decorative" val="1"/>
+                  <adec:decorative xmlns:adec="http://schemas.microsoft.com/office/drawing/2017/decorative" xmlns="" val="1"/>
                 </a:ext>
               </a:extLst>
             </p:cNvPr>
@@ -31547,7 +31713,7 @@
             </a:ln>
             <a:extLst>
               <a:ext uri="{91240B29-F687-4f45-9708-019B960494DF}">
-                <a14:hiddenLine xmlns="" xmlns:a16="http://schemas.microsoft.com/office/drawing/2014/main" xmlns:a14="http://schemas.microsoft.com/office/drawing/2010/main" xmlns:p14="http://schemas.microsoft.com/office/powerpoint/2010/main" w="9525">
+                <a14:hiddenLine xmlns:p14="http://schemas.microsoft.com/office/powerpoint/2010/main" xmlns:a14="http://schemas.microsoft.com/office/drawing/2010/main" xmlns:a16="http://schemas.microsoft.com/office/drawing/2014/main" xmlns="" w="9525">
                   <a:solidFill>
                     <a:srgbClr val="000000"/>
                   </a:solidFill>
@@ -31574,7 +31740,7 @@
                   <a16:creationId xmlns:a16="http://schemas.microsoft.com/office/drawing/2014/main" id="{A8A9C00D-0425-4E68-A1DE-BCE5BD6BBDE5}"/>
                 </a:ext>
                 <a:ext uri="{C183D7F6-B498-43B3-948B-1728B52AA6E4}">
-                  <adec:decorative xmlns:adec="http://schemas.microsoft.com/office/drawing/2017/decorative" val="1"/>
+                  <adec:decorative xmlns:adec="http://schemas.microsoft.com/office/drawing/2017/decorative" xmlns="" val="1"/>
                 </a:ext>
               </a:extLst>
             </p:cNvPr>
@@ -31631,7 +31797,7 @@
             </a:ln>
             <a:extLst>
               <a:ext uri="{91240B29-F687-4f45-9708-019B960494DF}">
-                <a14:hiddenLine xmlns="" xmlns:a16="http://schemas.microsoft.com/office/drawing/2014/main" xmlns:a14="http://schemas.microsoft.com/office/drawing/2010/main" xmlns:p14="http://schemas.microsoft.com/office/powerpoint/2010/main" w="9525">
+                <a14:hiddenLine xmlns:p14="http://schemas.microsoft.com/office/powerpoint/2010/main" xmlns:a14="http://schemas.microsoft.com/office/drawing/2010/main" xmlns:a16="http://schemas.microsoft.com/office/drawing/2014/main" xmlns="" w="9525">
                   <a:solidFill>
                     <a:srgbClr val="000000"/>
                   </a:solidFill>
@@ -31658,7 +31824,7 @@
                   <a16:creationId xmlns:a16="http://schemas.microsoft.com/office/drawing/2014/main" id="{46230904-E744-4B55-84FF-826A6B737BF9}"/>
                 </a:ext>
                 <a:ext uri="{C183D7F6-B498-43B3-948B-1728B52AA6E4}">
-                  <adec:decorative xmlns:adec="http://schemas.microsoft.com/office/drawing/2017/decorative" val="1"/>
+                  <adec:decorative xmlns:adec="http://schemas.microsoft.com/office/drawing/2017/decorative" xmlns="" val="1"/>
                 </a:ext>
               </a:extLst>
             </p:cNvPr>
@@ -31743,7 +31909,7 @@
             </a:ln>
             <a:extLst>
               <a:ext uri="{91240B29-F687-4f45-9708-019B960494DF}">
-                <a14:hiddenLine xmlns="" xmlns:a16="http://schemas.microsoft.com/office/drawing/2014/main" xmlns:a14="http://schemas.microsoft.com/office/drawing/2010/main" xmlns:p14="http://schemas.microsoft.com/office/powerpoint/2010/main" w="9525">
+                <a14:hiddenLine xmlns:p14="http://schemas.microsoft.com/office/powerpoint/2010/main" xmlns:a14="http://schemas.microsoft.com/office/drawing/2010/main" xmlns:a16="http://schemas.microsoft.com/office/drawing/2014/main" xmlns="" w="9525">
                   <a:solidFill>
                     <a:srgbClr val="000000"/>
                   </a:solidFill>
@@ -31770,7 +31936,7 @@
                   <a16:creationId xmlns:a16="http://schemas.microsoft.com/office/drawing/2014/main" id="{D4291668-8AF0-4784-BC06-870768F53F41}"/>
                 </a:ext>
                 <a:ext uri="{C183D7F6-B498-43B3-948B-1728B52AA6E4}">
-                  <adec:decorative xmlns:adec="http://schemas.microsoft.com/office/drawing/2017/decorative" val="1"/>
+                  <adec:decorative xmlns:adec="http://schemas.microsoft.com/office/drawing/2017/decorative" xmlns="" val="1"/>
                 </a:ext>
               </a:extLst>
             </p:cNvPr>
@@ -31827,7 +31993,7 @@
             </a:ln>
             <a:extLst>
               <a:ext uri="{91240B29-F687-4f45-9708-019B960494DF}">
-                <a14:hiddenLine xmlns="" xmlns:a16="http://schemas.microsoft.com/office/drawing/2014/main" xmlns:a14="http://schemas.microsoft.com/office/drawing/2010/main" xmlns:p14="http://schemas.microsoft.com/office/powerpoint/2010/main" w="9525">
+                <a14:hiddenLine xmlns:p14="http://schemas.microsoft.com/office/powerpoint/2010/main" xmlns:a14="http://schemas.microsoft.com/office/drawing/2010/main" xmlns:a16="http://schemas.microsoft.com/office/drawing/2014/main" xmlns="" w="9525">
                   <a:solidFill>
                     <a:srgbClr val="000000"/>
                   </a:solidFill>
@@ -31854,7 +32020,7 @@
                   <a16:creationId xmlns:a16="http://schemas.microsoft.com/office/drawing/2014/main" id="{D917DCBD-774B-4AAF-92AE-D18289FFC4D5}"/>
                 </a:ext>
                 <a:ext uri="{C183D7F6-B498-43B3-948B-1728B52AA6E4}">
-                  <adec:decorative xmlns:adec="http://schemas.microsoft.com/office/drawing/2017/decorative" val="1"/>
+                  <adec:decorative xmlns:adec="http://schemas.microsoft.com/office/drawing/2017/decorative" xmlns="" val="1"/>
                 </a:ext>
               </a:extLst>
             </p:cNvPr>
@@ -31939,7 +32105,7 @@
             </a:ln>
             <a:extLst>
               <a:ext uri="{91240B29-F687-4f45-9708-019B960494DF}">
-                <a14:hiddenLine xmlns="" xmlns:a16="http://schemas.microsoft.com/office/drawing/2014/main" xmlns:a14="http://schemas.microsoft.com/office/drawing/2010/main" xmlns:p14="http://schemas.microsoft.com/office/powerpoint/2010/main" w="9525">
+                <a14:hiddenLine xmlns:p14="http://schemas.microsoft.com/office/powerpoint/2010/main" xmlns:a14="http://schemas.microsoft.com/office/drawing/2010/main" xmlns:a16="http://schemas.microsoft.com/office/drawing/2014/main" xmlns="" w="9525">
                   <a:solidFill>
                     <a:srgbClr val="000000"/>
                   </a:solidFill>
@@ -31966,7 +32132,7 @@
                   <a16:creationId xmlns:a16="http://schemas.microsoft.com/office/drawing/2014/main" id="{9E50122E-0F19-4D65-9CB2-E22C3EA84ACD}"/>
                 </a:ext>
                 <a:ext uri="{C183D7F6-B498-43B3-948B-1728B52AA6E4}">
-                  <adec:decorative xmlns:adec="http://schemas.microsoft.com/office/drawing/2017/decorative" val="1"/>
+                  <adec:decorative xmlns:adec="http://schemas.microsoft.com/office/drawing/2017/decorative" xmlns="" val="1"/>
                 </a:ext>
               </a:extLst>
             </p:cNvPr>
@@ -31995,7 +32161,7 @@
             </a:ln>
             <a:extLst>
               <a:ext uri="{91240B29-F687-4f45-9708-019B960494DF}">
-                <a14:hiddenLine xmlns="" xmlns:a16="http://schemas.microsoft.com/office/drawing/2014/main" xmlns:a14="http://schemas.microsoft.com/office/drawing/2010/main" xmlns:p14="http://schemas.microsoft.com/office/powerpoint/2010/main" w="9525">
+                <a14:hiddenLine xmlns:p14="http://schemas.microsoft.com/office/powerpoint/2010/main" xmlns:a14="http://schemas.microsoft.com/office/drawing/2010/main" xmlns:a16="http://schemas.microsoft.com/office/drawing/2014/main" xmlns="" w="9525">
                   <a:solidFill>
                     <a:srgbClr val="000000"/>
                   </a:solidFill>
@@ -32022,7 +32188,7 @@
                   <a16:creationId xmlns:a16="http://schemas.microsoft.com/office/drawing/2014/main" id="{BC28A765-6E8B-4352-BD0C-35474F70AC8E}"/>
                 </a:ext>
                 <a:ext uri="{C183D7F6-B498-43B3-948B-1728B52AA6E4}">
-                  <adec:decorative xmlns:adec="http://schemas.microsoft.com/office/drawing/2017/decorative" val="1"/>
+                  <adec:decorative xmlns:adec="http://schemas.microsoft.com/office/drawing/2017/decorative" xmlns="" val="1"/>
                 </a:ext>
               </a:extLst>
             </p:cNvPr>
@@ -32082,7 +32248,7 @@
             </a:ln>
             <a:extLst>
               <a:ext uri="{91240B29-F687-4f45-9708-019B960494DF}">
-                <a14:hiddenLine xmlns="" xmlns:a16="http://schemas.microsoft.com/office/drawing/2014/main" xmlns:a14="http://schemas.microsoft.com/office/drawing/2010/main" xmlns:p14="http://schemas.microsoft.com/office/powerpoint/2010/main" w="9525">
+                <a14:hiddenLine xmlns:p14="http://schemas.microsoft.com/office/powerpoint/2010/main" xmlns:a14="http://schemas.microsoft.com/office/drawing/2010/main" xmlns:a16="http://schemas.microsoft.com/office/drawing/2014/main" xmlns="" w="9525">
                   <a:solidFill>
                     <a:srgbClr val="000000"/>
                   </a:solidFill>
@@ -32109,7 +32275,7 @@
                   <a16:creationId xmlns:a16="http://schemas.microsoft.com/office/drawing/2014/main" id="{0AC30A17-F494-44EB-9817-1B8B255CE463}"/>
                 </a:ext>
                 <a:ext uri="{C183D7F6-B498-43B3-948B-1728B52AA6E4}">
-                  <adec:decorative xmlns:adec="http://schemas.microsoft.com/office/drawing/2017/decorative" val="1"/>
+                  <adec:decorative xmlns:adec="http://schemas.microsoft.com/office/drawing/2017/decorative" xmlns="" val="1"/>
                 </a:ext>
               </a:extLst>
             </p:cNvPr>
@@ -32194,7 +32360,7 @@
             </a:ln>
             <a:extLst>
               <a:ext uri="{91240B29-F687-4f45-9708-019B960494DF}">
-                <a14:hiddenLine xmlns="" xmlns:a16="http://schemas.microsoft.com/office/drawing/2014/main" xmlns:a14="http://schemas.microsoft.com/office/drawing/2010/main" xmlns:p14="http://schemas.microsoft.com/office/powerpoint/2010/main" w="9525">
+                <a14:hiddenLine xmlns:p14="http://schemas.microsoft.com/office/powerpoint/2010/main" xmlns:a14="http://schemas.microsoft.com/office/drawing/2010/main" xmlns:a16="http://schemas.microsoft.com/office/drawing/2014/main" xmlns="" w="9525">
                   <a:solidFill>
                     <a:srgbClr val="000000"/>
                   </a:solidFill>
@@ -32221,7 +32387,7 @@
                   <a16:creationId xmlns:a16="http://schemas.microsoft.com/office/drawing/2014/main" id="{6088D59F-32BD-4932-9C22-9AA0FCDA74AD}"/>
                 </a:ext>
                 <a:ext uri="{C183D7F6-B498-43B3-948B-1728B52AA6E4}">
-                  <adec:decorative xmlns:adec="http://schemas.microsoft.com/office/drawing/2017/decorative" val="1"/>
+                  <adec:decorative xmlns:adec="http://schemas.microsoft.com/office/drawing/2017/decorative" xmlns="" val="1"/>
                 </a:ext>
               </a:extLst>
             </p:cNvPr>
@@ -32278,7 +32444,7 @@
             </a:ln>
             <a:extLst>
               <a:ext uri="{91240B29-F687-4f45-9708-019B960494DF}">
-                <a14:hiddenLine xmlns="" xmlns:a16="http://schemas.microsoft.com/office/drawing/2014/main" xmlns:a14="http://schemas.microsoft.com/office/drawing/2010/main" xmlns:p14="http://schemas.microsoft.com/office/powerpoint/2010/main" w="9525">
+                <a14:hiddenLine xmlns:p14="http://schemas.microsoft.com/office/powerpoint/2010/main" xmlns:a14="http://schemas.microsoft.com/office/drawing/2010/main" xmlns:a16="http://schemas.microsoft.com/office/drawing/2014/main" xmlns="" w="9525">
                   <a:solidFill>
                     <a:srgbClr val="000000"/>
                   </a:solidFill>
@@ -32305,7 +32471,7 @@
                   <a16:creationId xmlns:a16="http://schemas.microsoft.com/office/drawing/2014/main" id="{B18BBE45-5F21-47FA-B291-AC802D71556A}"/>
                 </a:ext>
                 <a:ext uri="{C183D7F6-B498-43B3-948B-1728B52AA6E4}">
-                  <adec:decorative xmlns:adec="http://schemas.microsoft.com/office/drawing/2017/decorative" val="1"/>
+                  <adec:decorative xmlns:adec="http://schemas.microsoft.com/office/drawing/2017/decorative" xmlns="" val="1"/>
                 </a:ext>
               </a:extLst>
             </p:cNvPr>
@@ -32390,7 +32556,7 @@
             </a:ln>
             <a:extLst>
               <a:ext uri="{91240B29-F687-4f45-9708-019B960494DF}">
-                <a14:hiddenLine xmlns="" xmlns:a16="http://schemas.microsoft.com/office/drawing/2014/main" xmlns:a14="http://schemas.microsoft.com/office/drawing/2010/main" xmlns:p14="http://schemas.microsoft.com/office/powerpoint/2010/main" w="9525">
+                <a14:hiddenLine xmlns:p14="http://schemas.microsoft.com/office/powerpoint/2010/main" xmlns:a14="http://schemas.microsoft.com/office/drawing/2010/main" xmlns:a16="http://schemas.microsoft.com/office/drawing/2014/main" xmlns="" w="9525">
                   <a:solidFill>
                     <a:srgbClr val="000000"/>
                   </a:solidFill>
@@ -32417,7 +32583,7 @@
                   <a16:creationId xmlns:a16="http://schemas.microsoft.com/office/drawing/2014/main" id="{A1BD992D-1C4B-4E69-A627-A45D8958E0D3}"/>
                 </a:ext>
                 <a:ext uri="{C183D7F6-B498-43B3-948B-1728B52AA6E4}">
-                  <adec:decorative xmlns:adec="http://schemas.microsoft.com/office/drawing/2017/decorative" val="1"/>
+                  <adec:decorative xmlns:adec="http://schemas.microsoft.com/office/drawing/2017/decorative" xmlns="" val="1"/>
                 </a:ext>
               </a:extLst>
             </p:cNvPr>
@@ -32502,7 +32668,7 @@
             </a:ln>
             <a:extLst>
               <a:ext uri="{91240B29-F687-4f45-9708-019B960494DF}">
-                <a14:hiddenLine xmlns="" xmlns:a16="http://schemas.microsoft.com/office/drawing/2014/main" xmlns:a14="http://schemas.microsoft.com/office/drawing/2010/main" xmlns:p14="http://schemas.microsoft.com/office/powerpoint/2010/main" w="9525">
+                <a14:hiddenLine xmlns:p14="http://schemas.microsoft.com/office/powerpoint/2010/main" xmlns:a14="http://schemas.microsoft.com/office/drawing/2010/main" xmlns:a16="http://schemas.microsoft.com/office/drawing/2014/main" xmlns="" w="9525">
                   <a:solidFill>
                     <a:srgbClr val="000000"/>
                   </a:solidFill>
@@ -32529,7 +32695,7 @@
                   <a16:creationId xmlns:a16="http://schemas.microsoft.com/office/drawing/2014/main" id="{571C0498-7105-455E-8B0A-233F850F18E3}"/>
                 </a:ext>
                 <a:ext uri="{C183D7F6-B498-43B3-948B-1728B52AA6E4}">
-                  <adec:decorative xmlns:adec="http://schemas.microsoft.com/office/drawing/2017/decorative" val="1"/>
+                  <adec:decorative xmlns:adec="http://schemas.microsoft.com/office/drawing/2017/decorative" xmlns="" val="1"/>
                 </a:ext>
               </a:extLst>
             </p:cNvPr>
@@ -32589,7 +32755,7 @@
             </a:ln>
             <a:extLst>
               <a:ext uri="{91240B29-F687-4f45-9708-019B960494DF}">
-                <a14:hiddenLine xmlns="" xmlns:a16="http://schemas.microsoft.com/office/drawing/2014/main" xmlns:a14="http://schemas.microsoft.com/office/drawing/2010/main" xmlns:p14="http://schemas.microsoft.com/office/powerpoint/2010/main" w="9525">
+                <a14:hiddenLine xmlns:p14="http://schemas.microsoft.com/office/powerpoint/2010/main" xmlns:a14="http://schemas.microsoft.com/office/drawing/2010/main" xmlns:a16="http://schemas.microsoft.com/office/drawing/2014/main" xmlns="" w="9525">
                   <a:solidFill>
                     <a:srgbClr val="000000"/>
                   </a:solidFill>
@@ -32616,7 +32782,7 @@
                   <a16:creationId xmlns:a16="http://schemas.microsoft.com/office/drawing/2014/main" id="{F6FA78CC-C0B1-422F-B535-05580A9716A0}"/>
                 </a:ext>
                 <a:ext uri="{C183D7F6-B498-43B3-948B-1728B52AA6E4}">
-                  <adec:decorative xmlns:adec="http://schemas.microsoft.com/office/drawing/2017/decorative" val="1"/>
+                  <adec:decorative xmlns:adec="http://schemas.microsoft.com/office/drawing/2017/decorative" xmlns="" val="1"/>
                 </a:ext>
               </a:extLst>
             </p:cNvPr>
@@ -32673,7 +32839,7 @@
             </a:ln>
             <a:extLst>
               <a:ext uri="{91240B29-F687-4f45-9708-019B960494DF}">
-                <a14:hiddenLine xmlns="" xmlns:a16="http://schemas.microsoft.com/office/drawing/2014/main" xmlns:a14="http://schemas.microsoft.com/office/drawing/2010/main" xmlns:p14="http://schemas.microsoft.com/office/powerpoint/2010/main" w="9525">
+                <a14:hiddenLine xmlns:p14="http://schemas.microsoft.com/office/powerpoint/2010/main" xmlns:a14="http://schemas.microsoft.com/office/drawing/2010/main" xmlns:a16="http://schemas.microsoft.com/office/drawing/2014/main" xmlns="" w="9525">
                   <a:solidFill>
                     <a:srgbClr val="000000"/>
                   </a:solidFill>
@@ -32700,7 +32866,7 @@
                   <a16:creationId xmlns:a16="http://schemas.microsoft.com/office/drawing/2014/main" id="{49A1BACF-EE5E-46F8-8968-D4CF18BC0112}"/>
                 </a:ext>
                 <a:ext uri="{C183D7F6-B498-43B3-948B-1728B52AA6E4}">
-                  <adec:decorative xmlns:adec="http://schemas.microsoft.com/office/drawing/2017/decorative" val="1"/>
+                  <adec:decorative xmlns:adec="http://schemas.microsoft.com/office/drawing/2017/decorative" xmlns="" val="1"/>
                 </a:ext>
               </a:extLst>
             </p:cNvPr>
@@ -32785,7 +32951,7 @@
             </a:ln>
             <a:extLst>
               <a:ext uri="{91240B29-F687-4f45-9708-019B960494DF}">
-                <a14:hiddenLine xmlns="" xmlns:a16="http://schemas.microsoft.com/office/drawing/2014/main" xmlns:a14="http://schemas.microsoft.com/office/drawing/2010/main" xmlns:p14="http://schemas.microsoft.com/office/powerpoint/2010/main" w="9525">
+                <a14:hiddenLine xmlns:p14="http://schemas.microsoft.com/office/powerpoint/2010/main" xmlns:a14="http://schemas.microsoft.com/office/drawing/2010/main" xmlns:a16="http://schemas.microsoft.com/office/drawing/2014/main" xmlns="" w="9525">
                   <a:solidFill>
                     <a:srgbClr val="000000"/>
                   </a:solidFill>
@@ -32812,7 +32978,7 @@
                   <a16:creationId xmlns:a16="http://schemas.microsoft.com/office/drawing/2014/main" id="{0AF8DFAF-8AF7-453E-AED7-89E59FBD7DB5}"/>
                 </a:ext>
                 <a:ext uri="{C183D7F6-B498-43B3-948B-1728B52AA6E4}">
-                  <adec:decorative xmlns:adec="http://schemas.microsoft.com/office/drawing/2017/decorative" val="1"/>
+                  <adec:decorative xmlns:adec="http://schemas.microsoft.com/office/drawing/2017/decorative" xmlns="" val="1"/>
                 </a:ext>
               </a:extLst>
             </p:cNvPr>
@@ -32897,7 +33063,7 @@
             </a:ln>
             <a:extLst>
               <a:ext uri="{91240B29-F687-4f45-9708-019B960494DF}">
-                <a14:hiddenLine xmlns="" xmlns:a16="http://schemas.microsoft.com/office/drawing/2014/main" xmlns:a14="http://schemas.microsoft.com/office/drawing/2010/main" xmlns:p14="http://schemas.microsoft.com/office/powerpoint/2010/main" w="9525">
+                <a14:hiddenLine xmlns:p14="http://schemas.microsoft.com/office/powerpoint/2010/main" xmlns:a14="http://schemas.microsoft.com/office/drawing/2010/main" xmlns:a16="http://schemas.microsoft.com/office/drawing/2014/main" xmlns="" w="9525">
                   <a:solidFill>
                     <a:srgbClr val="000000"/>
                   </a:solidFill>
@@ -32924,7 +33090,7 @@
                   <a16:creationId xmlns:a16="http://schemas.microsoft.com/office/drawing/2014/main" id="{F8C26D97-8DA4-4556-92E4-2AE66B365B9C}"/>
                 </a:ext>
                 <a:ext uri="{C183D7F6-B498-43B3-948B-1728B52AA6E4}">
-                  <adec:decorative xmlns:adec="http://schemas.microsoft.com/office/drawing/2017/decorative" val="1"/>
+                  <adec:decorative xmlns:adec="http://schemas.microsoft.com/office/drawing/2017/decorative" xmlns="" val="1"/>
                 </a:ext>
               </a:extLst>
             </p:cNvPr>
@@ -32981,7 +33147,7 @@
             </a:ln>
             <a:extLst>
               <a:ext uri="{91240B29-F687-4f45-9708-019B960494DF}">
-                <a14:hiddenLine xmlns="" xmlns:a16="http://schemas.microsoft.com/office/drawing/2014/main" xmlns:a14="http://schemas.microsoft.com/office/drawing/2010/main" xmlns:p14="http://schemas.microsoft.com/office/powerpoint/2010/main" w="9525">
+                <a14:hiddenLine xmlns:p14="http://schemas.microsoft.com/office/powerpoint/2010/main" xmlns:a14="http://schemas.microsoft.com/office/drawing/2010/main" xmlns:a16="http://schemas.microsoft.com/office/drawing/2014/main" xmlns="" w="9525">
                   <a:solidFill>
                     <a:srgbClr val="000000"/>
                   </a:solidFill>
@@ -33008,7 +33174,7 @@
                   <a16:creationId xmlns:a16="http://schemas.microsoft.com/office/drawing/2014/main" id="{EEF9D855-A8A7-44CC-919C-BEA327F2542B}"/>
                 </a:ext>
                 <a:ext uri="{C183D7F6-B498-43B3-948B-1728B52AA6E4}">
-                  <adec:decorative xmlns:adec="http://schemas.microsoft.com/office/drawing/2017/decorative" val="1"/>
+                  <adec:decorative xmlns:adec="http://schemas.microsoft.com/office/drawing/2017/decorative" xmlns="" val="1"/>
                 </a:ext>
               </a:extLst>
             </p:cNvPr>
@@ -33123,7 +33289,7 @@
             </a:ln>
             <a:extLst>
               <a:ext uri="{91240B29-F687-4f45-9708-019B960494DF}">
-                <a14:hiddenLine xmlns="" xmlns:a16="http://schemas.microsoft.com/office/drawing/2014/main" xmlns:a14="http://schemas.microsoft.com/office/drawing/2010/main" xmlns:p14="http://schemas.microsoft.com/office/powerpoint/2010/main" w="9525">
+                <a14:hiddenLine xmlns:p14="http://schemas.microsoft.com/office/powerpoint/2010/main" xmlns:a14="http://schemas.microsoft.com/office/drawing/2010/main" xmlns:a16="http://schemas.microsoft.com/office/drawing/2014/main" xmlns="" w="9525">
                   <a:solidFill>
                     <a:srgbClr val="000000"/>
                   </a:solidFill>
@@ -33150,7 +33316,7 @@
                   <a16:creationId xmlns:a16="http://schemas.microsoft.com/office/drawing/2014/main" id="{11F0B045-803C-4067-A182-066EEB2C4F9C}"/>
                 </a:ext>
                 <a:ext uri="{C183D7F6-B498-43B3-948B-1728B52AA6E4}">
-                  <adec:decorative xmlns:adec="http://schemas.microsoft.com/office/drawing/2017/decorative" val="1"/>
+                  <adec:decorative xmlns:adec="http://schemas.microsoft.com/office/drawing/2017/decorative" xmlns="" val="1"/>
                 </a:ext>
               </a:extLst>
             </p:cNvPr>
@@ -33213,7 +33379,7 @@
             </a:ln>
             <a:extLst>
               <a:ext uri="{91240B29-F687-4f45-9708-019B960494DF}">
-                <a14:hiddenLine xmlns="" xmlns:a16="http://schemas.microsoft.com/office/drawing/2014/main" xmlns:a14="http://schemas.microsoft.com/office/drawing/2010/main" xmlns:p14="http://schemas.microsoft.com/office/powerpoint/2010/main" w="9525">
+                <a14:hiddenLine xmlns:p14="http://schemas.microsoft.com/office/powerpoint/2010/main" xmlns:a14="http://schemas.microsoft.com/office/drawing/2010/main" xmlns:a16="http://schemas.microsoft.com/office/drawing/2014/main" xmlns="" w="9525">
                   <a:solidFill>
                     <a:srgbClr val="000000"/>
                   </a:solidFill>
@@ -33240,7 +33406,7 @@
                   <a16:creationId xmlns:a16="http://schemas.microsoft.com/office/drawing/2014/main" id="{3C1FCACB-EFEF-4B54-99A6-E327A637C25B}"/>
                 </a:ext>
                 <a:ext uri="{C183D7F6-B498-43B3-948B-1728B52AA6E4}">
-                  <adec:decorative xmlns:adec="http://schemas.microsoft.com/office/drawing/2017/decorative" val="1"/>
+                  <adec:decorative xmlns:adec="http://schemas.microsoft.com/office/drawing/2017/decorative" xmlns="" val="1"/>
                 </a:ext>
               </a:extLst>
             </p:cNvPr>
@@ -33325,7 +33491,7 @@
             </a:ln>
             <a:extLst>
               <a:ext uri="{91240B29-F687-4f45-9708-019B960494DF}">
-                <a14:hiddenLine xmlns="" xmlns:a16="http://schemas.microsoft.com/office/drawing/2014/main" xmlns:a14="http://schemas.microsoft.com/office/drawing/2010/main" xmlns:p14="http://schemas.microsoft.com/office/powerpoint/2010/main" w="9525">
+                <a14:hiddenLine xmlns:p14="http://schemas.microsoft.com/office/powerpoint/2010/main" xmlns:a14="http://schemas.microsoft.com/office/drawing/2010/main" xmlns:a16="http://schemas.microsoft.com/office/drawing/2014/main" xmlns="" w="9525">
                   <a:solidFill>
                     <a:srgbClr val="000000"/>
                   </a:solidFill>
@@ -33353,7 +33519,7 @@
                 <a16:creationId xmlns:a16="http://schemas.microsoft.com/office/drawing/2014/main" id="{AD579530-1077-46B3-BD5C-81BB270A1D5B}"/>
               </a:ext>
               <a:ext uri="{C183D7F6-B498-43B3-948B-1728B52AA6E4}">
-                <adec:decorative xmlns:adec="http://schemas.microsoft.com/office/drawing/2017/decorative" val="1"/>
+                <adec:decorative xmlns:adec="http://schemas.microsoft.com/office/drawing/2017/decorative" xmlns="" val="1"/>
               </a:ext>
             </a:extLst>
           </p:cNvPr>
@@ -33384,7 +33550,7 @@
                   <a16:creationId xmlns:a16="http://schemas.microsoft.com/office/drawing/2014/main" id="{ACBB106A-B366-4349-B59F-E8FBDADD82AC}"/>
                 </a:ext>
                 <a:ext uri="{C183D7F6-B498-43B3-948B-1728B52AA6E4}">
-                  <adec:decorative xmlns:adec="http://schemas.microsoft.com/office/drawing/2017/decorative" val="1"/>
+                  <adec:decorative xmlns:adec="http://schemas.microsoft.com/office/drawing/2017/decorative" xmlns="" val="1"/>
                 </a:ext>
               </a:extLst>
             </p:cNvPr>
@@ -33442,7 +33608,7 @@
                   <a16:creationId xmlns:a16="http://schemas.microsoft.com/office/drawing/2014/main" id="{113FC03B-24E4-4A3F-9626-CC7F6356BC9E}"/>
                 </a:ext>
                 <a:ext uri="{C183D7F6-B498-43B3-948B-1728B52AA6E4}">
-                  <adec:decorative xmlns:adec="http://schemas.microsoft.com/office/drawing/2017/decorative" val="1"/>
+                  <adec:decorative xmlns:adec="http://schemas.microsoft.com/office/drawing/2017/decorative" xmlns="" val="1"/>
                 </a:ext>
               </a:extLst>
             </p:cNvPr>
@@ -33489,7 +33655,7 @@
             <a:noFill/>
             <a:extLst>
               <a:ext uri="{909E8E84-426E-40dd-AFC4-6F175D3DCCD1}">
-                <a14:hiddenFill xmlns="" xmlns:a16="http://schemas.microsoft.com/office/drawing/2014/main" xmlns:a14="http://schemas.microsoft.com/office/drawing/2010/main" xmlns:p14="http://schemas.microsoft.com/office/powerpoint/2010/main">
+                <a14:hiddenFill xmlns:p14="http://schemas.microsoft.com/office/powerpoint/2010/main" xmlns:a14="http://schemas.microsoft.com/office/drawing/2010/main" xmlns:a16="http://schemas.microsoft.com/office/drawing/2014/main" xmlns="">
                   <a:solidFill>
                     <a:srgbClr val="FFFFFF"/>
                   </a:solidFill>
@@ -33539,7 +33705,7 @@
                 <a16:creationId xmlns:a16="http://schemas.microsoft.com/office/drawing/2014/main" id="{83F79A5F-63B5-4802-B39B-BF0F89DDDA15}"/>
               </a:ext>
               <a:ext uri="{C183D7F6-B498-43B3-948B-1728B52AA6E4}">
-                <adec:decorative xmlns:adec="http://schemas.microsoft.com/office/drawing/2017/decorative" val="1"/>
+                <adec:decorative xmlns:adec="http://schemas.microsoft.com/office/drawing/2017/decorative" xmlns="" val="1"/>
               </a:ext>
             </a:extLst>
           </p:cNvPr>
@@ -33570,7 +33736,7 @@
                   <a16:creationId xmlns:a16="http://schemas.microsoft.com/office/drawing/2014/main" id="{00D14BF7-A799-4EDA-8C19-CED0B8EC523E}"/>
                 </a:ext>
                 <a:ext uri="{C183D7F6-B498-43B3-948B-1728B52AA6E4}">
-                  <adec:decorative xmlns:adec="http://schemas.microsoft.com/office/drawing/2017/decorative" val="1"/>
+                  <adec:decorative xmlns:adec="http://schemas.microsoft.com/office/drawing/2017/decorative" xmlns="" val="1"/>
                 </a:ext>
               </a:extLst>
             </p:cNvPr>
@@ -33646,7 +33812,7 @@
                   <a16:creationId xmlns:a16="http://schemas.microsoft.com/office/drawing/2014/main" id="{AF292344-73C8-4E53-85C0-8CDB23EB53B9}"/>
                 </a:ext>
                 <a:ext uri="{C183D7F6-B498-43B3-948B-1728B52AA6E4}">
-                  <adec:decorative xmlns:adec="http://schemas.microsoft.com/office/drawing/2017/decorative" val="1"/>
+                  <adec:decorative xmlns:adec="http://schemas.microsoft.com/office/drawing/2017/decorative" xmlns="" val="1"/>
                 </a:ext>
               </a:extLst>
             </p:cNvPr>
@@ -33675,7 +33841,7 @@
                     <a16:creationId xmlns:a16="http://schemas.microsoft.com/office/drawing/2014/main" id="{4781E776-A0A7-4FB6-958B-8389BBA5697D}"/>
                   </a:ext>
                   <a:ext uri="{C183D7F6-B498-43B3-948B-1728B52AA6E4}">
-                    <adec:decorative xmlns:adec="http://schemas.microsoft.com/office/drawing/2017/decorative" val="1"/>
+                    <adec:decorative xmlns:adec="http://schemas.microsoft.com/office/drawing/2017/decorative" xmlns="" val="1"/>
                   </a:ext>
                 </a:extLst>
               </p:cNvPr>
@@ -33761,7 +33927,7 @@
                     <a16:creationId xmlns:a16="http://schemas.microsoft.com/office/drawing/2014/main" id="{0F004D56-F177-45BC-8965-B72DB88A0859}"/>
                   </a:ext>
                   <a:ext uri="{C183D7F6-B498-43B3-948B-1728B52AA6E4}">
-                    <adec:decorative xmlns:adec="http://schemas.microsoft.com/office/drawing/2017/decorative" val="1"/>
+                    <adec:decorative xmlns:adec="http://schemas.microsoft.com/office/drawing/2017/decorative" xmlns="" val="1"/>
                   </a:ext>
                 </a:extLst>
               </p:cNvPr>
@@ -33897,7 +34063,7 @@
                     <a16:creationId xmlns:a16="http://schemas.microsoft.com/office/drawing/2014/main" id="{5F2F1F83-817B-4678-B0AE-8FFDC49FC825}"/>
                   </a:ext>
                   <a:ext uri="{C183D7F6-B498-43B3-948B-1728B52AA6E4}">
-                    <adec:decorative xmlns:adec="http://schemas.microsoft.com/office/drawing/2017/decorative" val="1"/>
+                    <adec:decorative xmlns:adec="http://schemas.microsoft.com/office/drawing/2017/decorative" xmlns="" val="1"/>
                   </a:ext>
                 </a:extLst>
               </p:cNvPr>
@@ -34008,7 +34174,7 @@
                     <a16:creationId xmlns:a16="http://schemas.microsoft.com/office/drawing/2014/main" id="{F908EB47-32F4-4E82-BF56-FD25BB074747}"/>
                   </a:ext>
                   <a:ext uri="{C183D7F6-B498-43B3-948B-1728B52AA6E4}">
-                    <adec:decorative xmlns:adec="http://schemas.microsoft.com/office/drawing/2017/decorative" val="1"/>
+                    <adec:decorative xmlns:adec="http://schemas.microsoft.com/office/drawing/2017/decorative" xmlns="" val="1"/>
                   </a:ext>
                 </a:extLst>
               </p:cNvPr>
@@ -34097,7 +34263,7 @@
                     <a16:creationId xmlns:a16="http://schemas.microsoft.com/office/drawing/2014/main" id="{0966000D-B975-4E8A-9BF2-EACF2164050E}"/>
                   </a:ext>
                   <a:ext uri="{C183D7F6-B498-43B3-948B-1728B52AA6E4}">
-                    <adec:decorative xmlns:adec="http://schemas.microsoft.com/office/drawing/2017/decorative" val="1"/>
+                    <adec:decorative xmlns:adec="http://schemas.microsoft.com/office/drawing/2017/decorative" xmlns="" val="1"/>
                   </a:ext>
                 </a:extLst>
               </p:cNvPr>
@@ -34183,7 +34349,7 @@
                     <a16:creationId xmlns:a16="http://schemas.microsoft.com/office/drawing/2014/main" id="{A9554499-6796-4AEE-B012-34A5B9A585A6}"/>
                   </a:ext>
                   <a:ext uri="{C183D7F6-B498-43B3-948B-1728B52AA6E4}">
-                    <adec:decorative xmlns:adec="http://schemas.microsoft.com/office/drawing/2017/decorative" val="1"/>
+                    <adec:decorative xmlns:adec="http://schemas.microsoft.com/office/drawing/2017/decorative" xmlns="" val="1"/>
                   </a:ext>
                 </a:extLst>
               </p:cNvPr>
@@ -34294,7 +34460,7 @@
                     <a16:creationId xmlns:a16="http://schemas.microsoft.com/office/drawing/2014/main" id="{9DD40864-34BD-491F-B591-180E7B32C121}"/>
                   </a:ext>
                   <a:ext uri="{C183D7F6-B498-43B3-948B-1728B52AA6E4}">
-                    <adec:decorative xmlns:adec="http://schemas.microsoft.com/office/drawing/2017/decorative" val="1"/>
+                    <adec:decorative xmlns:adec="http://schemas.microsoft.com/office/drawing/2017/decorative" xmlns="" val="1"/>
                   </a:ext>
                 </a:extLst>
               </p:cNvPr>
@@ -34405,7 +34571,7 @@
                     <a16:creationId xmlns:a16="http://schemas.microsoft.com/office/drawing/2014/main" id="{2623F54C-4373-4D30-90DB-3129BDDF54AC}"/>
                   </a:ext>
                   <a:ext uri="{C183D7F6-B498-43B3-948B-1728B52AA6E4}">
-                    <adec:decorative xmlns:adec="http://schemas.microsoft.com/office/drawing/2017/decorative" val="1"/>
+                    <adec:decorative xmlns:adec="http://schemas.microsoft.com/office/drawing/2017/decorative" xmlns="" val="1"/>
                   </a:ext>
                 </a:extLst>
               </p:cNvPr>
@@ -34494,7 +34660,7 @@
                     <a16:creationId xmlns:a16="http://schemas.microsoft.com/office/drawing/2014/main" id="{1FF42884-D4B2-462F-9FA7-4FA892532245}"/>
                   </a:ext>
                   <a:ext uri="{C183D7F6-B498-43B3-948B-1728B52AA6E4}">
-                    <adec:decorative xmlns:adec="http://schemas.microsoft.com/office/drawing/2017/decorative" val="1"/>
+                    <adec:decorative xmlns:adec="http://schemas.microsoft.com/office/drawing/2017/decorative" xmlns="" val="1"/>
                   </a:ext>
                 </a:extLst>
               </p:cNvPr>
@@ -34605,7 +34771,7 @@
                     <a16:creationId xmlns:a16="http://schemas.microsoft.com/office/drawing/2014/main" id="{27F4D4BA-37F5-4D54-BDFF-733F621D5DB0}"/>
                   </a:ext>
                   <a:ext uri="{C183D7F6-B498-43B3-948B-1728B52AA6E4}">
-                    <adec:decorative xmlns:adec="http://schemas.microsoft.com/office/drawing/2017/decorative" val="1"/>
+                    <adec:decorative xmlns:adec="http://schemas.microsoft.com/office/drawing/2017/decorative" xmlns="" val="1"/>
                   </a:ext>
                 </a:extLst>
               </p:cNvPr>
@@ -34660,7 +34826,7 @@
                     <a16:creationId xmlns:a16="http://schemas.microsoft.com/office/drawing/2014/main" id="{29E4A0E5-0441-4563-A947-12A5781105E7}"/>
                   </a:ext>
                   <a:ext uri="{C183D7F6-B498-43B3-948B-1728B52AA6E4}">
-                    <adec:decorative xmlns:adec="http://schemas.microsoft.com/office/drawing/2017/decorative" val="1"/>
+                    <adec:decorative xmlns:adec="http://schemas.microsoft.com/office/drawing/2017/decorative" xmlns="" val="1"/>
                   </a:ext>
                 </a:extLst>
               </p:cNvPr>
@@ -34746,7 +34912,7 @@
                     <a16:creationId xmlns:a16="http://schemas.microsoft.com/office/drawing/2014/main" id="{4A8D89B4-AD1B-410A-870B-1042E075A04E}"/>
                   </a:ext>
                   <a:ext uri="{C183D7F6-B498-43B3-948B-1728B52AA6E4}">
-                    <adec:decorative xmlns:adec="http://schemas.microsoft.com/office/drawing/2017/decorative" val="1"/>
+                    <adec:decorative xmlns:adec="http://schemas.microsoft.com/office/drawing/2017/decorative" xmlns="" val="1"/>
                   </a:ext>
                 </a:extLst>
               </p:cNvPr>
@@ -34882,7 +35048,7 @@
                     <a16:creationId xmlns:a16="http://schemas.microsoft.com/office/drawing/2014/main" id="{DFC54570-9F45-44E6-AC94-4B3192D44B28}"/>
                   </a:ext>
                   <a:ext uri="{C183D7F6-B498-43B3-948B-1728B52AA6E4}">
-                    <adec:decorative xmlns:adec="http://schemas.microsoft.com/office/drawing/2017/decorative" val="1"/>
+                    <adec:decorative xmlns:adec="http://schemas.microsoft.com/office/drawing/2017/decorative" xmlns="" val="1"/>
                   </a:ext>
                 </a:extLst>
               </p:cNvPr>
@@ -34993,7 +35159,7 @@
                     <a16:creationId xmlns:a16="http://schemas.microsoft.com/office/drawing/2014/main" id="{A976F76C-4BBB-4CD4-9270-5E4E8802BF70}"/>
                   </a:ext>
                   <a:ext uri="{C183D7F6-B498-43B3-948B-1728B52AA6E4}">
-                    <adec:decorative xmlns:adec="http://schemas.microsoft.com/office/drawing/2017/decorative" val="1"/>
+                    <adec:decorative xmlns:adec="http://schemas.microsoft.com/office/drawing/2017/decorative" xmlns="" val="1"/>
                   </a:ext>
                 </a:extLst>
               </p:cNvPr>
@@ -35082,7 +35248,7 @@
                     <a16:creationId xmlns:a16="http://schemas.microsoft.com/office/drawing/2014/main" id="{06081E5F-35E2-4E9E-A0DA-9E2F769C4CE3}"/>
                   </a:ext>
                   <a:ext uri="{C183D7F6-B498-43B3-948B-1728B52AA6E4}">
-                    <adec:decorative xmlns:adec="http://schemas.microsoft.com/office/drawing/2017/decorative" val="1"/>
+                    <adec:decorative xmlns:adec="http://schemas.microsoft.com/office/drawing/2017/decorative" xmlns="" val="1"/>
                   </a:ext>
                 </a:extLst>
               </p:cNvPr>
@@ -35168,7 +35334,7 @@
                     <a16:creationId xmlns:a16="http://schemas.microsoft.com/office/drawing/2014/main" id="{7B7B4F78-1391-433D-AAE5-0FA8B8EE1817}"/>
                   </a:ext>
                   <a:ext uri="{C183D7F6-B498-43B3-948B-1728B52AA6E4}">
-                    <adec:decorative xmlns:adec="http://schemas.microsoft.com/office/drawing/2017/decorative" val="1"/>
+                    <adec:decorative xmlns:adec="http://schemas.microsoft.com/office/drawing/2017/decorative" xmlns="" val="1"/>
                   </a:ext>
                 </a:extLst>
               </p:cNvPr>
@@ -35279,7 +35445,7 @@
                     <a16:creationId xmlns:a16="http://schemas.microsoft.com/office/drawing/2014/main" id="{EF63F42B-29ED-4285-99D1-5FA657DA929D}"/>
                   </a:ext>
                   <a:ext uri="{C183D7F6-B498-43B3-948B-1728B52AA6E4}">
-                    <adec:decorative xmlns:adec="http://schemas.microsoft.com/office/drawing/2017/decorative" val="1"/>
+                    <adec:decorative xmlns:adec="http://schemas.microsoft.com/office/drawing/2017/decorative" xmlns="" val="1"/>
                   </a:ext>
                 </a:extLst>
               </p:cNvPr>
@@ -35390,7 +35556,7 @@
                     <a16:creationId xmlns:a16="http://schemas.microsoft.com/office/drawing/2014/main" id="{EB7A6053-A7CF-4785-B396-6F70D6EBE9BA}"/>
                   </a:ext>
                   <a:ext uri="{C183D7F6-B498-43B3-948B-1728B52AA6E4}">
-                    <adec:decorative xmlns:adec="http://schemas.microsoft.com/office/drawing/2017/decorative" val="1"/>
+                    <adec:decorative xmlns:adec="http://schemas.microsoft.com/office/drawing/2017/decorative" xmlns="" val="1"/>
                   </a:ext>
                 </a:extLst>
               </p:cNvPr>
@@ -35479,7 +35645,7 @@
                     <a16:creationId xmlns:a16="http://schemas.microsoft.com/office/drawing/2014/main" id="{E6337518-A10D-47A5-BD86-6D1F3FAF3C99}"/>
                   </a:ext>
                   <a:ext uri="{C183D7F6-B498-43B3-948B-1728B52AA6E4}">
-                    <adec:decorative xmlns:adec="http://schemas.microsoft.com/office/drawing/2017/decorative" val="1"/>
+                    <adec:decorative xmlns:adec="http://schemas.microsoft.com/office/drawing/2017/decorative" xmlns="" val="1"/>
                   </a:ext>
                 </a:extLst>
               </p:cNvPr>
@@ -35590,7 +35756,7 @@
                     <a16:creationId xmlns:a16="http://schemas.microsoft.com/office/drawing/2014/main" id="{7591C37F-6498-4992-992D-D413A84752D3}"/>
                   </a:ext>
                   <a:ext uri="{C183D7F6-B498-43B3-948B-1728B52AA6E4}">
-                    <adec:decorative xmlns:adec="http://schemas.microsoft.com/office/drawing/2017/decorative" val="1"/>
+                    <adec:decorative xmlns:adec="http://schemas.microsoft.com/office/drawing/2017/decorative" xmlns="" val="1"/>
                   </a:ext>
                 </a:extLst>
               </p:cNvPr>
@@ -35693,13 +35859,178 @@
           <a:p>
             <a:pPr algn="ctr"/>
             <a:r>
-              <a:rPr lang="en-US" sz="1900" cap="all">
+              <a:rPr lang="en-US" sz="1900" cap="all" dirty="0" err="1">
                 <a:solidFill>
                   <a:schemeClr val="tx2"/>
                 </a:solidFill>
               </a:rPr>
-              <a:t>Usaría Netlify por su facilidad de uso, buena documentación y herramientas modernas de desarrollo</a:t>
+              <a:t>Usaría</a:t>
             </a:r>
+            <a:r>
+              <a:rPr lang="en-US" sz="1900" cap="all" dirty="0">
+                <a:solidFill>
+                  <a:schemeClr val="tx2"/>
+                </a:solidFill>
+              </a:rPr>
+              <a:t> </a:t>
+            </a:r>
+            <a:r>
+              <a:rPr lang="en-US" sz="1900" cap="all" dirty="0" err="1">
+                <a:solidFill>
+                  <a:schemeClr val="tx2"/>
+                </a:solidFill>
+              </a:rPr>
+              <a:t>Netlify</a:t>
+            </a:r>
+            <a:r>
+              <a:rPr lang="en-US" sz="1900" cap="all" dirty="0">
+                <a:solidFill>
+                  <a:schemeClr val="tx2"/>
+                </a:solidFill>
+              </a:rPr>
+              <a:t> </a:t>
+            </a:r>
+            <a:r>
+              <a:rPr lang="en-US" sz="1900" cap="all" dirty="0" err="1">
+                <a:solidFill>
+                  <a:schemeClr val="tx2"/>
+                </a:solidFill>
+              </a:rPr>
+              <a:t>por</a:t>
+            </a:r>
+            <a:r>
+              <a:rPr lang="en-US" sz="1900" cap="all" dirty="0">
+                <a:solidFill>
+                  <a:schemeClr val="tx2"/>
+                </a:solidFill>
+              </a:rPr>
+              <a:t> </a:t>
+            </a:r>
+            <a:r>
+              <a:rPr lang="en-US" sz="1900" cap="all" dirty="0" err="1">
+                <a:solidFill>
+                  <a:schemeClr val="tx2"/>
+                </a:solidFill>
+              </a:rPr>
+              <a:t>su</a:t>
+            </a:r>
+            <a:r>
+              <a:rPr lang="en-US" sz="1900" cap="all" dirty="0">
+                <a:solidFill>
+                  <a:schemeClr val="tx2"/>
+                </a:solidFill>
+              </a:rPr>
+              <a:t> </a:t>
+            </a:r>
+            <a:r>
+              <a:rPr lang="en-US" sz="1900" cap="all" dirty="0" err="1">
+                <a:solidFill>
+                  <a:schemeClr val="tx2"/>
+                </a:solidFill>
+              </a:rPr>
+              <a:t>facilidad</a:t>
+            </a:r>
+            <a:r>
+              <a:rPr lang="en-US" sz="1900" cap="all" dirty="0">
+                <a:solidFill>
+                  <a:schemeClr val="tx2"/>
+                </a:solidFill>
+              </a:rPr>
+              <a:t> de </a:t>
+            </a:r>
+            <a:r>
+              <a:rPr lang="en-US" sz="1900" cap="all" dirty="0" err="1">
+                <a:solidFill>
+                  <a:schemeClr val="tx2"/>
+                </a:solidFill>
+              </a:rPr>
+              <a:t>uso</a:t>
+            </a:r>
+            <a:r>
+              <a:rPr lang="en-US" sz="1900" cap="all" dirty="0">
+                <a:solidFill>
+                  <a:schemeClr val="tx2"/>
+                </a:solidFill>
+              </a:rPr>
+              <a:t>, </a:t>
+            </a:r>
+            <a:r>
+              <a:rPr lang="en-US" sz="1900" cap="all" dirty="0" err="1">
+                <a:solidFill>
+                  <a:schemeClr val="tx2"/>
+                </a:solidFill>
+              </a:rPr>
+              <a:t>buena</a:t>
+            </a:r>
+            <a:r>
+              <a:rPr lang="en-US" sz="1900" cap="all" dirty="0">
+                <a:solidFill>
+                  <a:schemeClr val="tx2"/>
+                </a:solidFill>
+              </a:rPr>
+              <a:t> </a:t>
+            </a:r>
+            <a:r>
+              <a:rPr lang="en-US" sz="1900" cap="all" dirty="0" err="1">
+                <a:solidFill>
+                  <a:schemeClr val="tx2"/>
+                </a:solidFill>
+              </a:rPr>
+              <a:t>documentación</a:t>
+            </a:r>
+            <a:r>
+              <a:rPr lang="en-US" sz="1900" cap="all" dirty="0">
+                <a:solidFill>
+                  <a:schemeClr val="tx2"/>
+                </a:solidFill>
+              </a:rPr>
+              <a:t> y </a:t>
+            </a:r>
+            <a:r>
+              <a:rPr lang="en-US" sz="1900" cap="all" dirty="0" err="1">
+                <a:solidFill>
+                  <a:schemeClr val="tx2"/>
+                </a:solidFill>
+              </a:rPr>
+              <a:t>herramientas</a:t>
+            </a:r>
+            <a:r>
+              <a:rPr lang="en-US" sz="1900" cap="all" dirty="0">
+                <a:solidFill>
+                  <a:schemeClr val="tx2"/>
+                </a:solidFill>
+              </a:rPr>
+              <a:t> </a:t>
+            </a:r>
+            <a:r>
+              <a:rPr lang="en-US" sz="1900" cap="all" dirty="0" err="1">
+                <a:solidFill>
+                  <a:schemeClr val="tx2"/>
+                </a:solidFill>
+              </a:rPr>
+              <a:t>modernas</a:t>
+            </a:r>
+            <a:r>
+              <a:rPr lang="en-US" sz="1900" cap="all" dirty="0">
+                <a:solidFill>
+                  <a:schemeClr val="tx2"/>
+                </a:solidFill>
+              </a:rPr>
+              <a:t> de </a:t>
+            </a:r>
+            <a:r>
+              <a:rPr lang="en-US" sz="1900" cap="all" dirty="0" err="1">
+                <a:solidFill>
+                  <a:schemeClr val="tx2"/>
+                </a:solidFill>
+              </a:rPr>
+              <a:t>desarrollo</a:t>
+            </a:r>
+            <a:endParaRPr lang="en-US" sz="1900" cap="all" dirty="0">
+              <a:solidFill>
+                <a:schemeClr val="tx2"/>
+              </a:solidFill>
+            </a:endParaRPr>
           </a:p>
         </p:txBody>
       </p:sp>
